--- a/00_DocumentationVierge/Presentation.pptx
+++ b/00_DocumentationVierge/Presentation.pptx
@@ -7,6 +7,7 @@
   <p:sldIdLst>
     <p:sldId id="256" r:id="rId2"/>
     <p:sldId id="257" r:id="rId3"/>
+    <p:sldId id="258" r:id="rId4"/>
   </p:sldIdLst>
   <p:sldSz cx="12192000" cy="6858000"/>
   <p:notesSz cx="6858000" cy="9144000"/>
@@ -156,7 +157,10 @@
             <a:avLst/>
           </a:prstGeom>
           <a:solidFill>
-            <a:schemeClr val="accent2"/>
+            <a:schemeClr val="tx2">
+              <a:lumMod val="20000"/>
+              <a:lumOff val="80000"/>
+            </a:schemeClr>
           </a:solidFill>
           <a:ln>
             <a:noFill/>
@@ -194,7 +198,7 @@
             <a:avLst/>
           </a:prstGeom>
           <a:solidFill>
-            <a:schemeClr val="accent1"/>
+            <a:schemeClr val="tx2"/>
           </a:solidFill>
           <a:ln>
             <a:noFill/>
@@ -414,10 +418,7 @@
           </a:prstGeom>
           <a:ln w="6350">
             <a:solidFill>
-              <a:schemeClr val="tx1">
-                <a:lumMod val="50000"/>
-                <a:lumOff val="50000"/>
-              </a:schemeClr>
+              <a:schemeClr val="tx2"/>
             </a:solidFill>
           </a:ln>
         </p:spPr>
@@ -1105,7 +1106,10 @@
             <a:avLst/>
           </a:prstGeom>
           <a:solidFill>
-            <a:schemeClr val="accent2"/>
+            <a:schemeClr val="tx2">
+              <a:lumMod val="20000"/>
+              <a:lumOff val="80000"/>
+            </a:schemeClr>
           </a:solidFill>
           <a:ln>
             <a:noFill/>
@@ -1143,7 +1147,7 @@
             <a:avLst/>
           </a:prstGeom>
           <a:solidFill>
-            <a:schemeClr val="accent1"/>
+            <a:schemeClr val="tx2"/>
           </a:solidFill>
           <a:ln>
             <a:noFill/>
@@ -2212,7 +2216,10 @@
             <a:avLst/>
           </a:prstGeom>
           <a:solidFill>
-            <a:schemeClr val="accent2"/>
+            <a:schemeClr val="tx2">
+              <a:lumMod val="20000"/>
+              <a:lumOff val="80000"/>
+            </a:schemeClr>
           </a:solidFill>
           <a:ln>
             <a:noFill/>
@@ -2250,7 +2257,7 @@
             <a:avLst/>
           </a:prstGeom>
           <a:solidFill>
-            <a:schemeClr val="accent1"/>
+            <a:schemeClr val="tx2"/>
           </a:solidFill>
           <a:ln>
             <a:noFill/>
@@ -2391,7 +2398,10 @@
             <a:avLst/>
           </a:prstGeom>
           <a:solidFill>
-            <a:schemeClr val="accent2"/>
+            <a:schemeClr val="tx2">
+              <a:lumMod val="20000"/>
+              <a:lumOff val="80000"/>
+            </a:schemeClr>
           </a:solidFill>
           <a:ln>
             <a:noFill/>
@@ -2429,7 +2439,7 @@
             <a:avLst/>
           </a:prstGeom>
           <a:solidFill>
-            <a:schemeClr val="accent1"/>
+            <a:schemeClr val="tx2"/>
           </a:solidFill>
           <a:ln>
             <a:noFill/>
@@ -2758,7 +2768,10 @@
             <a:avLst/>
           </a:prstGeom>
           <a:solidFill>
-            <a:schemeClr val="accent2"/>
+            <a:schemeClr val="tx2">
+              <a:lumMod val="20000"/>
+              <a:lumOff val="80000"/>
+            </a:schemeClr>
           </a:solidFill>
           <a:ln>
             <a:noFill/>
@@ -2796,7 +2809,7 @@
             <a:avLst/>
           </a:prstGeom>
           <a:solidFill>
-            <a:schemeClr val="accent1"/>
+            <a:schemeClr val="tx2"/>
           </a:solidFill>
           <a:ln>
             <a:noFill/>
@@ -3124,7 +3137,10 @@
             <a:avLst/>
           </a:prstGeom>
           <a:solidFill>
-            <a:schemeClr val="accent2"/>
+            <a:schemeClr val="tx2">
+              <a:lumMod val="20000"/>
+              <a:lumOff val="80000"/>
+            </a:schemeClr>
           </a:solidFill>
           <a:ln>
             <a:noFill/>
@@ -3162,7 +3178,7 @@
             <a:avLst/>
           </a:prstGeom>
           <a:solidFill>
-            <a:schemeClr val="accent1"/>
+            <a:schemeClr val="tx2"/>
           </a:solidFill>
           <a:ln>
             <a:noFill/>
@@ -3197,8 +3213,8 @@
         </p:nvSpPr>
         <p:spPr>
           <a:xfrm>
-            <a:off x="0" y="1"/>
-            <a:ext cx="12192000" cy="922901"/>
+            <a:off x="0" y="2"/>
+            <a:ext cx="12192000" cy="882796"/>
           </a:xfrm>
           <a:prstGeom prst="rect">
             <a:avLst/>
@@ -3245,35 +3261,35 @@
           <a:p>
             <a:pPr lvl="0"/>
             <a:r>
-              <a:rPr lang="fr-FR"/>
+              <a:rPr lang="fr-FR" dirty="0"/>
               <a:t>Cliquez pour modifier les styles du texte du masque</a:t>
             </a:r>
           </a:p>
           <a:p>
             <a:pPr lvl="1"/>
             <a:r>
-              <a:rPr lang="fr-FR"/>
+              <a:rPr lang="fr-FR" dirty="0"/>
               <a:t>Deuxième niveau</a:t>
             </a:r>
           </a:p>
           <a:p>
             <a:pPr lvl="2"/>
             <a:r>
-              <a:rPr lang="fr-FR"/>
+              <a:rPr lang="fr-FR" dirty="0"/>
               <a:t>Troisième niveau</a:t>
             </a:r>
           </a:p>
           <a:p>
             <a:pPr lvl="3"/>
             <a:r>
-              <a:rPr lang="fr-FR"/>
+              <a:rPr lang="fr-FR" dirty="0"/>
               <a:t>Quatrième niveau</a:t>
             </a:r>
           </a:p>
           <a:p>
             <a:pPr lvl="4"/>
             <a:r>
-              <a:rPr lang="fr-FR"/>
+              <a:rPr lang="fr-FR" dirty="0"/>
               <a:t>Cinquième niveau</a:t>
             </a:r>
             <a:endParaRPr lang="en-US" dirty="0"/>
@@ -3403,7 +3419,7 @@
         </p:nvCxnSpPr>
         <p:spPr>
           <a:xfrm>
-            <a:off x="117795" y="922902"/>
+            <a:off x="117795" y="891152"/>
             <a:ext cx="11956410" cy="0"/>
           </a:xfrm>
           <a:prstGeom prst="line">
@@ -3411,10 +3427,7 @@
           </a:prstGeom>
           <a:ln w="6350">
             <a:solidFill>
-              <a:schemeClr val="tx1">
-                <a:lumMod val="50000"/>
-                <a:lumOff val="50000"/>
-              </a:schemeClr>
+              <a:schemeClr val="tx2"/>
             </a:solidFill>
           </a:ln>
         </p:spPr>
@@ -3517,7 +3530,7 @@
           <a:spcPts val="400"/>
         </a:spcAft>
         <a:buClr>
-          <a:schemeClr val="accent1"/>
+          <a:schemeClr val="tx2"/>
         </a:buClr>
         <a:buFont typeface="Calibri" pitchFamily="34" charset="0"/>
         <a:buChar char="◦"/>
@@ -3544,7 +3557,7 @@
           <a:spcPts val="400"/>
         </a:spcAft>
         <a:buClr>
-          <a:schemeClr val="accent1"/>
+          <a:schemeClr val="tx2"/>
         </a:buClr>
         <a:buFont typeface="Calibri" pitchFamily="34" charset="0"/>
         <a:buChar char="◦"/>
@@ -3571,7 +3584,7 @@
           <a:spcPts val="400"/>
         </a:spcAft>
         <a:buClr>
-          <a:schemeClr val="accent1"/>
+          <a:schemeClr val="tx2"/>
         </a:buClr>
         <a:buFont typeface="Calibri" pitchFamily="34" charset="0"/>
         <a:buChar char="◦"/>
@@ -3598,7 +3611,7 @@
           <a:spcPts val="400"/>
         </a:spcAft>
         <a:buClr>
-          <a:schemeClr val="accent1"/>
+          <a:schemeClr val="tx2"/>
         </a:buClr>
         <a:buFont typeface="Calibri" pitchFamily="34" charset="0"/>
         <a:buChar char="◦"/>
@@ -4286,45 +4299,125 @@
 </p:sld>
 </file>
 
+<file path=ppt/slides/slide3.xml><?xml version="1.0" encoding="utf-8"?>
+<p:sld xmlns:a="http://schemas.openxmlformats.org/drawingml/2006/main" xmlns:r="http://schemas.openxmlformats.org/officeDocument/2006/relationships" xmlns:p="http://schemas.openxmlformats.org/presentationml/2006/main">
+  <p:cSld>
+    <p:spTree>
+      <p:nvGrpSpPr>
+        <p:cNvPr id="1" name=""/>
+        <p:cNvGrpSpPr/>
+        <p:nvPr/>
+      </p:nvGrpSpPr>
+      <p:grpSpPr>
+        <a:xfrm>
+          <a:off x="0" y="0"/>
+          <a:ext cx="0" cy="0"/>
+          <a:chOff x="0" y="0"/>
+          <a:chExt cx="0" cy="0"/>
+        </a:xfrm>
+      </p:grpSpPr>
+      <p:sp>
+        <p:nvSpPr>
+          <p:cNvPr id="2" name="Titre 1">
+            <a:extLst>
+              <a:ext uri="{FF2B5EF4-FFF2-40B4-BE49-F238E27FC236}">
+                <a16:creationId xmlns:a16="http://schemas.microsoft.com/office/drawing/2014/main" id="{F883C114-EC0F-3E7B-237A-16F6CA0EF0D5}"/>
+              </a:ext>
+            </a:extLst>
+          </p:cNvPr>
+          <p:cNvSpPr>
+            <a:spLocks noGrp="1"/>
+          </p:cNvSpPr>
+          <p:nvPr>
+            <p:ph type="title"/>
+          </p:nvPr>
+        </p:nvSpPr>
+        <p:spPr/>
+        <p:txBody>
+          <a:bodyPr/>
+          <a:lstStyle/>
+          <a:p>
+            <a:endParaRPr lang="fr-FR"/>
+          </a:p>
+        </p:txBody>
+      </p:sp>
+      <p:sp>
+        <p:nvSpPr>
+          <p:cNvPr id="3" name="Espace réservé du contenu 2">
+            <a:extLst>
+              <a:ext uri="{FF2B5EF4-FFF2-40B4-BE49-F238E27FC236}">
+                <a16:creationId xmlns:a16="http://schemas.microsoft.com/office/drawing/2014/main" id="{6BC7AFFE-4546-7FB4-BD2F-5CD68967540D}"/>
+              </a:ext>
+            </a:extLst>
+          </p:cNvPr>
+          <p:cNvSpPr>
+            <a:spLocks noGrp="1"/>
+          </p:cNvSpPr>
+          <p:nvPr>
+            <p:ph idx="1"/>
+          </p:nvPr>
+        </p:nvSpPr>
+        <p:spPr/>
+        <p:txBody>
+          <a:bodyPr/>
+          <a:lstStyle/>
+          <a:p>
+            <a:endParaRPr lang="fr-FR"/>
+          </a:p>
+        </p:txBody>
+      </p:sp>
+    </p:spTree>
+    <p:extLst>
+      <p:ext uri="{BB962C8B-B14F-4D97-AF65-F5344CB8AC3E}">
+        <p14:creationId xmlns:p14="http://schemas.microsoft.com/office/powerpoint/2010/main" val="2140799209"/>
+      </p:ext>
+    </p:extLst>
+  </p:cSld>
+  <p:clrMapOvr>
+    <a:masterClrMapping/>
+  </p:clrMapOvr>
+</p:sld>
+</file>
+
 <file path=ppt/theme/theme1.xml><?xml version="1.0" encoding="utf-8"?>
 <a:theme xmlns:a="http://schemas.openxmlformats.org/drawingml/2006/main" name="Rétrospective">
   <a:themeElements>
-    <a:clrScheme name="Rétrospective">
+    <a:clrScheme name="Bleu vert">
       <a:dk1>
-        <a:srgbClr val="000000"/>
+        <a:sysClr val="windowText" lastClr="000000"/>
       </a:dk1>
       <a:lt1>
         <a:sysClr val="window" lastClr="FFFFFF"/>
       </a:lt1>
       <a:dk2>
-        <a:srgbClr val="637052"/>
+        <a:srgbClr val="373545"/>
       </a:dk2>
       <a:lt2>
-        <a:srgbClr val="CCDDEA"/>
+        <a:srgbClr val="CEDBE6"/>
       </a:lt2>
       <a:accent1>
-        <a:srgbClr val="E48312"/>
+        <a:srgbClr val="3494BA"/>
       </a:accent1>
       <a:accent2>
-        <a:srgbClr val="BD582C"/>
+        <a:srgbClr val="58B6C0"/>
       </a:accent2>
       <a:accent3>
-        <a:srgbClr val="865640"/>
+        <a:srgbClr val="75BDA7"/>
       </a:accent3>
       <a:accent4>
-        <a:srgbClr val="9B8357"/>
+        <a:srgbClr val="7A8C8E"/>
       </a:accent4>
       <a:accent5>
-        <a:srgbClr val="C2BC80"/>
+        <a:srgbClr val="84ACB6"/>
       </a:accent5>
       <a:accent6>
-        <a:srgbClr val="94A088"/>
+        <a:srgbClr val="2683C6"/>
       </a:accent6>
       <a:hlink>
-        <a:srgbClr val="2998E3"/>
+        <a:srgbClr val="6B9F25"/>
       </a:hlink>
       <a:folHlink>
-        <a:srgbClr val="8C8C8C"/>
+        <a:srgbClr val="9F6715"/>
       </a:folHlink>
     </a:clrScheme>
     <a:fontScheme name="Rétrospective">

--- a/00_DocumentationVierge/Presentation.pptx
+++ b/00_DocumentationVierge/Presentation.pptx
@@ -6,8 +6,13 @@
   </p:sldMasterIdLst>
   <p:sldIdLst>
     <p:sldId id="256" r:id="rId2"/>
-    <p:sldId id="257" r:id="rId3"/>
+    <p:sldId id="260" r:id="rId3"/>
     <p:sldId id="258" r:id="rId4"/>
+    <p:sldId id="261" r:id="rId5"/>
+    <p:sldId id="262" r:id="rId6"/>
+    <p:sldId id="259" r:id="rId7"/>
+    <p:sldId id="264" r:id="rId8"/>
+    <p:sldId id="263" r:id="rId9"/>
   </p:sldIdLst>
   <p:sldSz cx="12192000" cy="6858000"/>
   <p:notesSz cx="6858000" cy="9144000"/>
@@ -109,7 +114,7 @@
   <p:extLst>
     <p:ext uri="{EFAFB233-063F-42B5-8137-9DF3F51BA10A}">
       <p15:sldGuideLst xmlns:p15="http://schemas.microsoft.com/office/powerpoint/2012/main">
-        <p15:guide id="1" orient="horz" pos="2160" userDrawn="1">
+        <p15:guide id="1" orient="horz" pos="2183" userDrawn="1">
           <p15:clr>
             <a:srgbClr val="A4A3A4"/>
           </p15:clr>
@@ -354,7 +359,7 @@
           <a:p>
             <a:fld id="{D7F135F6-2A09-4FDD-9ECA-096E230CA0FA}" type="datetimeFigureOut">
               <a:rPr lang="fr-FR" smtClean="0"/>
-              <a:t>01/04/2023</a:t>
+              <a:t>05/04/2023</a:t>
             </a:fld>
             <a:endParaRPr lang="fr-FR"/>
           </a:p>
@@ -559,7 +564,7 @@
           <a:p>
             <a:fld id="{D7F135F6-2A09-4FDD-9ECA-096E230CA0FA}" type="datetimeFigureOut">
               <a:rPr lang="fr-FR" smtClean="0"/>
-              <a:t>01/04/2023</a:t>
+              <a:t>05/04/2023</a:t>
             </a:fld>
             <a:endParaRPr lang="fr-FR"/>
           </a:p>
@@ -815,7 +820,7 @@
           <a:p>
             <a:fld id="{D7F135F6-2A09-4FDD-9ECA-096E230CA0FA}" type="datetimeFigureOut">
               <a:rPr lang="fr-FR" smtClean="0"/>
-              <a:t>01/04/2023</a:t>
+              <a:t>05/04/2023</a:t>
             </a:fld>
             <a:endParaRPr lang="fr-FR"/>
           </a:p>
@@ -989,7 +994,7 @@
           <a:p>
             <a:fld id="{D7F135F6-2A09-4FDD-9ECA-096E230CA0FA}" type="datetimeFigureOut">
               <a:rPr lang="fr-FR" smtClean="0"/>
-              <a:t>01/04/2023</a:t>
+              <a:t>05/04/2023</a:t>
             </a:fld>
             <a:endParaRPr lang="fr-FR"/>
           </a:p>
@@ -1351,7 +1356,7 @@
           <a:p>
             <a:fld id="{D7F135F6-2A09-4FDD-9ECA-096E230CA0FA}" type="datetimeFigureOut">
               <a:rPr lang="fr-FR" smtClean="0"/>
-              <a:t>01/04/2023</a:t>
+              <a:t>05/04/2023</a:t>
             </a:fld>
             <a:endParaRPr lang="fr-FR"/>
           </a:p>
@@ -1626,7 +1631,7 @@
           <a:p>
             <a:fld id="{D7F135F6-2A09-4FDD-9ECA-096E230CA0FA}" type="datetimeFigureOut">
               <a:rPr lang="fr-FR" smtClean="0"/>
-              <a:t>01/04/2023</a:t>
+              <a:t>05/04/2023</a:t>
             </a:fld>
             <a:endParaRPr lang="fr-FR"/>
           </a:p>
@@ -2005,7 +2010,7 @@
           <a:p>
             <a:fld id="{D7F135F6-2A09-4FDD-9ECA-096E230CA0FA}" type="datetimeFigureOut">
               <a:rPr lang="fr-FR" smtClean="0"/>
-              <a:t>01/04/2023</a:t>
+              <a:t>05/04/2023</a:t>
             </a:fld>
             <a:endParaRPr lang="fr-FR"/>
           </a:p>
@@ -2123,7 +2128,7 @@
           <a:p>
             <a:fld id="{D7F135F6-2A09-4FDD-9ECA-096E230CA0FA}" type="datetimeFigureOut">
               <a:rPr lang="fr-FR" smtClean="0"/>
-              <a:t>01/04/2023</a:t>
+              <a:t>05/04/2023</a:t>
             </a:fld>
             <a:endParaRPr lang="fr-FR"/>
           </a:p>
@@ -2297,7 +2302,7 @@
           <a:p>
             <a:fld id="{D7F135F6-2A09-4FDD-9ECA-096E230CA0FA}" type="datetimeFigureOut">
               <a:rPr lang="fr-FR" smtClean="0"/>
-              <a:t>01/04/2023</a:t>
+              <a:t>05/04/2023</a:t>
             </a:fld>
             <a:endParaRPr lang="fr-FR"/>
           </a:p>
@@ -2654,7 +2659,7 @@
           <a:p>
             <a:fld id="{D7F135F6-2A09-4FDD-9ECA-096E230CA0FA}" type="datetimeFigureOut">
               <a:rPr lang="fr-FR" smtClean="0"/>
-              <a:t>01/04/2023</a:t>
+              <a:t>05/04/2023</a:t>
             </a:fld>
             <a:endParaRPr lang="fr-FR"/>
           </a:p>
@@ -3039,7 +3044,7 @@
           <a:p>
             <a:fld id="{D7F135F6-2A09-4FDD-9ECA-096E230CA0FA}" type="datetimeFigureOut">
               <a:rPr lang="fr-FR" smtClean="0"/>
-              <a:t>01/04/2023</a:t>
+              <a:t>05/04/2023</a:t>
             </a:fld>
             <a:endParaRPr lang="fr-FR"/>
           </a:p>
@@ -3329,7 +3334,7 @@
           <a:p>
             <a:fld id="{D7F135F6-2A09-4FDD-9ECA-096E230CA0FA}" type="datetimeFigureOut">
               <a:rPr lang="fr-FR" smtClean="0"/>
-              <a:t>01/04/2023</a:t>
+              <a:t>05/04/2023</a:t>
             </a:fld>
             <a:endParaRPr lang="fr-FR" dirty="0"/>
           </a:p>
@@ -3950,10 +3955,1097 @@
       </p:grpSpPr>
       <p:sp>
         <p:nvSpPr>
+          <p:cNvPr id="2" name="Titre 1"/>
+          <p:cNvSpPr>
+            <a:spLocks noGrp="1"/>
+          </p:cNvSpPr>
+          <p:nvPr>
+            <p:ph type="title"/>
+          </p:nvPr>
+        </p:nvSpPr>
+        <p:spPr/>
+        <p:txBody>
+          <a:bodyPr/>
+          <a:lstStyle/>
+          <a:p>
+            <a:endParaRPr lang="fr-FR"/>
+          </a:p>
+        </p:txBody>
+      </p:sp>
+      <p:sp>
+        <p:nvSpPr>
+          <p:cNvPr id="3" name="Espace réservé du contenu 2"/>
+          <p:cNvSpPr>
+            <a:spLocks noGrp="1"/>
+          </p:cNvSpPr>
+          <p:nvPr>
+            <p:ph idx="1"/>
+          </p:nvPr>
+        </p:nvSpPr>
+        <p:spPr/>
+        <p:txBody>
+          <a:bodyPr/>
+          <a:lstStyle/>
+          <a:p>
+            <a:endParaRPr lang="fr-FR" dirty="0"/>
+          </a:p>
+        </p:txBody>
+      </p:sp>
+      <p:sp>
+        <p:nvSpPr>
+          <p:cNvPr id="4" name="Rectangle à coins arrondis 3"/>
+          <p:cNvSpPr/>
+          <p:nvPr/>
+        </p:nvSpPr>
+        <p:spPr>
+          <a:xfrm>
+            <a:off x="358588" y="954736"/>
+            <a:ext cx="2682977" cy="546848"/>
+          </a:xfrm>
+          <a:prstGeom prst="roundRect">
+            <a:avLst/>
+          </a:prstGeom>
+        </p:spPr>
+        <p:style>
+          <a:lnRef idx="2">
+            <a:schemeClr val="accent1">
+              <a:shade val="50000"/>
+            </a:schemeClr>
+          </a:lnRef>
+          <a:fillRef idx="1">
+            <a:schemeClr val="accent1"/>
+          </a:fillRef>
+          <a:effectRef idx="0">
+            <a:schemeClr val="accent1"/>
+          </a:effectRef>
+          <a:fontRef idx="minor">
+            <a:schemeClr val="lt1"/>
+          </a:fontRef>
+        </p:style>
+        <p:txBody>
+          <a:bodyPr rtlCol="0" anchor="ctr"/>
+          <a:lstStyle/>
+          <a:p>
+            <a:pPr marL="342900" indent="-342900" algn="ctr">
+              <a:buAutoNum type="arabicPeriod"/>
+            </a:pPr>
+            <a:r>
+              <a:rPr lang="fr-FR" sz="1200" dirty="0" smtClean="0"/>
+              <a:t>Convertisseurs de puissance</a:t>
+            </a:r>
+          </a:p>
+          <a:p>
+            <a:pPr algn="ctr"/>
+            <a:r>
+              <a:rPr lang="fr-FR" sz="1200" dirty="0" smtClean="0"/>
+              <a:t>(4 semaines)</a:t>
+            </a:r>
+            <a:endParaRPr lang="fr-FR" sz="1200" dirty="0"/>
+          </a:p>
+        </p:txBody>
+      </p:sp>
+      <p:sp>
+        <p:nvSpPr>
+          <p:cNvPr id="5" name="Rectangle à coins arrondis 4"/>
+          <p:cNvSpPr/>
+          <p:nvPr/>
+        </p:nvSpPr>
+        <p:spPr>
+          <a:xfrm>
+            <a:off x="341923" y="1605798"/>
+            <a:ext cx="2716306" cy="546848"/>
+          </a:xfrm>
+          <a:prstGeom prst="roundRect">
+            <a:avLst/>
+          </a:prstGeom>
+        </p:spPr>
+        <p:style>
+          <a:lnRef idx="2">
+            <a:schemeClr val="accent1">
+              <a:shade val="50000"/>
+            </a:schemeClr>
+          </a:lnRef>
+          <a:fillRef idx="1">
+            <a:schemeClr val="accent1"/>
+          </a:fillRef>
+          <a:effectRef idx="0">
+            <a:schemeClr val="accent1"/>
+          </a:effectRef>
+          <a:fontRef idx="minor">
+            <a:schemeClr val="lt1"/>
+          </a:fontRef>
+        </p:style>
+        <p:txBody>
+          <a:bodyPr rtlCol="0" anchor="ctr"/>
+          <a:lstStyle/>
+          <a:p>
+            <a:pPr algn="ctr"/>
+            <a:r>
+              <a:rPr lang="fr-FR" sz="1200" dirty="0" smtClean="0"/>
+              <a:t>2. Convertisseurs (Machines synchrones)</a:t>
+            </a:r>
+          </a:p>
+          <a:p>
+            <a:pPr algn="ctr"/>
+            <a:r>
+              <a:rPr lang="fr-FR" sz="1200" dirty="0" smtClean="0"/>
+              <a:t>(3 semaines) </a:t>
+            </a:r>
+            <a:endParaRPr lang="fr-FR" sz="1200" dirty="0"/>
+          </a:p>
+        </p:txBody>
+      </p:sp>
+      <p:sp>
+        <p:nvSpPr>
+          <p:cNvPr id="6" name="Rectangle à coins arrondis 5"/>
+          <p:cNvSpPr/>
+          <p:nvPr/>
+        </p:nvSpPr>
+        <p:spPr>
+          <a:xfrm>
+            <a:off x="341923" y="2907922"/>
+            <a:ext cx="2716306" cy="546848"/>
+          </a:xfrm>
+          <a:prstGeom prst="roundRect">
+            <a:avLst/>
+          </a:prstGeom>
+        </p:spPr>
+        <p:style>
+          <a:lnRef idx="2">
+            <a:schemeClr val="accent1">
+              <a:shade val="50000"/>
+            </a:schemeClr>
+          </a:lnRef>
+          <a:fillRef idx="1">
+            <a:schemeClr val="accent1"/>
+          </a:fillRef>
+          <a:effectRef idx="0">
+            <a:schemeClr val="accent1"/>
+          </a:effectRef>
+          <a:fontRef idx="minor">
+            <a:schemeClr val="lt1"/>
+          </a:fontRef>
+        </p:style>
+        <p:txBody>
+          <a:bodyPr rtlCol="0" anchor="ctr"/>
+          <a:lstStyle/>
+          <a:p>
+            <a:pPr algn="ctr"/>
+            <a:r>
+              <a:rPr lang="fr-FR" sz="1200" dirty="0" smtClean="0"/>
+              <a:t>4. Modéliser un système multiphysique (Temporel et fréquentiel) (3 semaines)</a:t>
+            </a:r>
+          </a:p>
+        </p:txBody>
+      </p:sp>
+      <p:sp>
+        <p:nvSpPr>
+          <p:cNvPr id="7" name="Rectangle à coins arrondis 6"/>
+          <p:cNvSpPr/>
+          <p:nvPr/>
+        </p:nvSpPr>
+        <p:spPr>
+          <a:xfrm>
+            <a:off x="350256" y="3558984"/>
+            <a:ext cx="2699641" cy="546848"/>
+          </a:xfrm>
+          <a:prstGeom prst="roundRect">
+            <a:avLst/>
+          </a:prstGeom>
+        </p:spPr>
+        <p:style>
+          <a:lnRef idx="2">
+            <a:schemeClr val="accent1">
+              <a:shade val="50000"/>
+            </a:schemeClr>
+          </a:lnRef>
+          <a:fillRef idx="1">
+            <a:schemeClr val="accent1"/>
+          </a:fillRef>
+          <a:effectRef idx="0">
+            <a:schemeClr val="accent1"/>
+          </a:effectRef>
+          <a:fontRef idx="minor">
+            <a:schemeClr val="lt1"/>
+          </a:fontRef>
+        </p:style>
+        <p:txBody>
+          <a:bodyPr rtlCol="0" anchor="ctr"/>
+          <a:lstStyle/>
+          <a:p>
+            <a:pPr algn="ctr"/>
+            <a:r>
+              <a:rPr lang="fr-FR" sz="1200" dirty="0" smtClean="0"/>
+              <a:t>5. Détermination des performances</a:t>
+            </a:r>
+          </a:p>
+          <a:p>
+            <a:pPr algn="ctr"/>
+            <a:r>
+              <a:rPr lang="fr-FR" sz="1200" dirty="0" smtClean="0"/>
+              <a:t>(3 semaines)</a:t>
+            </a:r>
+          </a:p>
+        </p:txBody>
+      </p:sp>
+      <p:sp>
+        <p:nvSpPr>
+          <p:cNvPr id="8" name="Rectangle à coins arrondis 7"/>
+          <p:cNvSpPr/>
+          <p:nvPr/>
+        </p:nvSpPr>
+        <p:spPr>
+          <a:xfrm>
+            <a:off x="358588" y="4210046"/>
+            <a:ext cx="2682977" cy="546848"/>
+          </a:xfrm>
+          <a:prstGeom prst="roundRect">
+            <a:avLst/>
+          </a:prstGeom>
+        </p:spPr>
+        <p:style>
+          <a:lnRef idx="2">
+            <a:schemeClr val="accent1">
+              <a:shade val="50000"/>
+            </a:schemeClr>
+          </a:lnRef>
+          <a:fillRef idx="1">
+            <a:schemeClr val="accent1"/>
+          </a:fillRef>
+          <a:effectRef idx="0">
+            <a:schemeClr val="accent1"/>
+          </a:effectRef>
+          <a:fontRef idx="minor">
+            <a:schemeClr val="lt1"/>
+          </a:fontRef>
+        </p:style>
+        <p:txBody>
+          <a:bodyPr rtlCol="0" anchor="ctr"/>
+          <a:lstStyle/>
+          <a:p>
+            <a:pPr algn="ctr"/>
+            <a:r>
+              <a:rPr lang="fr-FR" sz="1200" dirty="0" smtClean="0"/>
+              <a:t>6. Correcteurs des SLCI</a:t>
+            </a:r>
+          </a:p>
+          <a:p>
+            <a:pPr algn="ctr"/>
+            <a:r>
+              <a:rPr lang="fr-FR" sz="1200" dirty="0" smtClean="0"/>
+              <a:t>(3 semaines)</a:t>
+            </a:r>
+          </a:p>
+        </p:txBody>
+      </p:sp>
+      <p:sp>
+        <p:nvSpPr>
+          <p:cNvPr id="9" name="Rectangle à coins arrondis 8"/>
+          <p:cNvSpPr/>
+          <p:nvPr/>
+        </p:nvSpPr>
+        <p:spPr>
+          <a:xfrm>
+            <a:off x="341923" y="2256860"/>
+            <a:ext cx="2716306" cy="546848"/>
+          </a:xfrm>
+          <a:prstGeom prst="roundRect">
+            <a:avLst/>
+          </a:prstGeom>
+        </p:spPr>
+        <p:style>
+          <a:lnRef idx="2">
+            <a:schemeClr val="accent1">
+              <a:shade val="50000"/>
+            </a:schemeClr>
+          </a:lnRef>
+          <a:fillRef idx="1">
+            <a:schemeClr val="accent1"/>
+          </a:fillRef>
+          <a:effectRef idx="0">
+            <a:schemeClr val="accent1"/>
+          </a:effectRef>
+          <a:fontRef idx="minor">
+            <a:schemeClr val="lt1"/>
+          </a:fontRef>
+        </p:style>
+        <p:txBody>
+          <a:bodyPr rtlCol="0" anchor="ctr"/>
+          <a:lstStyle/>
+          <a:p>
+            <a:pPr algn="ctr"/>
+            <a:r>
+              <a:rPr lang="fr-FR" sz="1200" dirty="0"/>
+              <a:t>3</a:t>
+            </a:r>
+            <a:r>
+              <a:rPr lang="fr-FR" sz="1200" dirty="0" smtClean="0"/>
+              <a:t>. Convertisseurs (Machines asynchrones)</a:t>
+            </a:r>
+          </a:p>
+          <a:p>
+            <a:pPr algn="ctr"/>
+            <a:r>
+              <a:rPr lang="fr-FR" sz="1200" dirty="0" smtClean="0"/>
+              <a:t>(2 semaines) </a:t>
+            </a:r>
+            <a:endParaRPr lang="fr-FR" sz="1200" dirty="0"/>
+          </a:p>
+        </p:txBody>
+      </p:sp>
+      <p:sp>
+        <p:nvSpPr>
+          <p:cNvPr id="10" name="Rectangle à coins arrondis 9"/>
+          <p:cNvSpPr/>
+          <p:nvPr/>
+        </p:nvSpPr>
+        <p:spPr>
+          <a:xfrm>
+            <a:off x="341923" y="5512170"/>
+            <a:ext cx="2716306" cy="546848"/>
+          </a:xfrm>
+          <a:prstGeom prst="roundRect">
+            <a:avLst/>
+          </a:prstGeom>
+        </p:spPr>
+        <p:style>
+          <a:lnRef idx="2">
+            <a:schemeClr val="accent1">
+              <a:shade val="50000"/>
+            </a:schemeClr>
+          </a:lnRef>
+          <a:fillRef idx="1">
+            <a:schemeClr val="accent1"/>
+          </a:fillRef>
+          <a:effectRef idx="0">
+            <a:schemeClr val="accent1"/>
+          </a:effectRef>
+          <a:fontRef idx="minor">
+            <a:schemeClr val="lt1"/>
+          </a:fontRef>
+        </p:style>
+        <p:txBody>
+          <a:bodyPr rtlCol="0" anchor="ctr"/>
+          <a:lstStyle/>
+          <a:p>
+            <a:pPr algn="ctr"/>
+            <a:r>
+              <a:rPr lang="fr-FR" sz="1200" dirty="0"/>
+              <a:t>8</a:t>
+            </a:r>
+            <a:r>
+              <a:rPr lang="fr-FR" sz="1200" dirty="0" smtClean="0"/>
+              <a:t>. </a:t>
+            </a:r>
+            <a:r>
+              <a:rPr lang="fr-FR" sz="1200" dirty="0" smtClean="0"/>
+              <a:t>Réseaux </a:t>
+            </a:r>
+          </a:p>
+          <a:p>
+            <a:pPr algn="ctr"/>
+            <a:r>
+              <a:rPr lang="fr-FR" sz="1200" dirty="0" smtClean="0"/>
+              <a:t>(2 semaines)</a:t>
+            </a:r>
+            <a:endParaRPr lang="fr-FR" sz="1200" dirty="0"/>
+          </a:p>
+        </p:txBody>
+      </p:sp>
+      <p:sp>
+        <p:nvSpPr>
+          <p:cNvPr id="11" name="Rectangle à coins arrondis 10"/>
+          <p:cNvSpPr/>
+          <p:nvPr/>
+        </p:nvSpPr>
+        <p:spPr>
+          <a:xfrm>
+            <a:off x="341923" y="4861108"/>
+            <a:ext cx="2716306" cy="546848"/>
+          </a:xfrm>
+          <a:prstGeom prst="roundRect">
+            <a:avLst/>
+          </a:prstGeom>
+        </p:spPr>
+        <p:style>
+          <a:lnRef idx="2">
+            <a:schemeClr val="accent1">
+              <a:shade val="50000"/>
+            </a:schemeClr>
+          </a:lnRef>
+          <a:fillRef idx="1">
+            <a:schemeClr val="accent1"/>
+          </a:fillRef>
+          <a:effectRef idx="0">
+            <a:schemeClr val="accent1"/>
+          </a:effectRef>
+          <a:fontRef idx="minor">
+            <a:schemeClr val="lt1"/>
+          </a:fontRef>
+        </p:style>
+        <p:txBody>
+          <a:bodyPr rtlCol="0" anchor="ctr"/>
+          <a:lstStyle/>
+          <a:p>
+            <a:pPr algn="ctr"/>
+            <a:r>
+              <a:rPr lang="fr-FR" sz="1200" dirty="0" smtClean="0"/>
+              <a:t>7. Réseaux </a:t>
+            </a:r>
+          </a:p>
+          <a:p>
+            <a:pPr algn="ctr"/>
+            <a:r>
+              <a:rPr lang="fr-FR" sz="1200" dirty="0" smtClean="0"/>
+              <a:t>(2 semaines)</a:t>
+            </a:r>
+          </a:p>
+          <a:p>
+            <a:pPr algn="ctr"/>
+            <a:endParaRPr lang="fr-FR" sz="1200" dirty="0"/>
+          </a:p>
+        </p:txBody>
+      </p:sp>
+      <p:sp>
+        <p:nvSpPr>
+          <p:cNvPr id="12" name="Rectangle à coins arrondis 11"/>
+          <p:cNvSpPr/>
+          <p:nvPr/>
+        </p:nvSpPr>
+        <p:spPr>
+          <a:xfrm>
+            <a:off x="341923" y="6163232"/>
+            <a:ext cx="2716306" cy="546848"/>
+          </a:xfrm>
+          <a:prstGeom prst="roundRect">
+            <a:avLst/>
+          </a:prstGeom>
+        </p:spPr>
+        <p:style>
+          <a:lnRef idx="2">
+            <a:schemeClr val="accent1">
+              <a:shade val="50000"/>
+            </a:schemeClr>
+          </a:lnRef>
+          <a:fillRef idx="1">
+            <a:schemeClr val="accent1"/>
+          </a:fillRef>
+          <a:effectRef idx="0">
+            <a:schemeClr val="accent1"/>
+          </a:effectRef>
+          <a:fontRef idx="minor">
+            <a:schemeClr val="lt1"/>
+          </a:fontRef>
+        </p:style>
+        <p:txBody>
+          <a:bodyPr rtlCol="0" anchor="ctr"/>
+          <a:lstStyle/>
+          <a:p>
+            <a:pPr algn="ctr"/>
+            <a:r>
+              <a:rPr lang="fr-FR" sz="1200" dirty="0" smtClean="0"/>
+              <a:t>Révisions (2 semaines)</a:t>
+            </a:r>
+            <a:endParaRPr lang="fr-FR" sz="1200" dirty="0"/>
+          </a:p>
+        </p:txBody>
+      </p:sp>
+      <p:sp>
+        <p:nvSpPr>
+          <p:cNvPr id="13" name="Rectangle à coins arrondis 12"/>
+          <p:cNvSpPr/>
+          <p:nvPr/>
+        </p:nvSpPr>
+        <p:spPr>
+          <a:xfrm>
+            <a:off x="3720353" y="954736"/>
+            <a:ext cx="2682977" cy="546848"/>
+          </a:xfrm>
+          <a:prstGeom prst="roundRect">
+            <a:avLst/>
+          </a:prstGeom>
+        </p:spPr>
+        <p:style>
+          <a:lnRef idx="2">
+            <a:schemeClr val="accent6">
+              <a:shade val="50000"/>
+            </a:schemeClr>
+          </a:lnRef>
+          <a:fillRef idx="1">
+            <a:schemeClr val="accent6"/>
+          </a:fillRef>
+          <a:effectRef idx="0">
+            <a:schemeClr val="accent6"/>
+          </a:effectRef>
+          <a:fontRef idx="minor">
+            <a:schemeClr val="lt1"/>
+          </a:fontRef>
+        </p:style>
+        <p:txBody>
+          <a:bodyPr rtlCol="0" anchor="ctr"/>
+          <a:lstStyle/>
+          <a:p>
+            <a:pPr marL="342900" indent="-342900" algn="ctr">
+              <a:buAutoNum type="arabicPeriod"/>
+            </a:pPr>
+            <a:r>
+              <a:rPr lang="fr-FR" sz="1200" dirty="0" smtClean="0"/>
+              <a:t>Approche dynamique</a:t>
+            </a:r>
+            <a:endParaRPr lang="fr-FR" sz="1200" dirty="0" smtClean="0"/>
+          </a:p>
+          <a:p>
+            <a:pPr algn="ctr"/>
+            <a:r>
+              <a:rPr lang="fr-FR" sz="1200" dirty="0" smtClean="0"/>
+              <a:t>(4 </a:t>
+            </a:r>
+            <a:r>
+              <a:rPr lang="fr-FR" sz="1200" dirty="0" smtClean="0"/>
+              <a:t>semaines)</a:t>
+            </a:r>
+            <a:endParaRPr lang="fr-FR" sz="1200" dirty="0"/>
+          </a:p>
+        </p:txBody>
+      </p:sp>
+      <p:sp>
+        <p:nvSpPr>
+          <p:cNvPr id="14" name="Rectangle à coins arrondis 13"/>
+          <p:cNvSpPr/>
+          <p:nvPr/>
+        </p:nvSpPr>
+        <p:spPr>
+          <a:xfrm>
+            <a:off x="3703688" y="1605798"/>
+            <a:ext cx="2716306" cy="546848"/>
+          </a:xfrm>
+          <a:prstGeom prst="roundRect">
+            <a:avLst/>
+          </a:prstGeom>
+        </p:spPr>
+        <p:style>
+          <a:lnRef idx="2">
+            <a:schemeClr val="accent6">
+              <a:shade val="50000"/>
+            </a:schemeClr>
+          </a:lnRef>
+          <a:fillRef idx="1">
+            <a:schemeClr val="accent6"/>
+          </a:fillRef>
+          <a:effectRef idx="0">
+            <a:schemeClr val="accent6"/>
+          </a:effectRef>
+          <a:fontRef idx="minor">
+            <a:schemeClr val="lt1"/>
+          </a:fontRef>
+        </p:style>
+        <p:txBody>
+          <a:bodyPr rtlCol="0" anchor="ctr"/>
+          <a:lstStyle/>
+          <a:p>
+            <a:pPr algn="ctr"/>
+            <a:r>
+              <a:rPr lang="fr-FR" sz="1200" dirty="0" smtClean="0"/>
+              <a:t>2. </a:t>
+            </a:r>
+            <a:r>
+              <a:rPr lang="fr-FR" sz="1200" dirty="0" smtClean="0"/>
+              <a:t>Approche énergétique</a:t>
+            </a:r>
+            <a:endParaRPr lang="fr-FR" sz="1200" dirty="0" smtClean="0"/>
+          </a:p>
+          <a:p>
+            <a:pPr algn="ctr"/>
+            <a:r>
+              <a:rPr lang="fr-FR" sz="1200" dirty="0" smtClean="0"/>
+              <a:t>(3 semaines) </a:t>
+            </a:r>
+            <a:endParaRPr lang="fr-FR" sz="1200" dirty="0"/>
+          </a:p>
+        </p:txBody>
+      </p:sp>
+      <p:sp>
+        <p:nvSpPr>
+          <p:cNvPr id="15" name="Rectangle à coins arrondis 14"/>
+          <p:cNvSpPr/>
+          <p:nvPr/>
+        </p:nvSpPr>
+        <p:spPr>
+          <a:xfrm>
+            <a:off x="3703688" y="2907922"/>
+            <a:ext cx="2716306" cy="546848"/>
+          </a:xfrm>
+          <a:prstGeom prst="roundRect">
+            <a:avLst/>
+          </a:prstGeom>
+        </p:spPr>
+        <p:style>
+          <a:lnRef idx="2">
+            <a:schemeClr val="accent6">
+              <a:shade val="50000"/>
+            </a:schemeClr>
+          </a:lnRef>
+          <a:fillRef idx="1">
+            <a:schemeClr val="accent6"/>
+          </a:fillRef>
+          <a:effectRef idx="0">
+            <a:schemeClr val="accent6"/>
+          </a:effectRef>
+          <a:fontRef idx="minor">
+            <a:schemeClr val="lt1"/>
+          </a:fontRef>
+        </p:style>
+        <p:txBody>
+          <a:bodyPr rtlCol="0" anchor="ctr"/>
+          <a:lstStyle/>
+          <a:p>
+            <a:pPr algn="ctr"/>
+            <a:r>
+              <a:rPr lang="fr-FR" sz="1200" dirty="0" smtClean="0"/>
+              <a:t>4. </a:t>
+            </a:r>
+            <a:r>
+              <a:rPr lang="fr-FR" sz="1200" dirty="0"/>
+              <a:t>Méthodologie Dynamique/Energétique </a:t>
+            </a:r>
+            <a:r>
+              <a:rPr lang="fr-FR" sz="1200" dirty="0" smtClean="0"/>
+              <a:t>(3 </a:t>
+            </a:r>
+            <a:r>
+              <a:rPr lang="fr-FR" sz="1200" dirty="0" smtClean="0"/>
+              <a:t>semaines)</a:t>
+            </a:r>
+          </a:p>
+        </p:txBody>
+      </p:sp>
+      <p:sp>
+        <p:nvSpPr>
+          <p:cNvPr id="16" name="Rectangle à coins arrondis 15"/>
+          <p:cNvSpPr/>
+          <p:nvPr/>
+        </p:nvSpPr>
+        <p:spPr>
+          <a:xfrm>
+            <a:off x="3712021" y="3558984"/>
+            <a:ext cx="2699641" cy="546848"/>
+          </a:xfrm>
+          <a:prstGeom prst="roundRect">
+            <a:avLst/>
+          </a:prstGeom>
+        </p:spPr>
+        <p:style>
+          <a:lnRef idx="2">
+            <a:schemeClr val="accent6">
+              <a:shade val="50000"/>
+            </a:schemeClr>
+          </a:lnRef>
+          <a:fillRef idx="1">
+            <a:schemeClr val="accent6"/>
+          </a:fillRef>
+          <a:effectRef idx="0">
+            <a:schemeClr val="accent6"/>
+          </a:effectRef>
+          <a:fontRef idx="minor">
+            <a:schemeClr val="lt1"/>
+          </a:fontRef>
+        </p:style>
+        <p:txBody>
+          <a:bodyPr rtlCol="0" anchor="ctr"/>
+          <a:lstStyle/>
+          <a:p>
+            <a:pPr algn="ctr"/>
+            <a:r>
+              <a:rPr lang="fr-FR" sz="1200" dirty="0" smtClean="0"/>
+              <a:t>5. </a:t>
+            </a:r>
+            <a:r>
+              <a:rPr lang="fr-FR" sz="1200" dirty="0" err="1" smtClean="0"/>
+              <a:t>RdM</a:t>
+            </a:r>
+            <a:endParaRPr lang="fr-FR" sz="1200" dirty="0" smtClean="0"/>
+          </a:p>
+          <a:p>
+            <a:pPr algn="ctr"/>
+            <a:r>
+              <a:rPr lang="fr-FR" sz="1200" dirty="0" smtClean="0"/>
+              <a:t>(3 semaines)</a:t>
+            </a:r>
+          </a:p>
+        </p:txBody>
+      </p:sp>
+      <p:sp>
+        <p:nvSpPr>
+          <p:cNvPr id="17" name="Rectangle à coins arrondis 16"/>
+          <p:cNvSpPr/>
+          <p:nvPr/>
+        </p:nvSpPr>
+        <p:spPr>
+          <a:xfrm>
+            <a:off x="3720353" y="4210046"/>
+            <a:ext cx="2682977" cy="546848"/>
+          </a:xfrm>
+          <a:prstGeom prst="roundRect">
+            <a:avLst/>
+          </a:prstGeom>
+        </p:spPr>
+        <p:style>
+          <a:lnRef idx="2">
+            <a:schemeClr val="accent6">
+              <a:shade val="50000"/>
+            </a:schemeClr>
+          </a:lnRef>
+          <a:fillRef idx="1">
+            <a:schemeClr val="accent6"/>
+          </a:fillRef>
+          <a:effectRef idx="0">
+            <a:schemeClr val="accent6"/>
+          </a:effectRef>
+          <a:fontRef idx="minor">
+            <a:schemeClr val="lt1"/>
+          </a:fontRef>
+        </p:style>
+        <p:txBody>
+          <a:bodyPr rtlCol="0" anchor="ctr"/>
+          <a:lstStyle/>
+          <a:p>
+            <a:pPr algn="ctr"/>
+            <a:r>
+              <a:rPr lang="fr-FR" sz="1200" dirty="0" smtClean="0"/>
+              <a:t>6. </a:t>
+            </a:r>
+            <a:r>
+              <a:rPr lang="fr-FR" sz="1200" dirty="0"/>
+              <a:t>. </a:t>
+            </a:r>
+            <a:r>
+              <a:rPr lang="fr-FR" sz="1200" dirty="0" err="1"/>
+              <a:t>RdM</a:t>
+            </a:r>
+            <a:r>
+              <a:rPr lang="fr-FR" sz="1200" dirty="0"/>
+              <a:t> </a:t>
+            </a:r>
+            <a:endParaRPr lang="fr-FR" sz="1200" dirty="0" smtClean="0"/>
+          </a:p>
+          <a:p>
+            <a:pPr algn="ctr"/>
+            <a:r>
+              <a:rPr lang="fr-FR" sz="1200" dirty="0" smtClean="0"/>
+              <a:t>(3 semaines)</a:t>
+            </a:r>
+          </a:p>
+        </p:txBody>
+      </p:sp>
+      <p:sp>
+        <p:nvSpPr>
+          <p:cNvPr id="18" name="Rectangle à coins arrondis 17"/>
+          <p:cNvSpPr/>
+          <p:nvPr/>
+        </p:nvSpPr>
+        <p:spPr>
+          <a:xfrm>
+            <a:off x="3703688" y="2256860"/>
+            <a:ext cx="2716306" cy="546848"/>
+          </a:xfrm>
+          <a:prstGeom prst="roundRect">
+            <a:avLst/>
+          </a:prstGeom>
+        </p:spPr>
+        <p:style>
+          <a:lnRef idx="2">
+            <a:schemeClr val="accent6">
+              <a:shade val="50000"/>
+            </a:schemeClr>
+          </a:lnRef>
+          <a:fillRef idx="1">
+            <a:schemeClr val="accent6"/>
+          </a:fillRef>
+          <a:effectRef idx="0">
+            <a:schemeClr val="accent6"/>
+          </a:effectRef>
+          <a:fontRef idx="minor">
+            <a:schemeClr val="lt1"/>
+          </a:fontRef>
+        </p:style>
+        <p:txBody>
+          <a:bodyPr rtlCol="0" anchor="ctr"/>
+          <a:lstStyle/>
+          <a:p>
+            <a:pPr algn="ctr"/>
+            <a:r>
+              <a:rPr lang="fr-FR" sz="1200" dirty="0"/>
+              <a:t>3</a:t>
+            </a:r>
+            <a:r>
+              <a:rPr lang="fr-FR" sz="1200" dirty="0" smtClean="0"/>
+              <a:t>. </a:t>
+            </a:r>
+            <a:r>
+              <a:rPr lang="fr-FR" sz="1200" dirty="0"/>
+              <a:t>Caractéristiques des </a:t>
+            </a:r>
+            <a:r>
+              <a:rPr lang="fr-FR" sz="1200" dirty="0" smtClean="0"/>
+              <a:t>matériaux</a:t>
+            </a:r>
+            <a:endParaRPr lang="fr-FR" sz="1200" dirty="0" smtClean="0"/>
+          </a:p>
+          <a:p>
+            <a:pPr algn="ctr"/>
+            <a:r>
+              <a:rPr lang="fr-FR" sz="1200" dirty="0" smtClean="0"/>
+              <a:t>(2 semaines) </a:t>
+            </a:r>
+            <a:endParaRPr lang="fr-FR" sz="1200" dirty="0"/>
+          </a:p>
+        </p:txBody>
+      </p:sp>
+      <p:sp>
+        <p:nvSpPr>
+          <p:cNvPr id="19" name="Rectangle à coins arrondis 18"/>
+          <p:cNvSpPr/>
+          <p:nvPr/>
+        </p:nvSpPr>
+        <p:spPr>
+          <a:xfrm>
+            <a:off x="3703688" y="5512170"/>
+            <a:ext cx="2716306" cy="546848"/>
+          </a:xfrm>
+          <a:prstGeom prst="roundRect">
+            <a:avLst/>
+          </a:prstGeom>
+        </p:spPr>
+        <p:style>
+          <a:lnRef idx="2">
+            <a:schemeClr val="accent6">
+              <a:shade val="50000"/>
+            </a:schemeClr>
+          </a:lnRef>
+          <a:fillRef idx="1">
+            <a:schemeClr val="accent6"/>
+          </a:fillRef>
+          <a:effectRef idx="0">
+            <a:schemeClr val="accent6"/>
+          </a:effectRef>
+          <a:fontRef idx="minor">
+            <a:schemeClr val="lt1"/>
+          </a:fontRef>
+        </p:style>
+        <p:txBody>
+          <a:bodyPr rtlCol="0" anchor="ctr"/>
+          <a:lstStyle/>
+          <a:p>
+            <a:pPr algn="ctr"/>
+            <a:r>
+              <a:rPr lang="fr-FR" sz="1200" dirty="0"/>
+              <a:t>8</a:t>
+            </a:r>
+            <a:r>
+              <a:rPr lang="fr-FR" sz="1200" dirty="0" smtClean="0"/>
+              <a:t>. MMT</a:t>
+            </a:r>
+            <a:endParaRPr lang="fr-FR" sz="1200" dirty="0" smtClean="0"/>
+          </a:p>
+          <a:p>
+            <a:pPr algn="ctr"/>
+            <a:r>
+              <a:rPr lang="fr-FR" sz="1200" dirty="0" smtClean="0"/>
+              <a:t>(2 semaines)</a:t>
+            </a:r>
+            <a:endParaRPr lang="fr-FR" sz="1200" dirty="0"/>
+          </a:p>
+        </p:txBody>
+      </p:sp>
+      <p:sp>
+        <p:nvSpPr>
+          <p:cNvPr id="20" name="Rectangle à coins arrondis 19"/>
+          <p:cNvSpPr/>
+          <p:nvPr/>
+        </p:nvSpPr>
+        <p:spPr>
+          <a:xfrm>
+            <a:off x="3703688" y="4861108"/>
+            <a:ext cx="2716306" cy="546848"/>
+          </a:xfrm>
+          <a:prstGeom prst="roundRect">
+            <a:avLst/>
+          </a:prstGeom>
+        </p:spPr>
+        <p:style>
+          <a:lnRef idx="2">
+            <a:schemeClr val="accent6">
+              <a:shade val="50000"/>
+            </a:schemeClr>
+          </a:lnRef>
+          <a:fillRef idx="1">
+            <a:schemeClr val="accent6"/>
+          </a:fillRef>
+          <a:effectRef idx="0">
+            <a:schemeClr val="accent6"/>
+          </a:effectRef>
+          <a:fontRef idx="minor">
+            <a:schemeClr val="lt1"/>
+          </a:fontRef>
+        </p:style>
+        <p:txBody>
+          <a:bodyPr rtlCol="0" anchor="ctr"/>
+          <a:lstStyle/>
+          <a:p>
+            <a:pPr algn="ctr"/>
+            <a:r>
+              <a:rPr lang="fr-FR" sz="1200" dirty="0" smtClean="0"/>
+              <a:t>7. </a:t>
+            </a:r>
+            <a:r>
+              <a:rPr lang="fr-FR" sz="1200" dirty="0"/>
+              <a:t>Cotation </a:t>
+            </a:r>
+            <a:r>
+              <a:rPr lang="fr-FR" sz="1200" dirty="0" smtClean="0"/>
+              <a:t>GPS</a:t>
+            </a:r>
+            <a:endParaRPr lang="fr-FR" sz="1200" dirty="0" smtClean="0"/>
+          </a:p>
+          <a:p>
+            <a:pPr algn="ctr"/>
+            <a:r>
+              <a:rPr lang="fr-FR" sz="1200" dirty="0" smtClean="0"/>
+              <a:t>(2 semaines)</a:t>
+            </a:r>
+          </a:p>
+          <a:p>
+            <a:pPr algn="ctr"/>
+            <a:endParaRPr lang="fr-FR" sz="1200" dirty="0"/>
+          </a:p>
+        </p:txBody>
+      </p:sp>
+      <p:sp>
+        <p:nvSpPr>
+          <p:cNvPr id="21" name="Rectangle à coins arrondis 20"/>
+          <p:cNvSpPr/>
+          <p:nvPr/>
+        </p:nvSpPr>
+        <p:spPr>
+          <a:xfrm>
+            <a:off x="3703688" y="6163232"/>
+            <a:ext cx="2716306" cy="546848"/>
+          </a:xfrm>
+          <a:prstGeom prst="roundRect">
+            <a:avLst/>
+          </a:prstGeom>
+        </p:spPr>
+        <p:style>
+          <a:lnRef idx="2">
+            <a:schemeClr val="accent6">
+              <a:shade val="50000"/>
+            </a:schemeClr>
+          </a:lnRef>
+          <a:fillRef idx="1">
+            <a:schemeClr val="accent6"/>
+          </a:fillRef>
+          <a:effectRef idx="0">
+            <a:schemeClr val="accent6"/>
+          </a:effectRef>
+          <a:fontRef idx="minor">
+            <a:schemeClr val="lt1"/>
+          </a:fontRef>
+        </p:style>
+        <p:txBody>
+          <a:bodyPr rtlCol="0" anchor="ctr"/>
+          <a:lstStyle/>
+          <a:p>
+            <a:pPr algn="ctr"/>
+            <a:r>
+              <a:rPr lang="fr-FR" sz="1200" dirty="0" smtClean="0"/>
+              <a:t>Révisions (2 semaines)</a:t>
+            </a:r>
+            <a:endParaRPr lang="fr-FR" sz="1200" dirty="0"/>
+          </a:p>
+        </p:txBody>
+      </p:sp>
+      <p:sp>
+        <p:nvSpPr>
+          <p:cNvPr id="22" name="Rectangle à coins arrondis 21"/>
+          <p:cNvSpPr/>
+          <p:nvPr/>
+        </p:nvSpPr>
+        <p:spPr>
+          <a:xfrm>
+            <a:off x="341922" y="2803708"/>
+            <a:ext cx="6354153" cy="651062"/>
+          </a:xfrm>
+          <a:prstGeom prst="roundRect">
+            <a:avLst/>
+          </a:prstGeom>
+          <a:noFill/>
+          <a:ln w="38100">
+            <a:solidFill>
+              <a:srgbClr val="FF0000"/>
+            </a:solidFill>
+          </a:ln>
+        </p:spPr>
+        <p:style>
+          <a:lnRef idx="2">
+            <a:schemeClr val="accent1">
+              <a:shade val="50000"/>
+            </a:schemeClr>
+          </a:lnRef>
+          <a:fillRef idx="1">
+            <a:schemeClr val="accent1"/>
+          </a:fillRef>
+          <a:effectRef idx="0">
+            <a:schemeClr val="accent1"/>
+          </a:effectRef>
+          <a:fontRef idx="minor">
+            <a:schemeClr val="lt1"/>
+          </a:fontRef>
+        </p:style>
+        <p:txBody>
+          <a:bodyPr rtlCol="0" anchor="ctr"/>
+          <a:lstStyle/>
+          <a:p>
+            <a:pPr algn="ctr"/>
+            <a:endParaRPr lang="fr-FR"/>
+          </a:p>
+        </p:txBody>
+      </p:sp>
+    </p:spTree>
+    <p:extLst>
+      <p:ext uri="{BB962C8B-B14F-4D97-AF65-F5344CB8AC3E}">
+        <p14:creationId xmlns:p14="http://schemas.microsoft.com/office/powerpoint/2010/main" val="113692299"/>
+      </p:ext>
+    </p:extLst>
+  </p:cSld>
+  <p:clrMapOvr>
+    <a:masterClrMapping/>
+  </p:clrMapOvr>
+</p:sld>
+</file>
+
+<file path=ppt/slides/slide3.xml><?xml version="1.0" encoding="utf-8"?>
+<p:sld xmlns:a="http://schemas.openxmlformats.org/drawingml/2006/main" xmlns:r="http://schemas.openxmlformats.org/officeDocument/2006/relationships" xmlns:p="http://schemas.openxmlformats.org/presentationml/2006/main">
+  <p:cSld>
+    <p:spTree>
+      <p:nvGrpSpPr>
+        <p:cNvPr id="1" name=""/>
+        <p:cNvGrpSpPr/>
+        <p:nvPr/>
+      </p:nvGrpSpPr>
+      <p:grpSpPr>
+        <a:xfrm>
+          <a:off x="0" y="0"/>
+          <a:ext cx="0" cy="0"/>
+          <a:chOff x="0" y="0"/>
+          <a:chExt cx="0" cy="0"/>
+        </a:xfrm>
+      </p:grpSpPr>
+      <p:sp>
+        <p:nvSpPr>
           <p:cNvPr id="2" name="Titre 1">
             <a:extLst>
               <a:ext uri="{FF2B5EF4-FFF2-40B4-BE49-F238E27FC236}">
-                <a16:creationId xmlns:a16="http://schemas.microsoft.com/office/drawing/2014/main" id="{CDE6EEA0-931D-37C0-1EE3-730FC100221D}"/>
+                <a16:creationId xmlns:a16="http://schemas.microsoft.com/office/drawing/2014/main" id="{F883C114-EC0F-3E7B-237A-16F6CA0EF0D5}"/>
               </a:ext>
             </a:extLst>
           </p:cNvPr>
@@ -3969,6 +5061,10 @@
           <a:bodyPr/>
           <a:lstStyle/>
           <a:p>
+            <a:r>
+              <a:rPr lang="fr-FR" dirty="0" smtClean="0"/>
+              <a:t>Semaine 1</a:t>
+            </a:r>
             <a:endParaRPr lang="fr-FR" dirty="0"/>
           </a:p>
         </p:txBody>
@@ -3978,7 +5074,7 @@
           <p:cNvPr id="3" name="Espace réservé du contenu 2">
             <a:extLst>
               <a:ext uri="{FF2B5EF4-FFF2-40B4-BE49-F238E27FC236}">
-                <a16:creationId xmlns:a16="http://schemas.microsoft.com/office/drawing/2014/main" id="{FC8CDACB-1969-AEC2-88F8-3E9389F2AE63}"/>
+                <a16:creationId xmlns:a16="http://schemas.microsoft.com/office/drawing/2014/main" id="{6BC7AFFE-4546-7FB4-BD2F-5CD68967540D}"/>
               </a:ext>
             </a:extLst>
           </p:cNvPr>
@@ -3991,15 +5087,208 @@
         </p:nvSpPr>
         <p:spPr>
           <a:xfrm>
-            <a:off x="117795" y="981888"/>
-            <a:ext cx="11956410" cy="1428804"/>
-          </a:xfrm>
-        </p:spPr>
-        <p:txBody>
-          <a:bodyPr/>
-          <a:lstStyle/>
-          <a:p>
-            <a:endParaRPr lang="fr-FR" i="1" dirty="0"/>
+            <a:off x="117795" y="981887"/>
+            <a:ext cx="5978205" cy="5253339"/>
+          </a:xfrm>
+        </p:spPr>
+        <p:txBody>
+          <a:bodyPr>
+            <a:normAutofit fontScale="92500" lnSpcReduction="10000"/>
+          </a:bodyPr>
+          <a:lstStyle/>
+          <a:p>
+            <a:pPr>
+              <a:buFont typeface="Wingdings" panose="05000000000000000000" pitchFamily="2" charset="2"/>
+              <a:buChar char="q"/>
+            </a:pPr>
+            <a:r>
+              <a:rPr lang="fr-FR" dirty="0"/>
+              <a:t> </a:t>
+            </a:r>
+            <a:r>
+              <a:rPr lang="fr-FR" dirty="0" smtClean="0"/>
+              <a:t>Programme </a:t>
+            </a:r>
+          </a:p>
+          <a:p>
+            <a:pPr lvl="2">
+              <a:buFont typeface="Wingdings" panose="05000000000000000000" pitchFamily="2" charset="2"/>
+              <a:buChar char="q"/>
+            </a:pPr>
+            <a:r>
+              <a:rPr lang="fr-FR" dirty="0" smtClean="0"/>
+              <a:t>Définitions </a:t>
+            </a:r>
+            <a:r>
+              <a:rPr lang="fr-FR" dirty="0"/>
+              <a:t>et structure d’un système asservi : chaîne directe et chaîne de retour.</a:t>
+            </a:r>
+          </a:p>
+          <a:p>
+            <a:pPr lvl="2">
+              <a:buFont typeface="Wingdings" panose="05000000000000000000" pitchFamily="2" charset="2"/>
+              <a:buChar char="q"/>
+            </a:pPr>
+            <a:r>
+              <a:rPr lang="fr-FR" dirty="0"/>
+              <a:t>Définition des performances : stabilité, précision et rapidité.</a:t>
+            </a:r>
+          </a:p>
+          <a:p>
+            <a:pPr lvl="2">
+              <a:buFont typeface="Wingdings" panose="05000000000000000000" pitchFamily="2" charset="2"/>
+              <a:buChar char="q"/>
+            </a:pPr>
+            <a:r>
+              <a:rPr lang="fr-FR" dirty="0"/>
+              <a:t>Modélisation et comportement des systèmes linéaires continus et invariants par équations différentielles (Transformée de Laplace)</a:t>
+            </a:r>
+          </a:p>
+          <a:p>
+            <a:pPr lvl="2">
+              <a:buFont typeface="Wingdings" panose="05000000000000000000" pitchFamily="2" charset="2"/>
+              <a:buChar char="q"/>
+            </a:pPr>
+            <a:r>
+              <a:rPr lang="fr-FR" dirty="0"/>
+              <a:t>Schémas blocs</a:t>
+            </a:r>
+          </a:p>
+          <a:p>
+            <a:pPr>
+              <a:buFont typeface="Wingdings" panose="05000000000000000000" pitchFamily="2" charset="2"/>
+              <a:buChar char="q"/>
+            </a:pPr>
+            <a:r>
+              <a:rPr lang="fr-FR" dirty="0" smtClean="0"/>
+              <a:t>Evaluation diagnostique</a:t>
+            </a:r>
+          </a:p>
+          <a:p>
+            <a:pPr>
+              <a:buFont typeface="Wingdings" panose="05000000000000000000" pitchFamily="2" charset="2"/>
+              <a:buChar char="q"/>
+            </a:pPr>
+            <a:r>
+              <a:rPr lang="fr-FR" dirty="0" smtClean="0"/>
+              <a:t> Cours </a:t>
+            </a:r>
+          </a:p>
+          <a:p>
+            <a:pPr lvl="1">
+              <a:buFont typeface="Wingdings" panose="05000000000000000000" pitchFamily="2" charset="2"/>
+              <a:buChar char="q"/>
+            </a:pPr>
+            <a:r>
+              <a:rPr lang="fr-FR" dirty="0"/>
+              <a:t> </a:t>
+            </a:r>
+            <a:r>
+              <a:rPr lang="fr-FR" dirty="0" smtClean="0"/>
+              <a:t>Définition et structure d’un système asservi</a:t>
+            </a:r>
+          </a:p>
+          <a:p>
+            <a:pPr lvl="1">
+              <a:buFont typeface="Wingdings" panose="05000000000000000000" pitchFamily="2" charset="2"/>
+              <a:buChar char="q"/>
+            </a:pPr>
+            <a:r>
+              <a:rPr lang="fr-FR" dirty="0"/>
+              <a:t> </a:t>
+            </a:r>
+            <a:r>
+              <a:rPr lang="fr-FR" dirty="0" smtClean="0"/>
+              <a:t>Définition des performances</a:t>
+            </a:r>
+          </a:p>
+          <a:p>
+            <a:pPr lvl="1">
+              <a:buFont typeface="Wingdings" panose="05000000000000000000" pitchFamily="2" charset="2"/>
+              <a:buChar char="q"/>
+            </a:pPr>
+            <a:r>
+              <a:rPr lang="fr-FR" dirty="0"/>
+              <a:t> </a:t>
+            </a:r>
+            <a:r>
+              <a:rPr lang="fr-FR" dirty="0" smtClean="0"/>
+              <a:t>Modélisation par transformée de Laplace</a:t>
+            </a:r>
+          </a:p>
+          <a:p>
+            <a:pPr lvl="1">
+              <a:buFont typeface="Wingdings" panose="05000000000000000000" pitchFamily="2" charset="2"/>
+              <a:buChar char="q"/>
+            </a:pPr>
+            <a:r>
+              <a:rPr lang="fr-FR" dirty="0"/>
+              <a:t> </a:t>
+            </a:r>
+            <a:r>
+              <a:rPr lang="fr-FR" dirty="0" smtClean="0"/>
+              <a:t>Fonction de transfert et schéma blocs</a:t>
+            </a:r>
+          </a:p>
+          <a:p>
+            <a:pPr>
+              <a:buFont typeface="Wingdings" panose="05000000000000000000" pitchFamily="2" charset="2"/>
+              <a:buChar char="q"/>
+            </a:pPr>
+            <a:r>
+              <a:rPr lang="fr-FR" dirty="0"/>
+              <a:t> </a:t>
+            </a:r>
+            <a:r>
+              <a:rPr lang="fr-FR" dirty="0" smtClean="0"/>
+              <a:t>TD</a:t>
+            </a:r>
+          </a:p>
+          <a:p>
+            <a:pPr lvl="1">
+              <a:buFont typeface="Wingdings" panose="05000000000000000000" pitchFamily="2" charset="2"/>
+              <a:buChar char="q"/>
+            </a:pPr>
+            <a:r>
+              <a:rPr lang="fr-FR" dirty="0" smtClean="0"/>
+              <a:t> TD construction et remplissage de schéma blocs</a:t>
+            </a:r>
+          </a:p>
+          <a:p>
+            <a:pPr lvl="1">
+              <a:buFont typeface="Wingdings" panose="05000000000000000000" pitchFamily="2" charset="2"/>
+              <a:buChar char="q"/>
+            </a:pPr>
+            <a:r>
+              <a:rPr lang="fr-FR" dirty="0"/>
+              <a:t> </a:t>
+            </a:r>
+            <a:r>
+              <a:rPr lang="fr-FR" dirty="0" smtClean="0"/>
+              <a:t>Mesure des performances</a:t>
+            </a:r>
+          </a:p>
+          <a:p>
+            <a:pPr lvl="1">
+              <a:buFont typeface="Wingdings" panose="05000000000000000000" pitchFamily="2" charset="2"/>
+              <a:buChar char="q"/>
+            </a:pPr>
+            <a:r>
+              <a:rPr lang="fr-FR" dirty="0" smtClean="0"/>
+              <a:t> Modélisation d’une MCC</a:t>
+            </a:r>
+            <a:endParaRPr lang="fr-FR" dirty="0"/>
+          </a:p>
+          <a:p>
+            <a:pPr>
+              <a:buFont typeface="Wingdings" panose="05000000000000000000" pitchFamily="2" charset="2"/>
+              <a:buChar char="q"/>
+            </a:pPr>
+            <a:r>
+              <a:rPr lang="fr-FR" dirty="0" smtClean="0"/>
+              <a:t>TP </a:t>
+            </a:r>
+            <a:endParaRPr lang="fr-FR" dirty="0"/>
           </a:p>
         </p:txBody>
       </p:sp>
@@ -4008,7 +5297,7 @@
           <p:cNvPr id="4" name="Espace réservé du contenu 2">
             <a:extLst>
               <a:ext uri="{FF2B5EF4-FFF2-40B4-BE49-F238E27FC236}">
-                <a16:creationId xmlns:a16="http://schemas.microsoft.com/office/drawing/2014/main" id="{C9AC9D76-CD14-C493-A90F-536A5563C02E}"/>
+                <a16:creationId xmlns:a16="http://schemas.microsoft.com/office/drawing/2014/main" id="{6BC7AFFE-4546-7FB4-BD2F-5CD68967540D}"/>
               </a:ext>
             </a:extLst>
           </p:cNvPr>
@@ -4019,8 +5308,8 @@
         </p:nvSpPr>
         <p:spPr>
           <a:xfrm>
-            <a:off x="117795" y="3429000"/>
-            <a:ext cx="11956410" cy="1428804"/>
+            <a:off x="6327648" y="981887"/>
+            <a:ext cx="3837050" cy="5253339"/>
           </a:xfrm>
           <a:prstGeom prst="rect">
             <a:avLst/>
@@ -4028,7 +5317,7 @@
         </p:spPr>
         <p:txBody>
           <a:bodyPr vert="horz" lIns="0" tIns="45720" rIns="0" bIns="45720" rtlCol="0">
-            <a:normAutofit/>
+            <a:normAutofit fontScale="92500" lnSpcReduction="10000"/>
           </a:bodyPr>
           <a:lstStyle>
             <a:lvl1pPr marL="91440" indent="-91440" algn="l" defTabSz="914400" rtl="0" eaLnBrk="1" latinLnBrk="0" hangingPunct="1">
@@ -4070,7 +5359,7 @@
                 <a:spcPts val="400"/>
               </a:spcAft>
               <a:buClr>
-                <a:schemeClr val="accent1"/>
+                <a:schemeClr val="tx2"/>
               </a:buClr>
               <a:buFont typeface="Calibri" pitchFamily="34" charset="0"/>
               <a:buChar char="◦"/>
@@ -4097,7 +5386,7 @@
                 <a:spcPts val="400"/>
               </a:spcAft>
               <a:buClr>
-                <a:schemeClr val="accent1"/>
+                <a:schemeClr val="tx2"/>
               </a:buClr>
               <a:buFont typeface="Calibri" pitchFamily="34" charset="0"/>
               <a:buChar char="◦"/>
@@ -4124,7 +5413,7 @@
                 <a:spcPts val="400"/>
               </a:spcAft>
               <a:buClr>
-                <a:schemeClr val="accent1"/>
+                <a:schemeClr val="tx2"/>
               </a:buClr>
               <a:buFont typeface="Calibri" pitchFamily="34" charset="0"/>
               <a:buChar char="◦"/>
@@ -4151,7 +5440,7 @@
                 <a:spcPts val="400"/>
               </a:spcAft>
               <a:buClr>
-                <a:schemeClr val="accent1"/>
+                <a:schemeClr val="tx2"/>
               </a:buClr>
               <a:buFont typeface="Calibri" pitchFamily="34" charset="0"/>
               <a:buChar char="◦"/>
@@ -4277,19 +5566,395 @@
             </a:lvl9pPr>
           </a:lstStyle>
           <a:p>
-            <a:pPr algn="just"/>
-            <a:endParaRPr lang="fr-FR" b="1" i="1" dirty="0">
-              <a:solidFill>
-                <a:srgbClr val="C00000"/>
-              </a:solidFill>
-            </a:endParaRPr>
-          </a:p>
-        </p:txBody>
-      </p:sp>
+            <a:pPr>
+              <a:buFont typeface="Wingdings" panose="05000000000000000000" pitchFamily="2" charset="2"/>
+              <a:buChar char="q"/>
+            </a:pPr>
+            <a:r>
+              <a:rPr lang="fr-FR" dirty="0" smtClean="0"/>
+              <a:t> TD </a:t>
+            </a:r>
+          </a:p>
+          <a:p>
+            <a:pPr lvl="1">
+              <a:buFont typeface="Wingdings" panose="05000000000000000000" pitchFamily="2" charset="2"/>
+              <a:buChar char="q"/>
+            </a:pPr>
+            <a:r>
+              <a:rPr lang="fr-FR" dirty="0" smtClean="0"/>
+              <a:t> Support </a:t>
+            </a:r>
+          </a:p>
+          <a:p>
+            <a:pPr lvl="2">
+              <a:buFont typeface="Wingdings" panose="05000000000000000000" pitchFamily="2" charset="2"/>
+              <a:buChar char="q"/>
+            </a:pPr>
+            <a:r>
+              <a:rPr lang="fr-FR" dirty="0" smtClean="0"/>
+              <a:t>Extraits de sujets de concours</a:t>
+            </a:r>
+          </a:p>
+          <a:p>
+            <a:pPr lvl="2">
+              <a:buFont typeface="Wingdings" panose="05000000000000000000" pitchFamily="2" charset="2"/>
+              <a:buChar char="q"/>
+            </a:pPr>
+            <a:r>
+              <a:rPr lang="fr-FR" dirty="0" smtClean="0"/>
+              <a:t>Utilisation de systèmes de TP → </a:t>
+            </a:r>
+            <a:r>
+              <a:rPr lang="fr-FR" b="1" dirty="0" err="1" smtClean="0"/>
+              <a:t>Control’X</a:t>
+            </a:r>
+            <a:r>
+              <a:rPr lang="fr-FR" dirty="0" smtClean="0"/>
+              <a:t> </a:t>
+            </a:r>
+          </a:p>
+          <a:p>
+            <a:pPr lvl="2">
+              <a:buFont typeface="Wingdings" panose="05000000000000000000" pitchFamily="2" charset="2"/>
+              <a:buChar char="q"/>
+            </a:pPr>
+            <a:r>
+              <a:rPr lang="fr-FR" dirty="0" smtClean="0"/>
+              <a:t>Utilisation du dossier industriel</a:t>
+            </a:r>
+          </a:p>
+          <a:p>
+            <a:pPr lvl="2">
+              <a:buFont typeface="Wingdings" panose="05000000000000000000" pitchFamily="2" charset="2"/>
+              <a:buChar char="q"/>
+            </a:pPr>
+            <a:endParaRPr lang="fr-FR" dirty="0"/>
+          </a:p>
+          <a:p>
+            <a:pPr lvl="1">
+              <a:buFont typeface="Wingdings" panose="05000000000000000000" pitchFamily="2" charset="2"/>
+              <a:buChar char="q"/>
+            </a:pPr>
+            <a:r>
+              <a:rPr lang="fr-FR" dirty="0" smtClean="0"/>
+              <a:t> Objectifs du TD </a:t>
+            </a:r>
+          </a:p>
+          <a:p>
+            <a:pPr lvl="2">
+              <a:buFont typeface="Wingdings" panose="05000000000000000000" pitchFamily="2" charset="2"/>
+              <a:buChar char="q"/>
+            </a:pPr>
+            <a:r>
+              <a:rPr lang="fr-FR" dirty="0" smtClean="0"/>
+              <a:t>Etablir le schéma-blocs</a:t>
+            </a:r>
+          </a:p>
+          <a:p>
+            <a:pPr lvl="2">
+              <a:buFont typeface="Wingdings" panose="05000000000000000000" pitchFamily="2" charset="2"/>
+              <a:buChar char="q"/>
+            </a:pPr>
+            <a:r>
+              <a:rPr lang="fr-FR" dirty="0" smtClean="0"/>
+              <a:t>Vérifier les performances à partir des résultats d’une simulation</a:t>
+            </a:r>
+          </a:p>
+          <a:p>
+            <a:pPr lvl="3">
+              <a:buFont typeface="Wingdings" panose="05000000000000000000" pitchFamily="2" charset="2"/>
+              <a:buChar char="q"/>
+            </a:pPr>
+            <a:r>
+              <a:rPr lang="fr-FR" dirty="0" smtClean="0"/>
+              <a:t>Ecart statique doit être inférieur à xx mm</a:t>
+            </a:r>
+          </a:p>
+          <a:p>
+            <a:pPr lvl="3">
+              <a:buFont typeface="Wingdings" panose="05000000000000000000" pitchFamily="2" charset="2"/>
+              <a:buChar char="q"/>
+            </a:pPr>
+            <a:r>
+              <a:rPr lang="fr-FR" dirty="0" smtClean="0"/>
+              <a:t>Temps de réponse à 5% doit être inférieur à xx s</a:t>
+            </a:r>
+            <a:endParaRPr lang="fr-FR" dirty="0"/>
+          </a:p>
+          <a:p>
+            <a:pPr lvl="3">
+              <a:buFont typeface="Wingdings" panose="05000000000000000000" pitchFamily="2" charset="2"/>
+              <a:buChar char="q"/>
+            </a:pPr>
+            <a:endParaRPr lang="fr-FR" dirty="0" smtClean="0"/>
+          </a:p>
+          <a:p>
+            <a:pPr lvl="1">
+              <a:buFont typeface="Wingdings" panose="05000000000000000000" pitchFamily="2" charset="2"/>
+              <a:buChar char="q"/>
+            </a:pPr>
+            <a:r>
+              <a:rPr lang="fr-FR" dirty="0"/>
+              <a:t> </a:t>
+            </a:r>
+            <a:r>
+              <a:rPr lang="fr-FR" dirty="0" smtClean="0"/>
+              <a:t>Plan du TD</a:t>
+            </a:r>
+          </a:p>
+          <a:p>
+            <a:pPr lvl="2">
+              <a:buFont typeface="Wingdings" panose="05000000000000000000" pitchFamily="2" charset="2"/>
+              <a:buChar char="q"/>
+            </a:pPr>
+            <a:r>
+              <a:rPr lang="fr-FR" dirty="0" smtClean="0"/>
+              <a:t>Transformer des équations dans le domaine de Laplace</a:t>
+            </a:r>
+          </a:p>
+          <a:p>
+            <a:pPr lvl="2">
+              <a:buFont typeface="Wingdings" panose="05000000000000000000" pitchFamily="2" charset="2"/>
+              <a:buChar char="q"/>
+            </a:pPr>
+            <a:r>
+              <a:rPr lang="fr-FR" dirty="0" smtClean="0"/>
+              <a:t>Exprimer les fonctions de transfert de chacun des blocs</a:t>
+            </a:r>
+          </a:p>
+          <a:p>
+            <a:pPr lvl="2">
+              <a:buFont typeface="Wingdings" panose="05000000000000000000" pitchFamily="2" charset="2"/>
+              <a:buChar char="q"/>
+            </a:pPr>
+            <a:r>
+              <a:rPr lang="fr-FR" dirty="0" smtClean="0"/>
+              <a:t>Remplir le schéma blocs</a:t>
+            </a:r>
+          </a:p>
+          <a:p>
+            <a:pPr lvl="2">
+              <a:buFont typeface="Wingdings" panose="05000000000000000000" pitchFamily="2" charset="2"/>
+              <a:buChar char="q"/>
+            </a:pPr>
+            <a:r>
+              <a:rPr lang="fr-FR" dirty="0" smtClean="0"/>
+              <a:t>Vérifier le cahier des charges à partir d’une simulation</a:t>
+            </a:r>
+          </a:p>
+          <a:p>
+            <a:pPr lvl="2">
+              <a:buFont typeface="Wingdings" panose="05000000000000000000" pitchFamily="2" charset="2"/>
+              <a:buChar char="q"/>
+            </a:pPr>
+            <a:endParaRPr lang="fr-FR" dirty="0" smtClean="0"/>
+          </a:p>
+        </p:txBody>
+      </p:sp>
+      <p:sp>
+        <p:nvSpPr>
+          <p:cNvPr id="5" name="Rectangle 4"/>
+          <p:cNvSpPr/>
+          <p:nvPr/>
+        </p:nvSpPr>
+        <p:spPr>
+          <a:xfrm>
+            <a:off x="0" y="4398264"/>
+            <a:ext cx="5815584" cy="1234440"/>
+          </a:xfrm>
+          <a:prstGeom prst="rect">
+            <a:avLst/>
+          </a:prstGeom>
+          <a:noFill/>
+          <a:ln w="28575">
+            <a:solidFill>
+              <a:schemeClr val="accent6">
+                <a:lumMod val="50000"/>
+              </a:schemeClr>
+            </a:solidFill>
+            <a:prstDash val="dash"/>
+          </a:ln>
+        </p:spPr>
+        <p:style>
+          <a:lnRef idx="2">
+            <a:schemeClr val="accent1">
+              <a:shade val="50000"/>
+            </a:schemeClr>
+          </a:lnRef>
+          <a:fillRef idx="1">
+            <a:schemeClr val="accent1"/>
+          </a:fillRef>
+          <a:effectRef idx="0">
+            <a:schemeClr val="accent1"/>
+          </a:effectRef>
+          <a:fontRef idx="minor">
+            <a:schemeClr val="lt1"/>
+          </a:fontRef>
+        </p:style>
+        <p:txBody>
+          <a:bodyPr rtlCol="0" anchor="ctr"/>
+          <a:lstStyle/>
+          <a:p>
+            <a:pPr algn="ctr"/>
+            <a:endParaRPr lang="fr-FR"/>
+          </a:p>
+        </p:txBody>
+      </p:sp>
+      <p:sp>
+        <p:nvSpPr>
+          <p:cNvPr id="6" name="Rectangle 5"/>
+          <p:cNvSpPr/>
+          <p:nvPr/>
+        </p:nvSpPr>
+        <p:spPr>
+          <a:xfrm>
+            <a:off x="6213795" y="882798"/>
+            <a:ext cx="5847141" cy="5280258"/>
+          </a:xfrm>
+          <a:prstGeom prst="rect">
+            <a:avLst/>
+          </a:prstGeom>
+          <a:noFill/>
+          <a:ln w="28575">
+            <a:solidFill>
+              <a:schemeClr val="accent6">
+                <a:lumMod val="50000"/>
+              </a:schemeClr>
+            </a:solidFill>
+            <a:prstDash val="dash"/>
+          </a:ln>
+        </p:spPr>
+        <p:style>
+          <a:lnRef idx="2">
+            <a:schemeClr val="accent1">
+              <a:shade val="50000"/>
+            </a:schemeClr>
+          </a:lnRef>
+          <a:fillRef idx="1">
+            <a:schemeClr val="accent1"/>
+          </a:fillRef>
+          <a:effectRef idx="0">
+            <a:schemeClr val="accent1"/>
+          </a:effectRef>
+          <a:fontRef idx="minor">
+            <a:schemeClr val="lt1"/>
+          </a:fontRef>
+        </p:style>
+        <p:txBody>
+          <a:bodyPr rtlCol="0" anchor="ctr"/>
+          <a:lstStyle/>
+          <a:p>
+            <a:pPr algn="ctr"/>
+            <a:endParaRPr lang="fr-FR"/>
+          </a:p>
+        </p:txBody>
+      </p:sp>
+      <p:pic>
+        <p:nvPicPr>
+          <p:cNvPr id="10" name="Image 9"/>
+          <p:cNvPicPr>
+            <a:picLocks noChangeAspect="1"/>
+          </p:cNvPicPr>
+          <p:nvPr/>
+        </p:nvPicPr>
+        <p:blipFill>
+          <a:blip r:embed="rId2">
+            <a:extLst>
+              <a:ext uri="{BEBA8EAE-BF5A-486C-A8C5-ECC9F3942E4B}">
+                <a14:imgProps xmlns:a14="http://schemas.microsoft.com/office/drawing/2010/main">
+                  <a14:imgLayer r:embed="rId3">
+                    <a14:imgEffect>
+                      <a14:backgroundRemoval t="577" b="99423" l="725" r="100000">
+                        <a14:foregroundMark x1="29710" y1="28462" x2="29710" y2="28462"/>
+                        <a14:foregroundMark x1="3913" y1="14615" x2="27971" y2="21346"/>
+                        <a14:foregroundMark x1="45217" y1="78077" x2="45217" y2="78077"/>
+                        <a14:foregroundMark x1="95797" y1="79231" x2="95797" y2="79231"/>
+                        <a14:foregroundMark x1="91884" y1="73654" x2="91884" y2="73654"/>
+                        <a14:foregroundMark x1="91739" y1="66538" x2="91739" y2="66538"/>
+                        <a14:foregroundMark x1="92609" y1="68846" x2="92609" y2="68846"/>
+                        <a14:foregroundMark x1="92464" y1="70769" x2="93913" y2="77692"/>
+                        <a14:foregroundMark x1="94783" y1="76346" x2="94783" y2="75769"/>
+                        <a14:foregroundMark x1="96522" y1="71731" x2="96522" y2="71731"/>
+                        <a14:foregroundMark x1="98406" y1="70577" x2="98696" y2="71731"/>
+                        <a14:foregroundMark x1="98841" y1="72500" x2="98841" y2="73269"/>
+                        <a14:foregroundMark x1="98551" y1="75962" x2="98406" y2="77692"/>
+                        <a14:foregroundMark x1="97826" y1="80769" x2="97681" y2="81346"/>
+                        <a14:foregroundMark x1="96667" y1="83846" x2="96667" y2="83846"/>
+                        <a14:foregroundMark x1="96232" y1="84808" x2="96232" y2="84808"/>
+                        <a14:foregroundMark x1="99275" y1="84423" x2="99275" y2="84423"/>
+                      </a14:backgroundRemoval>
+                    </a14:imgEffect>
+                  </a14:imgLayer>
+                </a14:imgProps>
+              </a:ext>
+            </a:extLst>
+          </a:blip>
+          <a:stretch>
+            <a:fillRect/>
+          </a:stretch>
+        </p:blipFill>
+        <p:spPr>
+          <a:xfrm>
+            <a:off x="9974580" y="1001186"/>
+            <a:ext cx="1829634" cy="1378855"/>
+          </a:xfrm>
+          <a:prstGeom prst="rect">
+            <a:avLst/>
+          </a:prstGeom>
+        </p:spPr>
+      </p:pic>
+      <p:pic>
+        <p:nvPicPr>
+          <p:cNvPr id="11" name="Image 10"/>
+          <p:cNvPicPr>
+            <a:picLocks noChangeAspect="1"/>
+          </p:cNvPicPr>
+          <p:nvPr/>
+        </p:nvPicPr>
+        <p:blipFill>
+          <a:blip r:embed="rId4"/>
+          <a:stretch>
+            <a:fillRect/>
+          </a:stretch>
+        </p:blipFill>
+        <p:spPr>
+          <a:xfrm>
+            <a:off x="8715755" y="3846334"/>
+            <a:ext cx="3254575" cy="551930"/>
+          </a:xfrm>
+          <a:prstGeom prst="rect">
+            <a:avLst/>
+          </a:prstGeom>
+        </p:spPr>
+      </p:pic>
+      <p:pic>
+        <p:nvPicPr>
+          <p:cNvPr id="12" name="Image 11"/>
+          <p:cNvPicPr>
+            <a:picLocks noChangeAspect="1"/>
+          </p:cNvPicPr>
+          <p:nvPr/>
+        </p:nvPicPr>
+        <p:blipFill>
+          <a:blip r:embed="rId5"/>
+          <a:stretch>
+            <a:fillRect/>
+          </a:stretch>
+        </p:blipFill>
+        <p:spPr>
+          <a:xfrm>
+            <a:off x="10295762" y="4690872"/>
+            <a:ext cx="1674568" cy="1414570"/>
+          </a:xfrm>
+          <a:prstGeom prst="rect">
+            <a:avLst/>
+          </a:prstGeom>
+        </p:spPr>
+      </p:pic>
     </p:spTree>
     <p:extLst>
       <p:ext uri="{BB962C8B-B14F-4D97-AF65-F5344CB8AC3E}">
-        <p14:creationId xmlns:p14="http://schemas.microsoft.com/office/powerpoint/2010/main" val="893837082"/>
+        <p14:creationId xmlns:p14="http://schemas.microsoft.com/office/powerpoint/2010/main" val="2140799209"/>
       </p:ext>
     </p:extLst>
   </p:cSld>
@@ -4299,7 +5964,7 @@
 </p:sld>
 </file>
 
-<file path=ppt/slides/slide3.xml><?xml version="1.0" encoding="utf-8"?>
+<file path=ppt/slides/slide4.xml><?xml version="1.0" encoding="utf-8"?>
 <p:sld xmlns:a="http://schemas.openxmlformats.org/drawingml/2006/main" xmlns:r="http://schemas.openxmlformats.org/officeDocument/2006/relationships" xmlns:p="http://schemas.openxmlformats.org/presentationml/2006/main">
   <p:cSld>
     <p:spTree>
@@ -4318,13 +5983,7 @@
       </p:grpSpPr>
       <p:sp>
         <p:nvSpPr>
-          <p:cNvPr id="2" name="Titre 1">
-            <a:extLst>
-              <a:ext uri="{FF2B5EF4-FFF2-40B4-BE49-F238E27FC236}">
-                <a16:creationId xmlns:a16="http://schemas.microsoft.com/office/drawing/2014/main" id="{F883C114-EC0F-3E7B-237A-16F6CA0EF0D5}"/>
-              </a:ext>
-            </a:extLst>
-          </p:cNvPr>
+          <p:cNvPr id="2" name="Titre 1"/>
           <p:cNvSpPr>
             <a:spLocks noGrp="1"/>
           </p:cNvSpPr>
@@ -4337,19 +5996,17 @@
           <a:bodyPr/>
           <a:lstStyle/>
           <a:p>
-            <a:endParaRPr lang="fr-FR"/>
-          </a:p>
-        </p:txBody>
-      </p:sp>
-      <p:sp>
-        <p:nvSpPr>
-          <p:cNvPr id="3" name="Espace réservé du contenu 2">
-            <a:extLst>
-              <a:ext uri="{FF2B5EF4-FFF2-40B4-BE49-F238E27FC236}">
-                <a16:creationId xmlns:a16="http://schemas.microsoft.com/office/drawing/2014/main" id="{6BC7AFFE-4546-7FB4-BD2F-5CD68967540D}"/>
-              </a:ext>
-            </a:extLst>
-          </p:cNvPr>
+            <a:r>
+              <a:rPr lang="fr-FR" dirty="0" smtClean="0"/>
+              <a:t>TP</a:t>
+            </a:r>
+            <a:endParaRPr lang="fr-FR" dirty="0"/>
+          </a:p>
+        </p:txBody>
+      </p:sp>
+      <p:sp>
+        <p:nvSpPr>
+          <p:cNvPr id="3" name="Espace réservé du contenu 2"/>
           <p:cNvSpPr>
             <a:spLocks noGrp="1"/>
           </p:cNvSpPr>
@@ -4362,14 +6019,3240 @@
           <a:bodyPr/>
           <a:lstStyle/>
           <a:p>
-            <a:endParaRPr lang="fr-FR"/>
+            <a:pPr>
+              <a:buFont typeface="Wingdings" panose="05000000000000000000" pitchFamily="2" charset="2"/>
+              <a:buChar char="q"/>
+            </a:pPr>
+            <a:r>
+              <a:rPr lang="fr-FR" dirty="0"/>
+              <a:t> </a:t>
+            </a:r>
+            <a:r>
+              <a:rPr lang="fr-FR" dirty="0" smtClean="0"/>
+              <a:t>Objectif : Modéliser un système et valider ses performances.</a:t>
+            </a:r>
+          </a:p>
+          <a:p>
+            <a:pPr>
+              <a:buFont typeface="Wingdings" panose="05000000000000000000" pitchFamily="2" charset="2"/>
+              <a:buChar char="q"/>
+            </a:pPr>
+            <a:r>
+              <a:rPr lang="fr-FR" dirty="0" smtClean="0"/>
+              <a:t> Classe de 40 élèves, 20 élèves en TP, travail en </a:t>
+            </a:r>
+            <a:r>
+              <a:rPr lang="fr-FR" dirty="0" smtClean="0">
+                <a:solidFill>
+                  <a:srgbClr val="C00000"/>
+                </a:solidFill>
+              </a:rPr>
+              <a:t>groupe de 5</a:t>
+            </a:r>
+          </a:p>
+          <a:p>
+            <a:pPr lvl="1">
+              <a:buFont typeface="Wingdings" panose="05000000000000000000" pitchFamily="2" charset="2"/>
+              <a:buChar char="q"/>
+            </a:pPr>
+            <a:r>
+              <a:rPr lang="fr-FR" dirty="0"/>
+              <a:t> </a:t>
+            </a:r>
+            <a:r>
+              <a:rPr lang="fr-FR" dirty="0" smtClean="0"/>
+              <a:t>Laboratoire avec</a:t>
+            </a:r>
+            <a:r>
+              <a:rPr lang="fr-FR" dirty="0"/>
+              <a:t> </a:t>
+            </a:r>
+            <a:r>
+              <a:rPr lang="fr-FR" dirty="0" smtClean="0"/>
+              <a:t>« beaucoup » de systèmes</a:t>
+            </a:r>
+          </a:p>
+          <a:p>
+            <a:pPr lvl="1">
+              <a:buFont typeface="Wingdings" panose="05000000000000000000" pitchFamily="2" charset="2"/>
+              <a:buChar char="q"/>
+            </a:pPr>
+            <a:endParaRPr lang="fr-FR" dirty="0"/>
+          </a:p>
+          <a:p>
+            <a:pPr lvl="1">
+              <a:buFont typeface="Wingdings" panose="05000000000000000000" pitchFamily="2" charset="2"/>
+              <a:buChar char="q"/>
+            </a:pPr>
+            <a:endParaRPr lang="fr-FR" dirty="0" smtClean="0"/>
+          </a:p>
+          <a:p>
+            <a:pPr lvl="1">
+              <a:buFont typeface="Wingdings" panose="05000000000000000000" pitchFamily="2" charset="2"/>
+              <a:buChar char="q"/>
+            </a:pPr>
+            <a:endParaRPr lang="fr-FR" dirty="0"/>
+          </a:p>
+          <a:p>
+            <a:pPr lvl="1">
+              <a:buFont typeface="Wingdings" panose="05000000000000000000" pitchFamily="2" charset="2"/>
+              <a:buChar char="q"/>
+            </a:pPr>
+            <a:endParaRPr lang="fr-FR" dirty="0" smtClean="0"/>
+          </a:p>
+          <a:p>
+            <a:pPr lvl="1">
+              <a:buFont typeface="Wingdings" panose="05000000000000000000" pitchFamily="2" charset="2"/>
+              <a:buChar char="q"/>
+            </a:pPr>
+            <a:endParaRPr lang="fr-FR" dirty="0"/>
+          </a:p>
+          <a:p>
+            <a:pPr lvl="1">
+              <a:buFont typeface="Wingdings" panose="05000000000000000000" pitchFamily="2" charset="2"/>
+              <a:buChar char="q"/>
+            </a:pPr>
+            <a:r>
+              <a:rPr lang="fr-FR" dirty="0" smtClean="0"/>
+              <a:t>Laboratoire avec « peu de systèmes »</a:t>
+            </a:r>
+            <a:endParaRPr lang="fr-FR" dirty="0"/>
+          </a:p>
+        </p:txBody>
+      </p:sp>
+      <p:sp>
+        <p:nvSpPr>
+          <p:cNvPr id="4" name="Rectangle à coins arrondis 3"/>
+          <p:cNvSpPr/>
+          <p:nvPr/>
+        </p:nvSpPr>
+        <p:spPr>
+          <a:xfrm>
+            <a:off x="321025" y="2724849"/>
+            <a:ext cx="2203704" cy="740664"/>
+          </a:xfrm>
+          <a:prstGeom prst="roundRect">
+            <a:avLst/>
+          </a:prstGeom>
+        </p:spPr>
+        <p:style>
+          <a:lnRef idx="2">
+            <a:schemeClr val="accent1">
+              <a:shade val="50000"/>
+            </a:schemeClr>
+          </a:lnRef>
+          <a:fillRef idx="1">
+            <a:schemeClr val="accent1"/>
+          </a:fillRef>
+          <a:effectRef idx="0">
+            <a:schemeClr val="accent1"/>
+          </a:effectRef>
+          <a:fontRef idx="minor">
+            <a:schemeClr val="lt1"/>
+          </a:fontRef>
+        </p:style>
+        <p:txBody>
+          <a:bodyPr rtlCol="0" anchor="ctr"/>
+          <a:lstStyle/>
+          <a:p>
+            <a:pPr algn="ctr"/>
+            <a:r>
+              <a:rPr lang="fr-FR" dirty="0" smtClean="0"/>
+              <a:t>Cheville NAO</a:t>
+            </a:r>
+            <a:endParaRPr lang="fr-FR" dirty="0"/>
+          </a:p>
+        </p:txBody>
+      </p:sp>
+      <p:sp>
+        <p:nvSpPr>
+          <p:cNvPr id="5" name="Rectangle à coins arrondis 4"/>
+          <p:cNvSpPr/>
+          <p:nvPr/>
+        </p:nvSpPr>
+        <p:spPr>
+          <a:xfrm>
+            <a:off x="3428312" y="2724849"/>
+            <a:ext cx="2203704" cy="740664"/>
+          </a:xfrm>
+          <a:prstGeom prst="roundRect">
+            <a:avLst/>
+          </a:prstGeom>
+        </p:spPr>
+        <p:style>
+          <a:lnRef idx="2">
+            <a:schemeClr val="accent1">
+              <a:shade val="50000"/>
+            </a:schemeClr>
+          </a:lnRef>
+          <a:fillRef idx="1">
+            <a:schemeClr val="accent1"/>
+          </a:fillRef>
+          <a:effectRef idx="0">
+            <a:schemeClr val="accent1"/>
+          </a:effectRef>
+          <a:fontRef idx="minor">
+            <a:schemeClr val="lt1"/>
+          </a:fontRef>
+        </p:style>
+        <p:txBody>
+          <a:bodyPr rtlCol="0" anchor="ctr"/>
+          <a:lstStyle/>
+          <a:p>
+            <a:pPr algn="ctr"/>
+            <a:r>
+              <a:rPr lang="fr-FR" dirty="0" err="1" smtClean="0"/>
+              <a:t>MaxPID</a:t>
+            </a:r>
+            <a:endParaRPr lang="fr-FR" dirty="0"/>
+          </a:p>
+        </p:txBody>
+      </p:sp>
+      <p:sp>
+        <p:nvSpPr>
+          <p:cNvPr id="6" name="Rectangle à coins arrondis 5"/>
+          <p:cNvSpPr/>
+          <p:nvPr/>
+        </p:nvSpPr>
+        <p:spPr>
+          <a:xfrm>
+            <a:off x="6535599" y="2724849"/>
+            <a:ext cx="2203704" cy="740664"/>
+          </a:xfrm>
+          <a:prstGeom prst="roundRect">
+            <a:avLst/>
+          </a:prstGeom>
+        </p:spPr>
+        <p:style>
+          <a:lnRef idx="2">
+            <a:schemeClr val="accent1">
+              <a:shade val="50000"/>
+            </a:schemeClr>
+          </a:lnRef>
+          <a:fillRef idx="1">
+            <a:schemeClr val="accent1"/>
+          </a:fillRef>
+          <a:effectRef idx="0">
+            <a:schemeClr val="accent1"/>
+          </a:effectRef>
+          <a:fontRef idx="minor">
+            <a:schemeClr val="lt1"/>
+          </a:fontRef>
+        </p:style>
+        <p:txBody>
+          <a:bodyPr rtlCol="0" anchor="ctr"/>
+          <a:lstStyle/>
+          <a:p>
+            <a:pPr algn="ctr"/>
+            <a:r>
+              <a:rPr lang="fr-FR" dirty="0" smtClean="0"/>
+              <a:t>Distributeur de pièces</a:t>
+            </a:r>
+            <a:endParaRPr lang="fr-FR" dirty="0"/>
+          </a:p>
+        </p:txBody>
+      </p:sp>
+      <p:sp>
+        <p:nvSpPr>
+          <p:cNvPr id="7" name="Rectangle à coins arrondis 6"/>
+          <p:cNvSpPr/>
+          <p:nvPr/>
+        </p:nvSpPr>
+        <p:spPr>
+          <a:xfrm>
+            <a:off x="9642886" y="2724849"/>
+            <a:ext cx="2203704" cy="740664"/>
+          </a:xfrm>
+          <a:prstGeom prst="roundRect">
+            <a:avLst/>
+          </a:prstGeom>
+        </p:spPr>
+        <p:style>
+          <a:lnRef idx="2">
+            <a:schemeClr val="accent1">
+              <a:shade val="50000"/>
+            </a:schemeClr>
+          </a:lnRef>
+          <a:fillRef idx="1">
+            <a:schemeClr val="accent1"/>
+          </a:fillRef>
+          <a:effectRef idx="0">
+            <a:schemeClr val="accent1"/>
+          </a:effectRef>
+          <a:fontRef idx="minor">
+            <a:schemeClr val="lt1"/>
+          </a:fontRef>
+        </p:style>
+        <p:txBody>
+          <a:bodyPr rtlCol="0" anchor="ctr"/>
+          <a:lstStyle/>
+          <a:p>
+            <a:pPr algn="ctr"/>
+            <a:r>
+              <a:rPr lang="fr-FR" dirty="0" smtClean="0"/>
+              <a:t>Volant DMS</a:t>
+            </a:r>
+            <a:endParaRPr lang="fr-FR" dirty="0"/>
+          </a:p>
+        </p:txBody>
+      </p:sp>
+      <p:sp>
+        <p:nvSpPr>
+          <p:cNvPr id="8" name="Rectangle à coins arrondis 7"/>
+          <p:cNvSpPr/>
+          <p:nvPr/>
+        </p:nvSpPr>
+        <p:spPr>
+          <a:xfrm>
+            <a:off x="321025" y="4224465"/>
+            <a:ext cx="2203704" cy="740664"/>
+          </a:xfrm>
+          <a:prstGeom prst="roundRect">
+            <a:avLst/>
+          </a:prstGeom>
+        </p:spPr>
+        <p:style>
+          <a:lnRef idx="2">
+            <a:schemeClr val="accent4">
+              <a:shade val="50000"/>
+            </a:schemeClr>
+          </a:lnRef>
+          <a:fillRef idx="1">
+            <a:schemeClr val="accent4"/>
+          </a:fillRef>
+          <a:effectRef idx="0">
+            <a:schemeClr val="accent4"/>
+          </a:effectRef>
+          <a:fontRef idx="minor">
+            <a:schemeClr val="lt1"/>
+          </a:fontRef>
+        </p:style>
+        <p:txBody>
+          <a:bodyPr rtlCol="0" anchor="ctr"/>
+          <a:lstStyle/>
+          <a:p>
+            <a:pPr algn="ctr"/>
+            <a:r>
+              <a:rPr lang="fr-FR" dirty="0" smtClean="0"/>
+              <a:t>Cheville NAO</a:t>
+            </a:r>
+            <a:endParaRPr lang="fr-FR" dirty="0"/>
+          </a:p>
+        </p:txBody>
+      </p:sp>
+      <p:sp>
+        <p:nvSpPr>
+          <p:cNvPr id="9" name="Rectangle à coins arrondis 8"/>
+          <p:cNvSpPr/>
+          <p:nvPr/>
+        </p:nvSpPr>
+        <p:spPr>
+          <a:xfrm>
+            <a:off x="3428312" y="4224465"/>
+            <a:ext cx="2203704" cy="740664"/>
+          </a:xfrm>
+          <a:prstGeom prst="roundRect">
+            <a:avLst/>
+          </a:prstGeom>
+        </p:spPr>
+        <p:style>
+          <a:lnRef idx="2">
+            <a:schemeClr val="accent4">
+              <a:shade val="50000"/>
+            </a:schemeClr>
+          </a:lnRef>
+          <a:fillRef idx="1">
+            <a:schemeClr val="accent4"/>
+          </a:fillRef>
+          <a:effectRef idx="0">
+            <a:schemeClr val="accent4"/>
+          </a:effectRef>
+          <a:fontRef idx="minor">
+            <a:schemeClr val="lt1"/>
+          </a:fontRef>
+        </p:style>
+        <p:txBody>
+          <a:bodyPr rtlCol="0" anchor="ctr"/>
+          <a:lstStyle/>
+          <a:p>
+            <a:pPr algn="ctr"/>
+            <a:r>
+              <a:rPr lang="fr-FR" dirty="0" err="1" smtClean="0"/>
+              <a:t>MaxPID</a:t>
+            </a:r>
+            <a:endParaRPr lang="fr-FR" dirty="0"/>
+          </a:p>
+        </p:txBody>
+      </p:sp>
+      <p:sp>
+        <p:nvSpPr>
+          <p:cNvPr id="10" name="Rectangle à coins arrondis 9"/>
+          <p:cNvSpPr/>
+          <p:nvPr/>
+        </p:nvSpPr>
+        <p:spPr>
+          <a:xfrm>
+            <a:off x="6535599" y="4224465"/>
+            <a:ext cx="2203704" cy="740664"/>
+          </a:xfrm>
+          <a:prstGeom prst="roundRect">
+            <a:avLst/>
+          </a:prstGeom>
+        </p:spPr>
+        <p:style>
+          <a:lnRef idx="2">
+            <a:schemeClr val="accent4">
+              <a:shade val="50000"/>
+            </a:schemeClr>
+          </a:lnRef>
+          <a:fillRef idx="1">
+            <a:schemeClr val="accent4"/>
+          </a:fillRef>
+          <a:effectRef idx="0">
+            <a:schemeClr val="accent4"/>
+          </a:effectRef>
+          <a:fontRef idx="minor">
+            <a:schemeClr val="lt1"/>
+          </a:fontRef>
+        </p:style>
+        <p:txBody>
+          <a:bodyPr rtlCol="0" anchor="ctr"/>
+          <a:lstStyle/>
+          <a:p>
+            <a:pPr algn="ctr"/>
+            <a:r>
+              <a:rPr lang="fr-FR" sz="1600" dirty="0" smtClean="0"/>
+              <a:t>Travail de modélisation multiphysique (sur PC)</a:t>
+            </a:r>
+            <a:endParaRPr lang="fr-FR" sz="1600" dirty="0"/>
+          </a:p>
+        </p:txBody>
+      </p:sp>
+      <p:sp>
+        <p:nvSpPr>
+          <p:cNvPr id="11" name="Rectangle à coins arrondis 10"/>
+          <p:cNvSpPr/>
+          <p:nvPr/>
+        </p:nvSpPr>
+        <p:spPr>
+          <a:xfrm>
+            <a:off x="9642886" y="4224465"/>
+            <a:ext cx="2203704" cy="740664"/>
+          </a:xfrm>
+          <a:prstGeom prst="roundRect">
+            <a:avLst/>
+          </a:prstGeom>
+        </p:spPr>
+        <p:style>
+          <a:lnRef idx="2">
+            <a:schemeClr val="accent4">
+              <a:shade val="50000"/>
+            </a:schemeClr>
+          </a:lnRef>
+          <a:fillRef idx="1">
+            <a:schemeClr val="accent4"/>
+          </a:fillRef>
+          <a:effectRef idx="0">
+            <a:schemeClr val="accent4"/>
+          </a:effectRef>
+          <a:fontRef idx="minor">
+            <a:schemeClr val="lt1"/>
+          </a:fontRef>
+        </p:style>
+        <p:txBody>
+          <a:bodyPr rtlCol="0" anchor="ctr"/>
+          <a:lstStyle/>
+          <a:p>
+            <a:pPr algn="ctr"/>
+            <a:r>
+              <a:rPr lang="fr-FR" sz="1600"/>
+              <a:t>Travail de modélisation multiphysique (sur PC)</a:t>
+            </a:r>
+            <a:endParaRPr lang="fr-FR" sz="1600" dirty="0"/>
+          </a:p>
+        </p:txBody>
+      </p:sp>
+      <p:sp>
+        <p:nvSpPr>
+          <p:cNvPr id="12" name="Rectangle à coins arrondis 11"/>
+          <p:cNvSpPr/>
+          <p:nvPr/>
+        </p:nvSpPr>
+        <p:spPr>
+          <a:xfrm>
+            <a:off x="6535599" y="5353749"/>
+            <a:ext cx="2203704" cy="740664"/>
+          </a:xfrm>
+          <a:prstGeom prst="roundRect">
+            <a:avLst/>
+          </a:prstGeom>
+        </p:spPr>
+        <p:style>
+          <a:lnRef idx="2">
+            <a:schemeClr val="accent4">
+              <a:shade val="50000"/>
+            </a:schemeClr>
+          </a:lnRef>
+          <a:fillRef idx="1">
+            <a:schemeClr val="accent4"/>
+          </a:fillRef>
+          <a:effectRef idx="0">
+            <a:schemeClr val="accent4"/>
+          </a:effectRef>
+          <a:fontRef idx="minor">
+            <a:schemeClr val="lt1"/>
+          </a:fontRef>
+        </p:style>
+        <p:txBody>
+          <a:bodyPr rtlCol="0" anchor="ctr"/>
+          <a:lstStyle/>
+          <a:p>
+            <a:pPr algn="ctr"/>
+            <a:r>
+              <a:rPr lang="fr-FR" sz="1600" dirty="0" smtClean="0"/>
+              <a:t>Support « </a:t>
+            </a:r>
+            <a:r>
+              <a:rPr lang="fr-FR" sz="1600" dirty="0" err="1" smtClean="0"/>
+              <a:t>Low</a:t>
+            </a:r>
+            <a:r>
+              <a:rPr lang="fr-FR" sz="1600" dirty="0" smtClean="0"/>
+              <a:t> </a:t>
+            </a:r>
+            <a:r>
+              <a:rPr lang="fr-FR" sz="1600" dirty="0" err="1" smtClean="0"/>
+              <a:t>cost</a:t>
+            </a:r>
+            <a:r>
+              <a:rPr lang="fr-FR" sz="1600" dirty="0" smtClean="0"/>
+              <a:t> »</a:t>
+            </a:r>
+            <a:endParaRPr lang="fr-FR" sz="1600" dirty="0"/>
           </a:p>
         </p:txBody>
       </p:sp>
     </p:spTree>
     <p:extLst>
       <p:ext uri="{BB962C8B-B14F-4D97-AF65-F5344CB8AC3E}">
-        <p14:creationId xmlns:p14="http://schemas.microsoft.com/office/powerpoint/2010/main" val="2140799209"/>
+        <p14:creationId xmlns:p14="http://schemas.microsoft.com/office/powerpoint/2010/main" val="4204006658"/>
+      </p:ext>
+    </p:extLst>
+  </p:cSld>
+  <p:clrMapOvr>
+    <a:masterClrMapping/>
+  </p:clrMapOvr>
+</p:sld>
+</file>
+
+<file path=ppt/slides/slide5.xml><?xml version="1.0" encoding="utf-8"?>
+<p:sld xmlns:a="http://schemas.openxmlformats.org/drawingml/2006/main" xmlns:r="http://schemas.openxmlformats.org/officeDocument/2006/relationships" xmlns:p="http://schemas.openxmlformats.org/presentationml/2006/main">
+  <p:cSld>
+    <p:spTree>
+      <p:nvGrpSpPr>
+        <p:cNvPr id="1" name=""/>
+        <p:cNvGrpSpPr/>
+        <p:nvPr/>
+      </p:nvGrpSpPr>
+      <p:grpSpPr>
+        <a:xfrm>
+          <a:off x="0" y="0"/>
+          <a:ext cx="0" cy="0"/>
+          <a:chOff x="0" y="0"/>
+          <a:chExt cx="0" cy="0"/>
+        </a:xfrm>
+      </p:grpSpPr>
+      <p:sp>
+        <p:nvSpPr>
+          <p:cNvPr id="2" name="Titre 1"/>
+          <p:cNvSpPr>
+            <a:spLocks noGrp="1"/>
+          </p:cNvSpPr>
+          <p:nvPr>
+            <p:ph type="title"/>
+          </p:nvPr>
+        </p:nvSpPr>
+        <p:spPr/>
+        <p:txBody>
+          <a:bodyPr>
+            <a:normAutofit/>
+          </a:bodyPr>
+          <a:lstStyle/>
+          <a:p>
+            <a:r>
+              <a:rPr lang="fr-FR" dirty="0" smtClean="0"/>
+              <a:t>Rédaction du TP – Option 1 – TP 1h30</a:t>
+            </a:r>
+            <a:endParaRPr lang="fr-FR" dirty="0"/>
+          </a:p>
+        </p:txBody>
+      </p:sp>
+      <p:sp>
+        <p:nvSpPr>
+          <p:cNvPr id="3" name="Espace réservé du contenu 2"/>
+          <p:cNvSpPr>
+            <a:spLocks noGrp="1"/>
+          </p:cNvSpPr>
+          <p:nvPr>
+            <p:ph idx="1"/>
+          </p:nvPr>
+        </p:nvSpPr>
+        <p:spPr>
+          <a:xfrm>
+            <a:off x="117795" y="981887"/>
+            <a:ext cx="5978205" cy="5253339"/>
+          </a:xfrm>
+        </p:spPr>
+        <p:txBody>
+          <a:bodyPr>
+            <a:normAutofit lnSpcReduction="10000"/>
+          </a:bodyPr>
+          <a:lstStyle/>
+          <a:p>
+            <a:pPr>
+              <a:buFont typeface="Wingdings" panose="05000000000000000000" pitchFamily="2" charset="2"/>
+              <a:buChar char="q"/>
+            </a:pPr>
+            <a:r>
+              <a:rPr lang="fr-FR" dirty="0" smtClean="0"/>
+              <a:t> Simulation </a:t>
+            </a:r>
+            <a:r>
+              <a:rPr lang="fr-FR" dirty="0"/>
+              <a:t>numérique du comportement </a:t>
+            </a:r>
+            <a:r>
+              <a:rPr lang="fr-FR" dirty="0" smtClean="0"/>
+              <a:t>temporel </a:t>
+            </a:r>
+            <a:r>
+              <a:rPr lang="fr-FR" dirty="0"/>
+              <a:t>d’un système </a:t>
+            </a:r>
+            <a:r>
+              <a:rPr lang="fr-FR" dirty="0" smtClean="0"/>
+              <a:t>asservi: </a:t>
+            </a:r>
+            <a:r>
+              <a:rPr lang="fr-FR" dirty="0"/>
+              <a:t>Cheville du robot NAO (</a:t>
+            </a:r>
+            <a:r>
+              <a:rPr lang="fr-FR" dirty="0" err="1"/>
+              <a:t>Scilab</a:t>
+            </a:r>
+            <a:r>
+              <a:rPr lang="fr-FR" dirty="0" smtClean="0"/>
+              <a:t>)</a:t>
+            </a:r>
+          </a:p>
+          <a:p>
+            <a:pPr>
+              <a:buFont typeface="Wingdings" panose="05000000000000000000" pitchFamily="2" charset="2"/>
+              <a:buChar char="q"/>
+            </a:pPr>
+            <a:r>
+              <a:rPr lang="fr-FR" dirty="0" smtClean="0"/>
+              <a:t>Détermination des performances du système</a:t>
+            </a:r>
+          </a:p>
+          <a:p>
+            <a:pPr lvl="1">
+              <a:buFont typeface="Wingdings" panose="05000000000000000000" pitchFamily="2" charset="2"/>
+              <a:buChar char="q"/>
+            </a:pPr>
+            <a:r>
+              <a:rPr lang="fr-FR" dirty="0" smtClean="0"/>
+              <a:t>Cahier des charges</a:t>
+            </a:r>
+          </a:p>
+          <a:p>
+            <a:pPr lvl="1">
+              <a:buFont typeface="Wingdings" panose="05000000000000000000" pitchFamily="2" charset="2"/>
+              <a:buChar char="q"/>
+            </a:pPr>
+            <a:endParaRPr lang="fr-FR" dirty="0" smtClean="0"/>
+          </a:p>
+          <a:p>
+            <a:pPr lvl="1">
+              <a:buFont typeface="Wingdings" panose="05000000000000000000" pitchFamily="2" charset="2"/>
+              <a:buChar char="q"/>
+            </a:pPr>
+            <a:r>
+              <a:rPr lang="fr-FR" dirty="0" smtClean="0"/>
+              <a:t>Découverte du système </a:t>
+            </a:r>
+          </a:p>
+          <a:p>
+            <a:pPr lvl="2">
+              <a:buFont typeface="Wingdings" panose="05000000000000000000" pitchFamily="2" charset="2"/>
+              <a:buChar char="q"/>
+            </a:pPr>
+            <a:r>
+              <a:rPr lang="fr-FR" dirty="0" smtClean="0"/>
+              <a:t>Prise en main</a:t>
+            </a:r>
+          </a:p>
+          <a:p>
+            <a:pPr lvl="2">
+              <a:buFont typeface="Wingdings" panose="05000000000000000000" pitchFamily="2" charset="2"/>
+              <a:buChar char="q"/>
+            </a:pPr>
+            <a:r>
+              <a:rPr lang="fr-FR" dirty="0" smtClean="0"/>
+              <a:t>Chaîne d’énergie, chaine d’information</a:t>
+            </a:r>
+          </a:p>
+          <a:p>
+            <a:pPr lvl="1">
+              <a:buFont typeface="Wingdings" panose="05000000000000000000" pitchFamily="2" charset="2"/>
+              <a:buChar char="q"/>
+            </a:pPr>
+            <a:endParaRPr lang="fr-FR" dirty="0" smtClean="0"/>
+          </a:p>
+          <a:p>
+            <a:pPr lvl="1">
+              <a:buFont typeface="Wingdings" panose="05000000000000000000" pitchFamily="2" charset="2"/>
+              <a:buChar char="q"/>
+            </a:pPr>
+            <a:r>
+              <a:rPr lang="fr-FR" dirty="0"/>
+              <a:t> </a:t>
+            </a:r>
+            <a:r>
+              <a:rPr lang="fr-FR" dirty="0" smtClean="0"/>
+              <a:t>Expérimentation </a:t>
+            </a:r>
+          </a:p>
+          <a:p>
+            <a:pPr lvl="2">
+              <a:buFont typeface="Wingdings" panose="05000000000000000000" pitchFamily="2" charset="2"/>
+              <a:buChar char="q"/>
+            </a:pPr>
+            <a:r>
+              <a:rPr lang="fr-FR" dirty="0" smtClean="0"/>
+              <a:t>Commande du  système à partir d’un échelon</a:t>
+            </a:r>
+          </a:p>
+          <a:p>
+            <a:pPr lvl="2">
+              <a:buFont typeface="Wingdings" panose="05000000000000000000" pitchFamily="2" charset="2"/>
+              <a:buChar char="q"/>
+            </a:pPr>
+            <a:endParaRPr lang="fr-FR" dirty="0" smtClean="0"/>
+          </a:p>
+          <a:p>
+            <a:pPr lvl="1">
+              <a:buFont typeface="Wingdings" panose="05000000000000000000" pitchFamily="2" charset="2"/>
+              <a:buChar char="q"/>
+            </a:pPr>
+            <a:r>
+              <a:rPr lang="fr-FR" dirty="0"/>
+              <a:t> </a:t>
+            </a:r>
+            <a:r>
+              <a:rPr lang="fr-FR" dirty="0" smtClean="0"/>
+              <a:t>Modélisation + Simulation</a:t>
+            </a:r>
+          </a:p>
+          <a:p>
+            <a:pPr lvl="2">
+              <a:buFont typeface="Wingdings" panose="05000000000000000000" pitchFamily="2" charset="2"/>
+              <a:buChar char="q"/>
+            </a:pPr>
+            <a:r>
+              <a:rPr lang="fr-FR" dirty="0" smtClean="0"/>
+              <a:t>Commande du système par un échelon</a:t>
+            </a:r>
+          </a:p>
+          <a:p>
+            <a:pPr lvl="2">
+              <a:buFont typeface="Wingdings" panose="05000000000000000000" pitchFamily="2" charset="2"/>
+              <a:buChar char="q"/>
+            </a:pPr>
+            <a:endParaRPr lang="fr-FR" dirty="0"/>
+          </a:p>
+          <a:p>
+            <a:pPr lvl="2">
+              <a:buFont typeface="Wingdings" panose="05000000000000000000" pitchFamily="2" charset="2"/>
+              <a:buChar char="q"/>
+            </a:pPr>
+            <a:endParaRPr lang="fr-FR" dirty="0" smtClean="0"/>
+          </a:p>
+          <a:p>
+            <a:pPr lvl="1">
+              <a:buFont typeface="Wingdings" panose="05000000000000000000" pitchFamily="2" charset="2"/>
+              <a:buChar char="q"/>
+            </a:pPr>
+            <a:r>
+              <a:rPr lang="fr-FR" dirty="0"/>
+              <a:t> </a:t>
+            </a:r>
+            <a:r>
+              <a:rPr lang="fr-FR" dirty="0" smtClean="0"/>
+              <a:t>Comparaison Modèle – réel </a:t>
+            </a:r>
+          </a:p>
+          <a:p>
+            <a:pPr lvl="2">
+              <a:buFont typeface="Wingdings" panose="05000000000000000000" pitchFamily="2" charset="2"/>
+              <a:buChar char="q"/>
+            </a:pPr>
+            <a:endParaRPr lang="fr-FR" dirty="0"/>
+          </a:p>
+          <a:p>
+            <a:endParaRPr lang="fr-FR" dirty="0"/>
+          </a:p>
+        </p:txBody>
+      </p:sp>
+      <p:sp>
+        <p:nvSpPr>
+          <p:cNvPr id="4" name="Espace réservé du contenu 2"/>
+          <p:cNvSpPr txBox="1">
+            <a:spLocks/>
+          </p:cNvSpPr>
+          <p:nvPr/>
+        </p:nvSpPr>
+        <p:spPr>
+          <a:xfrm>
+            <a:off x="6096000" y="981887"/>
+            <a:ext cx="5978205" cy="5253339"/>
+          </a:xfrm>
+          <a:prstGeom prst="rect">
+            <a:avLst/>
+          </a:prstGeom>
+        </p:spPr>
+        <p:txBody>
+          <a:bodyPr vert="horz" lIns="0" tIns="45720" rIns="0" bIns="45720" rtlCol="0" anchor="ctr">
+            <a:normAutofit/>
+          </a:bodyPr>
+          <a:lstStyle>
+            <a:lvl1pPr marL="91440" indent="-91440" algn="l" defTabSz="914400" rtl="0" eaLnBrk="1" latinLnBrk="0" hangingPunct="1">
+              <a:lnSpc>
+                <a:spcPct val="90000"/>
+              </a:lnSpc>
+              <a:spcBef>
+                <a:spcPts val="1200"/>
+              </a:spcBef>
+              <a:spcAft>
+                <a:spcPts val="200"/>
+              </a:spcAft>
+              <a:buClr>
+                <a:schemeClr val="accent1"/>
+              </a:buClr>
+              <a:buSzPct val="100000"/>
+              <a:buFont typeface="Calibri" panose="020F0502020204030204" pitchFamily="34" charset="0"/>
+              <a:buChar char=" "/>
+              <a:defRPr sz="2000" kern="1200">
+                <a:solidFill>
+                  <a:schemeClr val="tx1">
+                    <a:lumMod val="75000"/>
+                    <a:lumOff val="25000"/>
+                  </a:schemeClr>
+                </a:solidFill>
+                <a:latin typeface="+mn-lt"/>
+                <a:ea typeface="+mn-ea"/>
+                <a:cs typeface="+mn-cs"/>
+              </a:defRPr>
+            </a:lvl1pPr>
+            <a:lvl2pPr marL="384048" indent="-182880" algn="l" defTabSz="914400" rtl="0" eaLnBrk="1" latinLnBrk="0" hangingPunct="1">
+              <a:lnSpc>
+                <a:spcPct val="90000"/>
+              </a:lnSpc>
+              <a:spcBef>
+                <a:spcPts val="200"/>
+              </a:spcBef>
+              <a:spcAft>
+                <a:spcPts val="400"/>
+              </a:spcAft>
+              <a:buClr>
+                <a:schemeClr val="tx2"/>
+              </a:buClr>
+              <a:buFont typeface="Calibri" pitchFamily="34" charset="0"/>
+              <a:buChar char="◦"/>
+              <a:defRPr sz="1800" kern="1200">
+                <a:solidFill>
+                  <a:schemeClr val="tx1">
+                    <a:lumMod val="75000"/>
+                    <a:lumOff val="25000"/>
+                  </a:schemeClr>
+                </a:solidFill>
+                <a:latin typeface="+mn-lt"/>
+                <a:ea typeface="+mn-ea"/>
+                <a:cs typeface="+mn-cs"/>
+              </a:defRPr>
+            </a:lvl2pPr>
+            <a:lvl3pPr marL="566928" indent="-182880" algn="l" defTabSz="914400" rtl="0" eaLnBrk="1" latinLnBrk="0" hangingPunct="1">
+              <a:lnSpc>
+                <a:spcPct val="90000"/>
+              </a:lnSpc>
+              <a:spcBef>
+                <a:spcPts val="200"/>
+              </a:spcBef>
+              <a:spcAft>
+                <a:spcPts val="400"/>
+              </a:spcAft>
+              <a:buClr>
+                <a:schemeClr val="tx2"/>
+              </a:buClr>
+              <a:buFont typeface="Calibri" pitchFamily="34" charset="0"/>
+              <a:buChar char="◦"/>
+              <a:defRPr sz="1400" kern="1200">
+                <a:solidFill>
+                  <a:schemeClr val="tx1">
+                    <a:lumMod val="75000"/>
+                    <a:lumOff val="25000"/>
+                  </a:schemeClr>
+                </a:solidFill>
+                <a:latin typeface="+mn-lt"/>
+                <a:ea typeface="+mn-ea"/>
+                <a:cs typeface="+mn-cs"/>
+              </a:defRPr>
+            </a:lvl3pPr>
+            <a:lvl4pPr marL="749808" indent="-182880" algn="l" defTabSz="914400" rtl="0" eaLnBrk="1" latinLnBrk="0" hangingPunct="1">
+              <a:lnSpc>
+                <a:spcPct val="90000"/>
+              </a:lnSpc>
+              <a:spcBef>
+                <a:spcPts val="200"/>
+              </a:spcBef>
+              <a:spcAft>
+                <a:spcPts val="400"/>
+              </a:spcAft>
+              <a:buClr>
+                <a:schemeClr val="tx2"/>
+              </a:buClr>
+              <a:buFont typeface="Calibri" pitchFamily="34" charset="0"/>
+              <a:buChar char="◦"/>
+              <a:defRPr sz="1400" kern="1200">
+                <a:solidFill>
+                  <a:schemeClr val="tx1">
+                    <a:lumMod val="75000"/>
+                    <a:lumOff val="25000"/>
+                  </a:schemeClr>
+                </a:solidFill>
+                <a:latin typeface="+mn-lt"/>
+                <a:ea typeface="+mn-ea"/>
+                <a:cs typeface="+mn-cs"/>
+              </a:defRPr>
+            </a:lvl4pPr>
+            <a:lvl5pPr marL="932688" indent="-182880" algn="l" defTabSz="914400" rtl="0" eaLnBrk="1" latinLnBrk="0" hangingPunct="1">
+              <a:lnSpc>
+                <a:spcPct val="90000"/>
+              </a:lnSpc>
+              <a:spcBef>
+                <a:spcPts val="200"/>
+              </a:spcBef>
+              <a:spcAft>
+                <a:spcPts val="400"/>
+              </a:spcAft>
+              <a:buClr>
+                <a:schemeClr val="tx2"/>
+              </a:buClr>
+              <a:buFont typeface="Calibri" pitchFamily="34" charset="0"/>
+              <a:buChar char="◦"/>
+              <a:defRPr sz="1400" kern="1200">
+                <a:solidFill>
+                  <a:schemeClr val="tx1">
+                    <a:lumMod val="75000"/>
+                    <a:lumOff val="25000"/>
+                  </a:schemeClr>
+                </a:solidFill>
+                <a:latin typeface="+mn-lt"/>
+                <a:ea typeface="+mn-ea"/>
+                <a:cs typeface="+mn-cs"/>
+              </a:defRPr>
+            </a:lvl5pPr>
+            <a:lvl6pPr marL="1100000" indent="-228600" algn="l" defTabSz="914400" rtl="0" eaLnBrk="1" latinLnBrk="0" hangingPunct="1">
+              <a:lnSpc>
+                <a:spcPct val="90000"/>
+              </a:lnSpc>
+              <a:spcBef>
+                <a:spcPts val="200"/>
+              </a:spcBef>
+              <a:spcAft>
+                <a:spcPts val="400"/>
+              </a:spcAft>
+              <a:buClr>
+                <a:schemeClr val="accent1"/>
+              </a:buClr>
+              <a:buFont typeface="Calibri" pitchFamily="34" charset="0"/>
+              <a:buChar char="◦"/>
+              <a:defRPr sz="1400" kern="1200">
+                <a:solidFill>
+                  <a:schemeClr val="tx1">
+                    <a:lumMod val="75000"/>
+                    <a:lumOff val="25000"/>
+                  </a:schemeClr>
+                </a:solidFill>
+                <a:latin typeface="+mn-lt"/>
+                <a:ea typeface="+mn-ea"/>
+                <a:cs typeface="+mn-cs"/>
+              </a:defRPr>
+            </a:lvl6pPr>
+            <a:lvl7pPr marL="1300000" indent="-228600" algn="l" defTabSz="914400" rtl="0" eaLnBrk="1" latinLnBrk="0" hangingPunct="1">
+              <a:lnSpc>
+                <a:spcPct val="90000"/>
+              </a:lnSpc>
+              <a:spcBef>
+                <a:spcPts val="200"/>
+              </a:spcBef>
+              <a:spcAft>
+                <a:spcPts val="400"/>
+              </a:spcAft>
+              <a:buClr>
+                <a:schemeClr val="accent1"/>
+              </a:buClr>
+              <a:buFont typeface="Calibri" pitchFamily="34" charset="0"/>
+              <a:buChar char="◦"/>
+              <a:defRPr sz="1400" kern="1200">
+                <a:solidFill>
+                  <a:schemeClr val="tx1">
+                    <a:lumMod val="75000"/>
+                    <a:lumOff val="25000"/>
+                  </a:schemeClr>
+                </a:solidFill>
+                <a:latin typeface="+mn-lt"/>
+                <a:ea typeface="+mn-ea"/>
+                <a:cs typeface="+mn-cs"/>
+              </a:defRPr>
+            </a:lvl7pPr>
+            <a:lvl8pPr marL="1500000" indent="-228600" algn="l" defTabSz="914400" rtl="0" eaLnBrk="1" latinLnBrk="0" hangingPunct="1">
+              <a:lnSpc>
+                <a:spcPct val="90000"/>
+              </a:lnSpc>
+              <a:spcBef>
+                <a:spcPts val="200"/>
+              </a:spcBef>
+              <a:spcAft>
+                <a:spcPts val="400"/>
+              </a:spcAft>
+              <a:buClr>
+                <a:schemeClr val="accent1"/>
+              </a:buClr>
+              <a:buFont typeface="Calibri" pitchFamily="34" charset="0"/>
+              <a:buChar char="◦"/>
+              <a:defRPr sz="1400" kern="1200">
+                <a:solidFill>
+                  <a:schemeClr val="tx1">
+                    <a:lumMod val="75000"/>
+                    <a:lumOff val="25000"/>
+                  </a:schemeClr>
+                </a:solidFill>
+                <a:latin typeface="+mn-lt"/>
+                <a:ea typeface="+mn-ea"/>
+                <a:cs typeface="+mn-cs"/>
+              </a:defRPr>
+            </a:lvl8pPr>
+            <a:lvl9pPr marL="1700000" indent="-228600" algn="l" defTabSz="914400" rtl="0" eaLnBrk="1" latinLnBrk="0" hangingPunct="1">
+              <a:lnSpc>
+                <a:spcPct val="90000"/>
+              </a:lnSpc>
+              <a:spcBef>
+                <a:spcPts val="200"/>
+              </a:spcBef>
+              <a:spcAft>
+                <a:spcPts val="400"/>
+              </a:spcAft>
+              <a:buClr>
+                <a:schemeClr val="accent1"/>
+              </a:buClr>
+              <a:buFont typeface="Calibri" pitchFamily="34" charset="0"/>
+              <a:buChar char="◦"/>
+              <a:defRPr sz="1400" kern="1200">
+                <a:solidFill>
+                  <a:schemeClr val="tx1">
+                    <a:lumMod val="75000"/>
+                    <a:lumOff val="25000"/>
+                  </a:schemeClr>
+                </a:solidFill>
+                <a:latin typeface="+mn-lt"/>
+                <a:ea typeface="+mn-ea"/>
+                <a:cs typeface="+mn-cs"/>
+              </a:defRPr>
+            </a:lvl9pPr>
+          </a:lstStyle>
+          <a:p>
+            <a:pPr algn="ctr"/>
+            <a:r>
+              <a:rPr lang="fr-FR" sz="3200" dirty="0" smtClean="0">
+                <a:solidFill>
+                  <a:schemeClr val="accent6">
+                    <a:lumMod val="50000"/>
+                  </a:schemeClr>
+                </a:solidFill>
+              </a:rPr>
+              <a:t>DIFFICILEMENT TENABLE EN 1h30</a:t>
+            </a:r>
+          </a:p>
+        </p:txBody>
+      </p:sp>
+    </p:spTree>
+    <p:extLst>
+      <p:ext uri="{BB962C8B-B14F-4D97-AF65-F5344CB8AC3E}">
+        <p14:creationId xmlns:p14="http://schemas.microsoft.com/office/powerpoint/2010/main" val="3762303650"/>
+      </p:ext>
+    </p:extLst>
+  </p:cSld>
+  <p:clrMapOvr>
+    <a:masterClrMapping/>
+  </p:clrMapOvr>
+</p:sld>
+</file>
+
+<file path=ppt/slides/slide6.xml><?xml version="1.0" encoding="utf-8"?>
+<p:sld xmlns:a="http://schemas.openxmlformats.org/drawingml/2006/main" xmlns:r="http://schemas.openxmlformats.org/officeDocument/2006/relationships" xmlns:p="http://schemas.openxmlformats.org/presentationml/2006/main">
+  <p:cSld>
+    <p:spTree>
+      <p:nvGrpSpPr>
+        <p:cNvPr id="1" name=""/>
+        <p:cNvGrpSpPr/>
+        <p:nvPr/>
+      </p:nvGrpSpPr>
+      <p:grpSpPr>
+        <a:xfrm>
+          <a:off x="0" y="0"/>
+          <a:ext cx="0" cy="0"/>
+          <a:chOff x="0" y="0"/>
+          <a:chExt cx="0" cy="0"/>
+        </a:xfrm>
+      </p:grpSpPr>
+      <p:sp>
+        <p:nvSpPr>
+          <p:cNvPr id="2" name="Titre 1"/>
+          <p:cNvSpPr>
+            <a:spLocks noGrp="1"/>
+          </p:cNvSpPr>
+          <p:nvPr>
+            <p:ph type="title"/>
+          </p:nvPr>
+        </p:nvSpPr>
+        <p:spPr/>
+        <p:txBody>
+          <a:bodyPr>
+            <a:normAutofit/>
+          </a:bodyPr>
+          <a:lstStyle/>
+          <a:p>
+            <a:r>
+              <a:rPr lang="fr-FR" dirty="0" smtClean="0"/>
+              <a:t>Rédaction du TP – Option 2 – TP 3h00</a:t>
+            </a:r>
+            <a:endParaRPr lang="fr-FR" dirty="0"/>
+          </a:p>
+        </p:txBody>
+      </p:sp>
+      <p:sp>
+        <p:nvSpPr>
+          <p:cNvPr id="3" name="Espace réservé du contenu 2"/>
+          <p:cNvSpPr>
+            <a:spLocks noGrp="1"/>
+          </p:cNvSpPr>
+          <p:nvPr>
+            <p:ph idx="1"/>
+          </p:nvPr>
+        </p:nvSpPr>
+        <p:spPr>
+          <a:xfrm>
+            <a:off x="117795" y="981887"/>
+            <a:ext cx="5978205" cy="5253339"/>
+          </a:xfrm>
+        </p:spPr>
+        <p:txBody>
+          <a:bodyPr>
+            <a:normAutofit lnSpcReduction="10000"/>
+          </a:bodyPr>
+          <a:lstStyle/>
+          <a:p>
+            <a:pPr>
+              <a:buFont typeface="Wingdings" panose="05000000000000000000" pitchFamily="2" charset="2"/>
+              <a:buChar char="q"/>
+            </a:pPr>
+            <a:r>
+              <a:rPr lang="fr-FR" dirty="0" smtClean="0"/>
+              <a:t> Simulation </a:t>
+            </a:r>
+            <a:r>
+              <a:rPr lang="fr-FR" dirty="0"/>
+              <a:t>numérique du comportement </a:t>
+            </a:r>
+            <a:r>
+              <a:rPr lang="fr-FR" dirty="0" smtClean="0"/>
+              <a:t>temporel </a:t>
+            </a:r>
+            <a:r>
+              <a:rPr lang="fr-FR" dirty="0"/>
+              <a:t>d’un système </a:t>
+            </a:r>
+            <a:r>
+              <a:rPr lang="fr-FR" dirty="0" smtClean="0"/>
+              <a:t>asservi : </a:t>
+            </a:r>
+            <a:r>
+              <a:rPr lang="fr-FR" dirty="0"/>
+              <a:t>Cheville du robot NAO (</a:t>
+            </a:r>
+            <a:r>
+              <a:rPr lang="fr-FR" dirty="0" err="1"/>
+              <a:t>Scilab</a:t>
+            </a:r>
+            <a:r>
+              <a:rPr lang="fr-FR" dirty="0" smtClean="0"/>
+              <a:t>)</a:t>
+            </a:r>
+          </a:p>
+          <a:p>
+            <a:pPr>
+              <a:buFont typeface="Wingdings" panose="05000000000000000000" pitchFamily="2" charset="2"/>
+              <a:buChar char="q"/>
+            </a:pPr>
+            <a:r>
+              <a:rPr lang="fr-FR" dirty="0" smtClean="0"/>
+              <a:t>Détermination des performances du système</a:t>
+            </a:r>
+          </a:p>
+          <a:p>
+            <a:pPr lvl="1">
+              <a:buFont typeface="Wingdings" panose="05000000000000000000" pitchFamily="2" charset="2"/>
+              <a:buChar char="q"/>
+            </a:pPr>
+            <a:r>
+              <a:rPr lang="fr-FR" dirty="0" smtClean="0"/>
+              <a:t>Cahier des charges</a:t>
+            </a:r>
+          </a:p>
+          <a:p>
+            <a:pPr lvl="1">
+              <a:buFont typeface="Wingdings" panose="05000000000000000000" pitchFamily="2" charset="2"/>
+              <a:buChar char="q"/>
+            </a:pPr>
+            <a:endParaRPr lang="fr-FR" dirty="0" smtClean="0"/>
+          </a:p>
+          <a:p>
+            <a:pPr lvl="1">
+              <a:buFont typeface="Wingdings" panose="05000000000000000000" pitchFamily="2" charset="2"/>
+              <a:buChar char="q"/>
+            </a:pPr>
+            <a:r>
+              <a:rPr lang="fr-FR" dirty="0" smtClean="0"/>
+              <a:t>Découverte du système </a:t>
+            </a:r>
+          </a:p>
+          <a:p>
+            <a:pPr lvl="2">
+              <a:buFont typeface="Wingdings" panose="05000000000000000000" pitchFamily="2" charset="2"/>
+              <a:buChar char="q"/>
+            </a:pPr>
+            <a:r>
+              <a:rPr lang="fr-FR" dirty="0" smtClean="0"/>
+              <a:t>Prise en main</a:t>
+            </a:r>
+          </a:p>
+          <a:p>
+            <a:pPr lvl="2">
+              <a:buFont typeface="Wingdings" panose="05000000000000000000" pitchFamily="2" charset="2"/>
+              <a:buChar char="q"/>
+            </a:pPr>
+            <a:r>
+              <a:rPr lang="fr-FR" dirty="0" smtClean="0"/>
+              <a:t>Chaîne d’énergie, chaine d’information</a:t>
+            </a:r>
+          </a:p>
+          <a:p>
+            <a:pPr lvl="1">
+              <a:buFont typeface="Wingdings" panose="05000000000000000000" pitchFamily="2" charset="2"/>
+              <a:buChar char="q"/>
+            </a:pPr>
+            <a:endParaRPr lang="fr-FR" dirty="0" smtClean="0"/>
+          </a:p>
+          <a:p>
+            <a:pPr lvl="1">
+              <a:buFont typeface="Wingdings" panose="05000000000000000000" pitchFamily="2" charset="2"/>
+              <a:buChar char="q"/>
+            </a:pPr>
+            <a:r>
+              <a:rPr lang="fr-FR" dirty="0"/>
+              <a:t> </a:t>
+            </a:r>
+            <a:r>
+              <a:rPr lang="fr-FR" dirty="0" smtClean="0"/>
+              <a:t>Expérimentation </a:t>
+            </a:r>
+          </a:p>
+          <a:p>
+            <a:pPr lvl="2">
+              <a:buFont typeface="Wingdings" panose="05000000000000000000" pitchFamily="2" charset="2"/>
+              <a:buChar char="q"/>
+            </a:pPr>
+            <a:r>
+              <a:rPr lang="fr-FR" dirty="0" smtClean="0"/>
+              <a:t>Commande du  système à partir d’un échelon</a:t>
+            </a:r>
+          </a:p>
+          <a:p>
+            <a:pPr lvl="2">
+              <a:buFont typeface="Wingdings" panose="05000000000000000000" pitchFamily="2" charset="2"/>
+              <a:buChar char="q"/>
+            </a:pPr>
+            <a:endParaRPr lang="fr-FR" dirty="0" smtClean="0"/>
+          </a:p>
+          <a:p>
+            <a:pPr lvl="1">
+              <a:buFont typeface="Wingdings" panose="05000000000000000000" pitchFamily="2" charset="2"/>
+              <a:buChar char="q"/>
+            </a:pPr>
+            <a:r>
+              <a:rPr lang="fr-FR" dirty="0"/>
+              <a:t> </a:t>
+            </a:r>
+            <a:r>
+              <a:rPr lang="fr-FR" dirty="0" smtClean="0"/>
+              <a:t>Modélisation + Simulation</a:t>
+            </a:r>
+          </a:p>
+          <a:p>
+            <a:pPr lvl="2">
+              <a:buFont typeface="Wingdings" panose="05000000000000000000" pitchFamily="2" charset="2"/>
+              <a:buChar char="q"/>
+            </a:pPr>
+            <a:r>
+              <a:rPr lang="fr-FR" dirty="0" smtClean="0"/>
+              <a:t>Commande du système par un échelon</a:t>
+            </a:r>
+          </a:p>
+          <a:p>
+            <a:pPr lvl="2">
+              <a:buFont typeface="Wingdings" panose="05000000000000000000" pitchFamily="2" charset="2"/>
+              <a:buChar char="q"/>
+            </a:pPr>
+            <a:endParaRPr lang="fr-FR" dirty="0"/>
+          </a:p>
+          <a:p>
+            <a:pPr lvl="2">
+              <a:buFont typeface="Wingdings" panose="05000000000000000000" pitchFamily="2" charset="2"/>
+              <a:buChar char="q"/>
+            </a:pPr>
+            <a:endParaRPr lang="fr-FR" dirty="0" smtClean="0"/>
+          </a:p>
+          <a:p>
+            <a:pPr lvl="1">
+              <a:buFont typeface="Wingdings" panose="05000000000000000000" pitchFamily="2" charset="2"/>
+              <a:buChar char="q"/>
+            </a:pPr>
+            <a:r>
+              <a:rPr lang="fr-FR" dirty="0"/>
+              <a:t> </a:t>
+            </a:r>
+            <a:r>
+              <a:rPr lang="fr-FR" dirty="0" smtClean="0"/>
+              <a:t>Comparaison Modèle – réel </a:t>
+            </a:r>
+          </a:p>
+          <a:p>
+            <a:pPr lvl="2">
+              <a:buFont typeface="Wingdings" panose="05000000000000000000" pitchFamily="2" charset="2"/>
+              <a:buChar char="q"/>
+            </a:pPr>
+            <a:endParaRPr lang="fr-FR" dirty="0"/>
+          </a:p>
+          <a:p>
+            <a:endParaRPr lang="fr-FR" dirty="0"/>
+          </a:p>
+        </p:txBody>
+      </p:sp>
+      <p:sp>
+        <p:nvSpPr>
+          <p:cNvPr id="4" name="Espace réservé du contenu 2"/>
+          <p:cNvSpPr txBox="1">
+            <a:spLocks/>
+          </p:cNvSpPr>
+          <p:nvPr/>
+        </p:nvSpPr>
+        <p:spPr>
+          <a:xfrm>
+            <a:off x="6096000" y="981887"/>
+            <a:ext cx="5978205" cy="5253339"/>
+          </a:xfrm>
+          <a:prstGeom prst="rect">
+            <a:avLst/>
+          </a:prstGeom>
+        </p:spPr>
+        <p:txBody>
+          <a:bodyPr vert="horz" lIns="0" tIns="45720" rIns="0" bIns="45720" rtlCol="0">
+            <a:normAutofit/>
+          </a:bodyPr>
+          <a:lstStyle>
+            <a:lvl1pPr marL="91440" indent="-91440" algn="l" defTabSz="914400" rtl="0" eaLnBrk="1" latinLnBrk="0" hangingPunct="1">
+              <a:lnSpc>
+                <a:spcPct val="90000"/>
+              </a:lnSpc>
+              <a:spcBef>
+                <a:spcPts val="1200"/>
+              </a:spcBef>
+              <a:spcAft>
+                <a:spcPts val="200"/>
+              </a:spcAft>
+              <a:buClr>
+                <a:schemeClr val="accent1"/>
+              </a:buClr>
+              <a:buSzPct val="100000"/>
+              <a:buFont typeface="Calibri" panose="020F0502020204030204" pitchFamily="34" charset="0"/>
+              <a:buChar char=" "/>
+              <a:defRPr sz="2000" kern="1200">
+                <a:solidFill>
+                  <a:schemeClr val="tx1">
+                    <a:lumMod val="75000"/>
+                    <a:lumOff val="25000"/>
+                  </a:schemeClr>
+                </a:solidFill>
+                <a:latin typeface="+mn-lt"/>
+                <a:ea typeface="+mn-ea"/>
+                <a:cs typeface="+mn-cs"/>
+              </a:defRPr>
+            </a:lvl1pPr>
+            <a:lvl2pPr marL="384048" indent="-182880" algn="l" defTabSz="914400" rtl="0" eaLnBrk="1" latinLnBrk="0" hangingPunct="1">
+              <a:lnSpc>
+                <a:spcPct val="90000"/>
+              </a:lnSpc>
+              <a:spcBef>
+                <a:spcPts val="200"/>
+              </a:spcBef>
+              <a:spcAft>
+                <a:spcPts val="400"/>
+              </a:spcAft>
+              <a:buClr>
+                <a:schemeClr val="tx2"/>
+              </a:buClr>
+              <a:buFont typeface="Calibri" pitchFamily="34" charset="0"/>
+              <a:buChar char="◦"/>
+              <a:defRPr sz="1800" kern="1200">
+                <a:solidFill>
+                  <a:schemeClr val="tx1">
+                    <a:lumMod val="75000"/>
+                    <a:lumOff val="25000"/>
+                  </a:schemeClr>
+                </a:solidFill>
+                <a:latin typeface="+mn-lt"/>
+                <a:ea typeface="+mn-ea"/>
+                <a:cs typeface="+mn-cs"/>
+              </a:defRPr>
+            </a:lvl2pPr>
+            <a:lvl3pPr marL="566928" indent="-182880" algn="l" defTabSz="914400" rtl="0" eaLnBrk="1" latinLnBrk="0" hangingPunct="1">
+              <a:lnSpc>
+                <a:spcPct val="90000"/>
+              </a:lnSpc>
+              <a:spcBef>
+                <a:spcPts val="200"/>
+              </a:spcBef>
+              <a:spcAft>
+                <a:spcPts val="400"/>
+              </a:spcAft>
+              <a:buClr>
+                <a:schemeClr val="tx2"/>
+              </a:buClr>
+              <a:buFont typeface="Calibri" pitchFamily="34" charset="0"/>
+              <a:buChar char="◦"/>
+              <a:defRPr sz="1400" kern="1200">
+                <a:solidFill>
+                  <a:schemeClr val="tx1">
+                    <a:lumMod val="75000"/>
+                    <a:lumOff val="25000"/>
+                  </a:schemeClr>
+                </a:solidFill>
+                <a:latin typeface="+mn-lt"/>
+                <a:ea typeface="+mn-ea"/>
+                <a:cs typeface="+mn-cs"/>
+              </a:defRPr>
+            </a:lvl3pPr>
+            <a:lvl4pPr marL="749808" indent="-182880" algn="l" defTabSz="914400" rtl="0" eaLnBrk="1" latinLnBrk="0" hangingPunct="1">
+              <a:lnSpc>
+                <a:spcPct val="90000"/>
+              </a:lnSpc>
+              <a:spcBef>
+                <a:spcPts val="200"/>
+              </a:spcBef>
+              <a:spcAft>
+                <a:spcPts val="400"/>
+              </a:spcAft>
+              <a:buClr>
+                <a:schemeClr val="tx2"/>
+              </a:buClr>
+              <a:buFont typeface="Calibri" pitchFamily="34" charset="0"/>
+              <a:buChar char="◦"/>
+              <a:defRPr sz="1400" kern="1200">
+                <a:solidFill>
+                  <a:schemeClr val="tx1">
+                    <a:lumMod val="75000"/>
+                    <a:lumOff val="25000"/>
+                  </a:schemeClr>
+                </a:solidFill>
+                <a:latin typeface="+mn-lt"/>
+                <a:ea typeface="+mn-ea"/>
+                <a:cs typeface="+mn-cs"/>
+              </a:defRPr>
+            </a:lvl4pPr>
+            <a:lvl5pPr marL="932688" indent="-182880" algn="l" defTabSz="914400" rtl="0" eaLnBrk="1" latinLnBrk="0" hangingPunct="1">
+              <a:lnSpc>
+                <a:spcPct val="90000"/>
+              </a:lnSpc>
+              <a:spcBef>
+                <a:spcPts val="200"/>
+              </a:spcBef>
+              <a:spcAft>
+                <a:spcPts val="400"/>
+              </a:spcAft>
+              <a:buClr>
+                <a:schemeClr val="tx2"/>
+              </a:buClr>
+              <a:buFont typeface="Calibri" pitchFamily="34" charset="0"/>
+              <a:buChar char="◦"/>
+              <a:defRPr sz="1400" kern="1200">
+                <a:solidFill>
+                  <a:schemeClr val="tx1">
+                    <a:lumMod val="75000"/>
+                    <a:lumOff val="25000"/>
+                  </a:schemeClr>
+                </a:solidFill>
+                <a:latin typeface="+mn-lt"/>
+                <a:ea typeface="+mn-ea"/>
+                <a:cs typeface="+mn-cs"/>
+              </a:defRPr>
+            </a:lvl5pPr>
+            <a:lvl6pPr marL="1100000" indent="-228600" algn="l" defTabSz="914400" rtl="0" eaLnBrk="1" latinLnBrk="0" hangingPunct="1">
+              <a:lnSpc>
+                <a:spcPct val="90000"/>
+              </a:lnSpc>
+              <a:spcBef>
+                <a:spcPts val="200"/>
+              </a:spcBef>
+              <a:spcAft>
+                <a:spcPts val="400"/>
+              </a:spcAft>
+              <a:buClr>
+                <a:schemeClr val="accent1"/>
+              </a:buClr>
+              <a:buFont typeface="Calibri" pitchFamily="34" charset="0"/>
+              <a:buChar char="◦"/>
+              <a:defRPr sz="1400" kern="1200">
+                <a:solidFill>
+                  <a:schemeClr val="tx1">
+                    <a:lumMod val="75000"/>
+                    <a:lumOff val="25000"/>
+                  </a:schemeClr>
+                </a:solidFill>
+                <a:latin typeface="+mn-lt"/>
+                <a:ea typeface="+mn-ea"/>
+                <a:cs typeface="+mn-cs"/>
+              </a:defRPr>
+            </a:lvl6pPr>
+            <a:lvl7pPr marL="1300000" indent="-228600" algn="l" defTabSz="914400" rtl="0" eaLnBrk="1" latinLnBrk="0" hangingPunct="1">
+              <a:lnSpc>
+                <a:spcPct val="90000"/>
+              </a:lnSpc>
+              <a:spcBef>
+                <a:spcPts val="200"/>
+              </a:spcBef>
+              <a:spcAft>
+                <a:spcPts val="400"/>
+              </a:spcAft>
+              <a:buClr>
+                <a:schemeClr val="accent1"/>
+              </a:buClr>
+              <a:buFont typeface="Calibri" pitchFamily="34" charset="0"/>
+              <a:buChar char="◦"/>
+              <a:defRPr sz="1400" kern="1200">
+                <a:solidFill>
+                  <a:schemeClr val="tx1">
+                    <a:lumMod val="75000"/>
+                    <a:lumOff val="25000"/>
+                  </a:schemeClr>
+                </a:solidFill>
+                <a:latin typeface="+mn-lt"/>
+                <a:ea typeface="+mn-ea"/>
+                <a:cs typeface="+mn-cs"/>
+              </a:defRPr>
+            </a:lvl7pPr>
+            <a:lvl8pPr marL="1500000" indent="-228600" algn="l" defTabSz="914400" rtl="0" eaLnBrk="1" latinLnBrk="0" hangingPunct="1">
+              <a:lnSpc>
+                <a:spcPct val="90000"/>
+              </a:lnSpc>
+              <a:spcBef>
+                <a:spcPts val="200"/>
+              </a:spcBef>
+              <a:spcAft>
+                <a:spcPts val="400"/>
+              </a:spcAft>
+              <a:buClr>
+                <a:schemeClr val="accent1"/>
+              </a:buClr>
+              <a:buFont typeface="Calibri" pitchFamily="34" charset="0"/>
+              <a:buChar char="◦"/>
+              <a:defRPr sz="1400" kern="1200">
+                <a:solidFill>
+                  <a:schemeClr val="tx1">
+                    <a:lumMod val="75000"/>
+                    <a:lumOff val="25000"/>
+                  </a:schemeClr>
+                </a:solidFill>
+                <a:latin typeface="+mn-lt"/>
+                <a:ea typeface="+mn-ea"/>
+                <a:cs typeface="+mn-cs"/>
+              </a:defRPr>
+            </a:lvl8pPr>
+            <a:lvl9pPr marL="1700000" indent="-228600" algn="l" defTabSz="914400" rtl="0" eaLnBrk="1" latinLnBrk="0" hangingPunct="1">
+              <a:lnSpc>
+                <a:spcPct val="90000"/>
+              </a:lnSpc>
+              <a:spcBef>
+                <a:spcPts val="200"/>
+              </a:spcBef>
+              <a:spcAft>
+                <a:spcPts val="400"/>
+              </a:spcAft>
+              <a:buClr>
+                <a:schemeClr val="accent1"/>
+              </a:buClr>
+              <a:buFont typeface="Calibri" pitchFamily="34" charset="0"/>
+              <a:buChar char="◦"/>
+              <a:defRPr sz="1400" kern="1200">
+                <a:solidFill>
+                  <a:schemeClr val="tx1">
+                    <a:lumMod val="75000"/>
+                    <a:lumOff val="25000"/>
+                  </a:schemeClr>
+                </a:solidFill>
+                <a:latin typeface="+mn-lt"/>
+                <a:ea typeface="+mn-ea"/>
+                <a:cs typeface="+mn-cs"/>
+              </a:defRPr>
+            </a:lvl9pPr>
+          </a:lstStyle>
+          <a:p>
+            <a:pPr>
+              <a:buFont typeface="Wingdings" panose="05000000000000000000" pitchFamily="2" charset="2"/>
+              <a:buChar char="q"/>
+            </a:pPr>
+            <a:r>
+              <a:rPr lang="fr-FR" dirty="0"/>
+              <a:t> </a:t>
+            </a:r>
+            <a:r>
+              <a:rPr lang="fr-FR" dirty="0" smtClean="0"/>
+              <a:t>Groupe de 5 élèves → Partage des tâches</a:t>
+            </a:r>
+          </a:p>
+          <a:p>
+            <a:pPr>
+              <a:buFont typeface="Wingdings" panose="05000000000000000000" pitchFamily="2" charset="2"/>
+              <a:buChar char="q"/>
+            </a:pPr>
+            <a:r>
+              <a:rPr lang="fr-FR" dirty="0" smtClean="0"/>
+              <a:t> Partages des tâches</a:t>
+            </a:r>
+          </a:p>
+          <a:p>
+            <a:pPr lvl="1">
+              <a:buFont typeface="Wingdings" panose="05000000000000000000" pitchFamily="2" charset="2"/>
+              <a:buChar char="q"/>
+            </a:pPr>
+            <a:r>
+              <a:rPr lang="fr-FR" dirty="0"/>
+              <a:t> </a:t>
+            </a:r>
+            <a:r>
+              <a:rPr lang="fr-FR" dirty="0" smtClean="0"/>
+              <a:t>Répartition des questions</a:t>
+            </a:r>
+          </a:p>
+          <a:p>
+            <a:pPr lvl="2">
+              <a:buFont typeface="Wingdings" panose="05000000000000000000" pitchFamily="2" charset="2"/>
+              <a:buChar char="q"/>
+            </a:pPr>
+            <a:r>
+              <a:rPr lang="fr-FR" dirty="0" smtClean="0"/>
+              <a:t>Pas idéal quand les parties ne sont pas indépendantes</a:t>
+            </a:r>
+          </a:p>
+          <a:p>
+            <a:pPr lvl="2">
+              <a:buFont typeface="Wingdings" panose="05000000000000000000" pitchFamily="2" charset="2"/>
+              <a:buChar char="q"/>
+            </a:pPr>
+            <a:endParaRPr lang="fr-FR" dirty="0"/>
+          </a:p>
+          <a:p>
+            <a:pPr lvl="1">
+              <a:buFont typeface="Wingdings" panose="05000000000000000000" pitchFamily="2" charset="2"/>
+              <a:buChar char="q"/>
+            </a:pPr>
+            <a:r>
+              <a:rPr lang="fr-FR" dirty="0" smtClean="0"/>
+              <a:t>Répartir par </a:t>
+            </a:r>
+            <a:r>
+              <a:rPr lang="fr-FR" dirty="0" smtClean="0">
+                <a:solidFill>
+                  <a:srgbClr val="C00000"/>
+                </a:solidFill>
+              </a:rPr>
+              <a:t>compétences </a:t>
+            </a:r>
+            <a:r>
+              <a:rPr lang="fr-FR" dirty="0" smtClean="0"/>
+              <a:t>→ oui mais quelles </a:t>
+            </a:r>
+            <a:r>
+              <a:rPr lang="fr-FR" dirty="0" smtClean="0">
+                <a:solidFill>
+                  <a:srgbClr val="C00000"/>
+                </a:solidFill>
+              </a:rPr>
+              <a:t>compétences ?</a:t>
+            </a:r>
+            <a:endParaRPr lang="fr-FR" dirty="0">
+              <a:solidFill>
+                <a:srgbClr val="C00000"/>
+              </a:solidFill>
+            </a:endParaRPr>
+          </a:p>
+        </p:txBody>
+      </p:sp>
+    </p:spTree>
+    <p:extLst>
+      <p:ext uri="{BB962C8B-B14F-4D97-AF65-F5344CB8AC3E}">
+        <p14:creationId xmlns:p14="http://schemas.microsoft.com/office/powerpoint/2010/main" val="3621593422"/>
+      </p:ext>
+    </p:extLst>
+  </p:cSld>
+  <p:clrMapOvr>
+    <a:masterClrMapping/>
+  </p:clrMapOvr>
+</p:sld>
+</file>
+
+<file path=ppt/slides/slide7.xml><?xml version="1.0" encoding="utf-8"?>
+<p:sld xmlns:a="http://schemas.openxmlformats.org/drawingml/2006/main" xmlns:r="http://schemas.openxmlformats.org/officeDocument/2006/relationships" xmlns:p="http://schemas.openxmlformats.org/presentationml/2006/main">
+  <p:cSld>
+    <p:spTree>
+      <p:nvGrpSpPr>
+        <p:cNvPr id="1" name=""/>
+        <p:cNvGrpSpPr/>
+        <p:nvPr/>
+      </p:nvGrpSpPr>
+      <p:grpSpPr>
+        <a:xfrm>
+          <a:off x="0" y="0"/>
+          <a:ext cx="0" cy="0"/>
+          <a:chOff x="0" y="0"/>
+          <a:chExt cx="0" cy="0"/>
+        </a:xfrm>
+      </p:grpSpPr>
+      <p:sp>
+        <p:nvSpPr>
+          <p:cNvPr id="2" name="Titre 1"/>
+          <p:cNvSpPr>
+            <a:spLocks noGrp="1"/>
+          </p:cNvSpPr>
+          <p:nvPr>
+            <p:ph type="title"/>
+          </p:nvPr>
+        </p:nvSpPr>
+        <p:spPr/>
+        <p:txBody>
+          <a:bodyPr>
+            <a:normAutofit/>
+          </a:bodyPr>
+          <a:lstStyle/>
+          <a:p>
+            <a:r>
+              <a:rPr lang="fr-FR" dirty="0" smtClean="0"/>
+              <a:t>Rédaction du TP – Option 2 – TP 3h00</a:t>
+            </a:r>
+            <a:endParaRPr lang="fr-FR" dirty="0"/>
+          </a:p>
+        </p:txBody>
+      </p:sp>
+      <p:sp>
+        <p:nvSpPr>
+          <p:cNvPr id="3" name="Espace réservé du contenu 2"/>
+          <p:cNvSpPr>
+            <a:spLocks noGrp="1"/>
+          </p:cNvSpPr>
+          <p:nvPr>
+            <p:ph idx="1"/>
+          </p:nvPr>
+        </p:nvSpPr>
+        <p:spPr>
+          <a:xfrm>
+            <a:off x="117795" y="981887"/>
+            <a:ext cx="5978205" cy="5253339"/>
+          </a:xfrm>
+        </p:spPr>
+        <p:txBody>
+          <a:bodyPr>
+            <a:normAutofit lnSpcReduction="10000"/>
+          </a:bodyPr>
+          <a:lstStyle/>
+          <a:p>
+            <a:pPr>
+              <a:buFont typeface="Wingdings" panose="05000000000000000000" pitchFamily="2" charset="2"/>
+              <a:buChar char="q"/>
+            </a:pPr>
+            <a:r>
+              <a:rPr lang="fr-FR" dirty="0" smtClean="0"/>
+              <a:t> Simulation </a:t>
+            </a:r>
+            <a:r>
+              <a:rPr lang="fr-FR" dirty="0"/>
+              <a:t>numérique du comportement </a:t>
+            </a:r>
+            <a:r>
+              <a:rPr lang="fr-FR" dirty="0" smtClean="0"/>
+              <a:t>temporel </a:t>
+            </a:r>
+            <a:r>
+              <a:rPr lang="fr-FR" dirty="0"/>
+              <a:t>d’un système </a:t>
+            </a:r>
+            <a:r>
+              <a:rPr lang="fr-FR" dirty="0" smtClean="0"/>
+              <a:t>asservi : </a:t>
+            </a:r>
+            <a:r>
+              <a:rPr lang="fr-FR" dirty="0"/>
+              <a:t>Cheville du robot NAO (</a:t>
+            </a:r>
+            <a:r>
+              <a:rPr lang="fr-FR" dirty="0" err="1"/>
+              <a:t>Scilab</a:t>
+            </a:r>
+            <a:r>
+              <a:rPr lang="fr-FR" dirty="0" smtClean="0"/>
+              <a:t>)</a:t>
+            </a:r>
+          </a:p>
+          <a:p>
+            <a:pPr>
+              <a:buFont typeface="Wingdings" panose="05000000000000000000" pitchFamily="2" charset="2"/>
+              <a:buChar char="q"/>
+            </a:pPr>
+            <a:r>
+              <a:rPr lang="fr-FR" dirty="0" smtClean="0"/>
+              <a:t>Détermination des performances du système</a:t>
+            </a:r>
+          </a:p>
+          <a:p>
+            <a:pPr lvl="1">
+              <a:buFont typeface="Wingdings" panose="05000000000000000000" pitchFamily="2" charset="2"/>
+              <a:buChar char="q"/>
+            </a:pPr>
+            <a:r>
+              <a:rPr lang="fr-FR" dirty="0" smtClean="0"/>
+              <a:t>Cahier des charges</a:t>
+            </a:r>
+          </a:p>
+          <a:p>
+            <a:pPr lvl="1">
+              <a:buFont typeface="Wingdings" panose="05000000000000000000" pitchFamily="2" charset="2"/>
+              <a:buChar char="q"/>
+            </a:pPr>
+            <a:endParaRPr lang="fr-FR" dirty="0" smtClean="0"/>
+          </a:p>
+          <a:p>
+            <a:pPr lvl="1">
+              <a:buFont typeface="Wingdings" panose="05000000000000000000" pitchFamily="2" charset="2"/>
+              <a:buChar char="q"/>
+            </a:pPr>
+            <a:r>
+              <a:rPr lang="fr-FR" dirty="0" smtClean="0"/>
+              <a:t>Découverte du système </a:t>
+            </a:r>
+          </a:p>
+          <a:p>
+            <a:pPr lvl="2">
+              <a:buFont typeface="Wingdings" panose="05000000000000000000" pitchFamily="2" charset="2"/>
+              <a:buChar char="q"/>
+            </a:pPr>
+            <a:r>
+              <a:rPr lang="fr-FR" dirty="0" smtClean="0"/>
+              <a:t>Prise en main</a:t>
+            </a:r>
+          </a:p>
+          <a:p>
+            <a:pPr lvl="2">
+              <a:buFont typeface="Wingdings" panose="05000000000000000000" pitchFamily="2" charset="2"/>
+              <a:buChar char="q"/>
+            </a:pPr>
+            <a:r>
+              <a:rPr lang="fr-FR" dirty="0" smtClean="0"/>
+              <a:t>Chaîne d’énergie, chaine d’information</a:t>
+            </a:r>
+          </a:p>
+          <a:p>
+            <a:pPr lvl="1">
+              <a:buFont typeface="Wingdings" panose="05000000000000000000" pitchFamily="2" charset="2"/>
+              <a:buChar char="q"/>
+            </a:pPr>
+            <a:endParaRPr lang="fr-FR" dirty="0" smtClean="0"/>
+          </a:p>
+          <a:p>
+            <a:pPr lvl="1">
+              <a:buFont typeface="Wingdings" panose="05000000000000000000" pitchFamily="2" charset="2"/>
+              <a:buChar char="q"/>
+            </a:pPr>
+            <a:r>
+              <a:rPr lang="fr-FR" dirty="0"/>
+              <a:t> </a:t>
+            </a:r>
+            <a:r>
+              <a:rPr lang="fr-FR" dirty="0" smtClean="0"/>
+              <a:t>Expérimentation </a:t>
+            </a:r>
+          </a:p>
+          <a:p>
+            <a:pPr lvl="2">
+              <a:buFont typeface="Wingdings" panose="05000000000000000000" pitchFamily="2" charset="2"/>
+              <a:buChar char="q"/>
+            </a:pPr>
+            <a:r>
+              <a:rPr lang="fr-FR" dirty="0" smtClean="0"/>
+              <a:t>Commande du  système à partir d’un échelon</a:t>
+            </a:r>
+          </a:p>
+          <a:p>
+            <a:pPr lvl="2">
+              <a:buFont typeface="Wingdings" panose="05000000000000000000" pitchFamily="2" charset="2"/>
+              <a:buChar char="q"/>
+            </a:pPr>
+            <a:endParaRPr lang="fr-FR" dirty="0" smtClean="0"/>
+          </a:p>
+          <a:p>
+            <a:pPr lvl="1">
+              <a:buFont typeface="Wingdings" panose="05000000000000000000" pitchFamily="2" charset="2"/>
+              <a:buChar char="q"/>
+            </a:pPr>
+            <a:r>
+              <a:rPr lang="fr-FR" dirty="0"/>
+              <a:t> </a:t>
+            </a:r>
+            <a:r>
+              <a:rPr lang="fr-FR" dirty="0" smtClean="0"/>
+              <a:t>Modélisation + Simulation</a:t>
+            </a:r>
+          </a:p>
+          <a:p>
+            <a:pPr lvl="2">
+              <a:buFont typeface="Wingdings" panose="05000000000000000000" pitchFamily="2" charset="2"/>
+              <a:buChar char="q"/>
+            </a:pPr>
+            <a:r>
+              <a:rPr lang="fr-FR" dirty="0" smtClean="0"/>
+              <a:t>Commande du système par un échelon</a:t>
+            </a:r>
+          </a:p>
+          <a:p>
+            <a:pPr lvl="2">
+              <a:buFont typeface="Wingdings" panose="05000000000000000000" pitchFamily="2" charset="2"/>
+              <a:buChar char="q"/>
+            </a:pPr>
+            <a:endParaRPr lang="fr-FR" dirty="0"/>
+          </a:p>
+          <a:p>
+            <a:pPr lvl="2">
+              <a:buFont typeface="Wingdings" panose="05000000000000000000" pitchFamily="2" charset="2"/>
+              <a:buChar char="q"/>
+            </a:pPr>
+            <a:endParaRPr lang="fr-FR" dirty="0" smtClean="0"/>
+          </a:p>
+          <a:p>
+            <a:pPr lvl="1">
+              <a:buFont typeface="Wingdings" panose="05000000000000000000" pitchFamily="2" charset="2"/>
+              <a:buChar char="q"/>
+            </a:pPr>
+            <a:r>
+              <a:rPr lang="fr-FR" dirty="0"/>
+              <a:t> </a:t>
+            </a:r>
+            <a:r>
+              <a:rPr lang="fr-FR" dirty="0" smtClean="0"/>
+              <a:t>Comparaison Modèle – réel </a:t>
+            </a:r>
+          </a:p>
+          <a:p>
+            <a:pPr lvl="2">
+              <a:buFont typeface="Wingdings" panose="05000000000000000000" pitchFamily="2" charset="2"/>
+              <a:buChar char="q"/>
+            </a:pPr>
+            <a:endParaRPr lang="fr-FR" dirty="0"/>
+          </a:p>
+          <a:p>
+            <a:endParaRPr lang="fr-FR" dirty="0"/>
+          </a:p>
+        </p:txBody>
+      </p:sp>
+      <p:sp>
+        <p:nvSpPr>
+          <p:cNvPr id="5" name="Rectangle à coins arrondis 4"/>
+          <p:cNvSpPr/>
+          <p:nvPr/>
+        </p:nvSpPr>
+        <p:spPr>
+          <a:xfrm>
+            <a:off x="4037076" y="2554082"/>
+            <a:ext cx="2606040" cy="347472"/>
+          </a:xfrm>
+          <a:prstGeom prst="roundRect">
+            <a:avLst/>
+          </a:prstGeom>
+        </p:spPr>
+        <p:style>
+          <a:lnRef idx="2">
+            <a:schemeClr val="accent1">
+              <a:shade val="50000"/>
+            </a:schemeClr>
+          </a:lnRef>
+          <a:fillRef idx="1">
+            <a:schemeClr val="accent1"/>
+          </a:fillRef>
+          <a:effectRef idx="0">
+            <a:schemeClr val="accent1"/>
+          </a:effectRef>
+          <a:fontRef idx="minor">
+            <a:schemeClr val="lt1"/>
+          </a:fontRef>
+        </p:style>
+        <p:txBody>
+          <a:bodyPr rtlCol="0" anchor="ctr"/>
+          <a:lstStyle/>
+          <a:p>
+            <a:pPr algn="ctr"/>
+            <a:r>
+              <a:rPr lang="fr-FR" sz="1400" dirty="0" smtClean="0"/>
+              <a:t>Analyser un système</a:t>
+            </a:r>
+            <a:endParaRPr lang="fr-FR" sz="1400" dirty="0"/>
+          </a:p>
+        </p:txBody>
+      </p:sp>
+      <p:sp>
+        <p:nvSpPr>
+          <p:cNvPr id="6" name="Rectangle à coins arrondis 5"/>
+          <p:cNvSpPr/>
+          <p:nvPr/>
+        </p:nvSpPr>
+        <p:spPr>
+          <a:xfrm>
+            <a:off x="4037076" y="3081528"/>
+            <a:ext cx="2606040" cy="347472"/>
+          </a:xfrm>
+          <a:prstGeom prst="roundRect">
+            <a:avLst/>
+          </a:prstGeom>
+        </p:spPr>
+        <p:style>
+          <a:lnRef idx="2">
+            <a:schemeClr val="accent2">
+              <a:shade val="50000"/>
+            </a:schemeClr>
+          </a:lnRef>
+          <a:fillRef idx="1">
+            <a:schemeClr val="accent2"/>
+          </a:fillRef>
+          <a:effectRef idx="0">
+            <a:schemeClr val="accent2"/>
+          </a:effectRef>
+          <a:fontRef idx="minor">
+            <a:schemeClr val="lt1"/>
+          </a:fontRef>
+        </p:style>
+        <p:txBody>
+          <a:bodyPr rtlCol="0" anchor="ctr"/>
+          <a:lstStyle/>
+          <a:p>
+            <a:pPr algn="ctr"/>
+            <a:r>
+              <a:rPr lang="fr-FR" sz="1400" dirty="0" smtClean="0"/>
+              <a:t>Mettre en œuvre un système</a:t>
+            </a:r>
+            <a:endParaRPr lang="fr-FR" sz="1400" dirty="0"/>
+          </a:p>
+        </p:txBody>
+      </p:sp>
+      <p:sp>
+        <p:nvSpPr>
+          <p:cNvPr id="7" name="Rectangle à coins arrondis 6"/>
+          <p:cNvSpPr/>
+          <p:nvPr/>
+        </p:nvSpPr>
+        <p:spPr>
+          <a:xfrm>
+            <a:off x="4037076" y="3703320"/>
+            <a:ext cx="2606040" cy="530352"/>
+          </a:xfrm>
+          <a:prstGeom prst="roundRect">
+            <a:avLst/>
+          </a:prstGeom>
+        </p:spPr>
+        <p:style>
+          <a:lnRef idx="2">
+            <a:schemeClr val="accent3">
+              <a:shade val="50000"/>
+            </a:schemeClr>
+          </a:lnRef>
+          <a:fillRef idx="1">
+            <a:schemeClr val="accent3"/>
+          </a:fillRef>
+          <a:effectRef idx="0">
+            <a:schemeClr val="accent3"/>
+          </a:effectRef>
+          <a:fontRef idx="minor">
+            <a:schemeClr val="lt1"/>
+          </a:fontRef>
+        </p:style>
+        <p:txBody>
+          <a:bodyPr rtlCol="0" anchor="ctr"/>
+          <a:lstStyle/>
+          <a:p>
+            <a:pPr algn="ctr"/>
+            <a:r>
+              <a:rPr lang="fr-FR" sz="1400" dirty="0" smtClean="0"/>
+              <a:t>Expérimenter</a:t>
+            </a:r>
+            <a:endParaRPr lang="fr-FR" sz="1400" dirty="0"/>
+          </a:p>
+        </p:txBody>
+      </p:sp>
+      <p:sp>
+        <p:nvSpPr>
+          <p:cNvPr id="8" name="Rectangle à coins arrondis 7"/>
+          <p:cNvSpPr/>
+          <p:nvPr/>
+        </p:nvSpPr>
+        <p:spPr>
+          <a:xfrm>
+            <a:off x="4037076" y="4593621"/>
+            <a:ext cx="2606040" cy="211807"/>
+          </a:xfrm>
+          <a:prstGeom prst="roundRect">
+            <a:avLst/>
+          </a:prstGeom>
+        </p:spPr>
+        <p:style>
+          <a:lnRef idx="2">
+            <a:schemeClr val="accent4">
+              <a:shade val="50000"/>
+            </a:schemeClr>
+          </a:lnRef>
+          <a:fillRef idx="1">
+            <a:schemeClr val="accent4"/>
+          </a:fillRef>
+          <a:effectRef idx="0">
+            <a:schemeClr val="accent4"/>
+          </a:effectRef>
+          <a:fontRef idx="minor">
+            <a:schemeClr val="lt1"/>
+          </a:fontRef>
+        </p:style>
+        <p:txBody>
+          <a:bodyPr rtlCol="0" anchor="ctr"/>
+          <a:lstStyle/>
+          <a:p>
+            <a:pPr algn="ctr"/>
+            <a:r>
+              <a:rPr lang="fr-FR" sz="1200" dirty="0" smtClean="0"/>
+              <a:t>Modéliser un système globalement</a:t>
+            </a:r>
+          </a:p>
+        </p:txBody>
+      </p:sp>
+      <p:sp>
+        <p:nvSpPr>
+          <p:cNvPr id="9" name="Rectangle à coins arrondis 8"/>
+          <p:cNvSpPr/>
+          <p:nvPr/>
+        </p:nvSpPr>
+        <p:spPr>
+          <a:xfrm>
+            <a:off x="4037076" y="4903022"/>
+            <a:ext cx="2606040" cy="211807"/>
+          </a:xfrm>
+          <a:prstGeom prst="roundRect">
+            <a:avLst/>
+          </a:prstGeom>
+        </p:spPr>
+        <p:style>
+          <a:lnRef idx="2">
+            <a:schemeClr val="accent5">
+              <a:shade val="50000"/>
+            </a:schemeClr>
+          </a:lnRef>
+          <a:fillRef idx="1">
+            <a:schemeClr val="accent5"/>
+          </a:fillRef>
+          <a:effectRef idx="0">
+            <a:schemeClr val="accent5"/>
+          </a:effectRef>
+          <a:fontRef idx="minor">
+            <a:schemeClr val="lt1"/>
+          </a:fontRef>
+        </p:style>
+        <p:txBody>
+          <a:bodyPr rtlCol="0" anchor="ctr"/>
+          <a:lstStyle/>
+          <a:p>
+            <a:pPr algn="ctr"/>
+            <a:r>
+              <a:rPr lang="fr-FR" sz="1200" dirty="0" smtClean="0"/>
+              <a:t>Modéliser un système par composants</a:t>
+            </a:r>
+          </a:p>
+        </p:txBody>
+      </p:sp>
+      <p:sp>
+        <p:nvSpPr>
+          <p:cNvPr id="10" name="Rectangle à coins arrondis 9"/>
+          <p:cNvSpPr/>
+          <p:nvPr/>
+        </p:nvSpPr>
+        <p:spPr>
+          <a:xfrm rot="16200000">
+            <a:off x="5131860" y="3385356"/>
+            <a:ext cx="4229519" cy="265176"/>
+          </a:xfrm>
+          <a:prstGeom prst="roundRect">
+            <a:avLst/>
+          </a:prstGeom>
+        </p:spPr>
+        <p:style>
+          <a:lnRef idx="2">
+            <a:schemeClr val="accent6">
+              <a:shade val="50000"/>
+            </a:schemeClr>
+          </a:lnRef>
+          <a:fillRef idx="1">
+            <a:schemeClr val="accent6"/>
+          </a:fillRef>
+          <a:effectRef idx="0">
+            <a:schemeClr val="accent6"/>
+          </a:effectRef>
+          <a:fontRef idx="minor">
+            <a:schemeClr val="lt1"/>
+          </a:fontRef>
+        </p:style>
+        <p:txBody>
+          <a:bodyPr rtlCol="0" anchor="ctr"/>
+          <a:lstStyle/>
+          <a:p>
+            <a:pPr algn="ctr"/>
+            <a:r>
+              <a:rPr lang="fr-FR" dirty="0" smtClean="0"/>
+              <a:t>Synthétiser</a:t>
+            </a:r>
+            <a:endParaRPr lang="fr-FR" dirty="0"/>
+          </a:p>
+        </p:txBody>
+      </p:sp>
+      <p:sp>
+        <p:nvSpPr>
+          <p:cNvPr id="13" name="Rectangle à coins arrondis 12"/>
+          <p:cNvSpPr/>
+          <p:nvPr/>
+        </p:nvSpPr>
+        <p:spPr>
+          <a:xfrm>
+            <a:off x="4037076" y="5436108"/>
+            <a:ext cx="2606040" cy="265176"/>
+          </a:xfrm>
+          <a:prstGeom prst="roundRect">
+            <a:avLst/>
+          </a:prstGeom>
+        </p:spPr>
+        <p:style>
+          <a:lnRef idx="2">
+            <a:schemeClr val="accent6">
+              <a:shade val="50000"/>
+            </a:schemeClr>
+          </a:lnRef>
+          <a:fillRef idx="1">
+            <a:schemeClr val="accent6"/>
+          </a:fillRef>
+          <a:effectRef idx="0">
+            <a:schemeClr val="accent6"/>
+          </a:effectRef>
+          <a:fontRef idx="minor">
+            <a:schemeClr val="lt1"/>
+          </a:fontRef>
+        </p:style>
+        <p:txBody>
+          <a:bodyPr rtlCol="0" anchor="ctr"/>
+          <a:lstStyle/>
+          <a:p>
+            <a:pPr algn="ctr"/>
+            <a:r>
+              <a:rPr lang="fr-FR" dirty="0" smtClean="0"/>
+              <a:t>Synthétiser</a:t>
+            </a:r>
+            <a:endParaRPr lang="fr-FR" dirty="0"/>
+          </a:p>
+        </p:txBody>
+      </p:sp>
+      <p:sp>
+        <p:nvSpPr>
+          <p:cNvPr id="14" name="Rectangle 13"/>
+          <p:cNvSpPr/>
+          <p:nvPr/>
+        </p:nvSpPr>
+        <p:spPr>
+          <a:xfrm>
+            <a:off x="3849624" y="2368296"/>
+            <a:ext cx="2907792" cy="2011680"/>
+          </a:xfrm>
+          <a:prstGeom prst="rect">
+            <a:avLst/>
+          </a:prstGeom>
+          <a:noFill/>
+          <a:ln>
+            <a:solidFill>
+              <a:srgbClr val="FF0000"/>
+            </a:solidFill>
+          </a:ln>
+        </p:spPr>
+        <p:style>
+          <a:lnRef idx="2">
+            <a:schemeClr val="accent1">
+              <a:shade val="50000"/>
+            </a:schemeClr>
+          </a:lnRef>
+          <a:fillRef idx="1">
+            <a:schemeClr val="accent1"/>
+          </a:fillRef>
+          <a:effectRef idx="0">
+            <a:schemeClr val="accent1"/>
+          </a:effectRef>
+          <a:fontRef idx="minor">
+            <a:schemeClr val="lt1"/>
+          </a:fontRef>
+        </p:style>
+        <p:txBody>
+          <a:bodyPr rtlCol="0" anchor="ctr"/>
+          <a:lstStyle/>
+          <a:p>
+            <a:pPr algn="ctr"/>
+            <a:endParaRPr lang="fr-FR"/>
+          </a:p>
+        </p:txBody>
+      </p:sp>
+      <p:sp>
+        <p:nvSpPr>
+          <p:cNvPr id="15" name="Rectangle 14"/>
+          <p:cNvSpPr/>
+          <p:nvPr/>
+        </p:nvSpPr>
+        <p:spPr>
+          <a:xfrm>
+            <a:off x="3849624" y="4485069"/>
+            <a:ext cx="2907792" cy="699579"/>
+          </a:xfrm>
+          <a:prstGeom prst="rect">
+            <a:avLst/>
+          </a:prstGeom>
+          <a:noFill/>
+          <a:ln>
+            <a:solidFill>
+              <a:srgbClr val="FF0000"/>
+            </a:solidFill>
+          </a:ln>
+        </p:spPr>
+        <p:style>
+          <a:lnRef idx="2">
+            <a:schemeClr val="accent1">
+              <a:shade val="50000"/>
+            </a:schemeClr>
+          </a:lnRef>
+          <a:fillRef idx="1">
+            <a:schemeClr val="accent1"/>
+          </a:fillRef>
+          <a:effectRef idx="0">
+            <a:schemeClr val="accent1"/>
+          </a:effectRef>
+          <a:fontRef idx="minor">
+            <a:schemeClr val="lt1"/>
+          </a:fontRef>
+        </p:style>
+        <p:txBody>
+          <a:bodyPr rtlCol="0" anchor="ctr"/>
+          <a:lstStyle/>
+          <a:p>
+            <a:pPr algn="ctr"/>
+            <a:endParaRPr lang="fr-FR"/>
+          </a:p>
+        </p:txBody>
+      </p:sp>
+      <p:sp>
+        <p:nvSpPr>
+          <p:cNvPr id="16" name="Rectangle 15"/>
+          <p:cNvSpPr/>
+          <p:nvPr/>
+        </p:nvSpPr>
+        <p:spPr>
+          <a:xfrm>
+            <a:off x="6876288" y="1275757"/>
+            <a:ext cx="832104" cy="4576403"/>
+          </a:xfrm>
+          <a:prstGeom prst="rect">
+            <a:avLst/>
+          </a:prstGeom>
+          <a:noFill/>
+          <a:ln>
+            <a:solidFill>
+              <a:srgbClr val="FF0000"/>
+            </a:solidFill>
+          </a:ln>
+        </p:spPr>
+        <p:style>
+          <a:lnRef idx="2">
+            <a:schemeClr val="accent1">
+              <a:shade val="50000"/>
+            </a:schemeClr>
+          </a:lnRef>
+          <a:fillRef idx="1">
+            <a:schemeClr val="accent1"/>
+          </a:fillRef>
+          <a:effectRef idx="0">
+            <a:schemeClr val="accent1"/>
+          </a:effectRef>
+          <a:fontRef idx="minor">
+            <a:schemeClr val="lt1"/>
+          </a:fontRef>
+        </p:style>
+        <p:txBody>
+          <a:bodyPr rtlCol="0" anchor="ctr"/>
+          <a:lstStyle/>
+          <a:p>
+            <a:pPr algn="ctr"/>
+            <a:endParaRPr lang="fr-FR"/>
+          </a:p>
+        </p:txBody>
+      </p:sp>
+      <p:sp>
+        <p:nvSpPr>
+          <p:cNvPr id="18" name="ZoneTexte 17"/>
+          <p:cNvSpPr txBox="1"/>
+          <p:nvPr/>
+        </p:nvSpPr>
+        <p:spPr>
+          <a:xfrm rot="16200000">
+            <a:off x="2990195" y="2829175"/>
+            <a:ext cx="1236226" cy="369332"/>
+          </a:xfrm>
+          <a:prstGeom prst="rect">
+            <a:avLst/>
+          </a:prstGeom>
+          <a:noFill/>
+        </p:spPr>
+        <p:txBody>
+          <a:bodyPr wrap="square" rtlCol="0">
+            <a:spAutoFit/>
+          </a:bodyPr>
+          <a:lstStyle/>
+          <a:p>
+            <a:pPr algn="ctr"/>
+            <a:r>
+              <a:rPr lang="fr-FR" dirty="0" smtClean="0"/>
+              <a:t>2 élèves</a:t>
+            </a:r>
+            <a:endParaRPr lang="fr-FR" dirty="0"/>
+          </a:p>
+        </p:txBody>
+      </p:sp>
+      <p:sp>
+        <p:nvSpPr>
+          <p:cNvPr id="19" name="ZoneTexte 18"/>
+          <p:cNvSpPr txBox="1"/>
+          <p:nvPr/>
+        </p:nvSpPr>
+        <p:spPr>
+          <a:xfrm rot="16200000">
+            <a:off x="2999339" y="4748924"/>
+            <a:ext cx="1236226" cy="369332"/>
+          </a:xfrm>
+          <a:prstGeom prst="rect">
+            <a:avLst/>
+          </a:prstGeom>
+          <a:noFill/>
+        </p:spPr>
+        <p:txBody>
+          <a:bodyPr wrap="square" rtlCol="0">
+            <a:spAutoFit/>
+          </a:bodyPr>
+          <a:lstStyle/>
+          <a:p>
+            <a:pPr algn="ctr"/>
+            <a:r>
+              <a:rPr lang="fr-FR" dirty="0" smtClean="0"/>
+              <a:t>2 élèves</a:t>
+            </a:r>
+            <a:endParaRPr lang="fr-FR" dirty="0"/>
+          </a:p>
+        </p:txBody>
+      </p:sp>
+      <p:sp>
+        <p:nvSpPr>
+          <p:cNvPr id="20" name="ZoneTexte 19"/>
+          <p:cNvSpPr txBox="1"/>
+          <p:nvPr/>
+        </p:nvSpPr>
+        <p:spPr>
+          <a:xfrm rot="16200000">
+            <a:off x="7254871" y="3353289"/>
+            <a:ext cx="1236226" cy="369332"/>
+          </a:xfrm>
+          <a:prstGeom prst="rect">
+            <a:avLst/>
+          </a:prstGeom>
+          <a:noFill/>
+        </p:spPr>
+        <p:txBody>
+          <a:bodyPr wrap="square" rtlCol="0">
+            <a:spAutoFit/>
+          </a:bodyPr>
+          <a:lstStyle/>
+          <a:p>
+            <a:pPr algn="ctr"/>
+            <a:r>
+              <a:rPr lang="fr-FR" dirty="0" smtClean="0"/>
+              <a:t>1 élève</a:t>
+            </a:r>
+            <a:endParaRPr lang="fr-FR" dirty="0"/>
+          </a:p>
+        </p:txBody>
+      </p:sp>
+      <p:sp>
+        <p:nvSpPr>
+          <p:cNvPr id="21" name="Espace réservé du contenu 2"/>
+          <p:cNvSpPr txBox="1">
+            <a:spLocks/>
+          </p:cNvSpPr>
+          <p:nvPr/>
+        </p:nvSpPr>
+        <p:spPr>
+          <a:xfrm>
+            <a:off x="8017502" y="1155623"/>
+            <a:ext cx="3851037" cy="5253339"/>
+          </a:xfrm>
+          <a:prstGeom prst="rect">
+            <a:avLst/>
+          </a:prstGeom>
+        </p:spPr>
+        <p:txBody>
+          <a:bodyPr vert="horz" lIns="0" tIns="45720" rIns="0" bIns="45720" rtlCol="0">
+            <a:normAutofit/>
+          </a:bodyPr>
+          <a:lstStyle>
+            <a:lvl1pPr marL="91440" indent="-91440" algn="l" defTabSz="914400" rtl="0" eaLnBrk="1" latinLnBrk="0" hangingPunct="1">
+              <a:lnSpc>
+                <a:spcPct val="90000"/>
+              </a:lnSpc>
+              <a:spcBef>
+                <a:spcPts val="1200"/>
+              </a:spcBef>
+              <a:spcAft>
+                <a:spcPts val="200"/>
+              </a:spcAft>
+              <a:buClr>
+                <a:schemeClr val="accent1"/>
+              </a:buClr>
+              <a:buSzPct val="100000"/>
+              <a:buFont typeface="Calibri" panose="020F0502020204030204" pitchFamily="34" charset="0"/>
+              <a:buChar char=" "/>
+              <a:defRPr sz="2000" kern="1200">
+                <a:solidFill>
+                  <a:schemeClr val="tx1">
+                    <a:lumMod val="75000"/>
+                    <a:lumOff val="25000"/>
+                  </a:schemeClr>
+                </a:solidFill>
+                <a:latin typeface="+mn-lt"/>
+                <a:ea typeface="+mn-ea"/>
+                <a:cs typeface="+mn-cs"/>
+              </a:defRPr>
+            </a:lvl1pPr>
+            <a:lvl2pPr marL="384048" indent="-182880" algn="l" defTabSz="914400" rtl="0" eaLnBrk="1" latinLnBrk="0" hangingPunct="1">
+              <a:lnSpc>
+                <a:spcPct val="90000"/>
+              </a:lnSpc>
+              <a:spcBef>
+                <a:spcPts val="200"/>
+              </a:spcBef>
+              <a:spcAft>
+                <a:spcPts val="400"/>
+              </a:spcAft>
+              <a:buClr>
+                <a:schemeClr val="tx2"/>
+              </a:buClr>
+              <a:buFont typeface="Calibri" pitchFamily="34" charset="0"/>
+              <a:buChar char="◦"/>
+              <a:defRPr sz="1800" kern="1200">
+                <a:solidFill>
+                  <a:schemeClr val="tx1">
+                    <a:lumMod val="75000"/>
+                    <a:lumOff val="25000"/>
+                  </a:schemeClr>
+                </a:solidFill>
+                <a:latin typeface="+mn-lt"/>
+                <a:ea typeface="+mn-ea"/>
+                <a:cs typeface="+mn-cs"/>
+              </a:defRPr>
+            </a:lvl2pPr>
+            <a:lvl3pPr marL="566928" indent="-182880" algn="l" defTabSz="914400" rtl="0" eaLnBrk="1" latinLnBrk="0" hangingPunct="1">
+              <a:lnSpc>
+                <a:spcPct val="90000"/>
+              </a:lnSpc>
+              <a:spcBef>
+                <a:spcPts val="200"/>
+              </a:spcBef>
+              <a:spcAft>
+                <a:spcPts val="400"/>
+              </a:spcAft>
+              <a:buClr>
+                <a:schemeClr val="tx2"/>
+              </a:buClr>
+              <a:buFont typeface="Calibri" pitchFamily="34" charset="0"/>
+              <a:buChar char="◦"/>
+              <a:defRPr sz="1400" kern="1200">
+                <a:solidFill>
+                  <a:schemeClr val="tx1">
+                    <a:lumMod val="75000"/>
+                    <a:lumOff val="25000"/>
+                  </a:schemeClr>
+                </a:solidFill>
+                <a:latin typeface="+mn-lt"/>
+                <a:ea typeface="+mn-ea"/>
+                <a:cs typeface="+mn-cs"/>
+              </a:defRPr>
+            </a:lvl3pPr>
+            <a:lvl4pPr marL="749808" indent="-182880" algn="l" defTabSz="914400" rtl="0" eaLnBrk="1" latinLnBrk="0" hangingPunct="1">
+              <a:lnSpc>
+                <a:spcPct val="90000"/>
+              </a:lnSpc>
+              <a:spcBef>
+                <a:spcPts val="200"/>
+              </a:spcBef>
+              <a:spcAft>
+                <a:spcPts val="400"/>
+              </a:spcAft>
+              <a:buClr>
+                <a:schemeClr val="tx2"/>
+              </a:buClr>
+              <a:buFont typeface="Calibri" pitchFamily="34" charset="0"/>
+              <a:buChar char="◦"/>
+              <a:defRPr sz="1400" kern="1200">
+                <a:solidFill>
+                  <a:schemeClr val="tx1">
+                    <a:lumMod val="75000"/>
+                    <a:lumOff val="25000"/>
+                  </a:schemeClr>
+                </a:solidFill>
+                <a:latin typeface="+mn-lt"/>
+                <a:ea typeface="+mn-ea"/>
+                <a:cs typeface="+mn-cs"/>
+              </a:defRPr>
+            </a:lvl4pPr>
+            <a:lvl5pPr marL="932688" indent="-182880" algn="l" defTabSz="914400" rtl="0" eaLnBrk="1" latinLnBrk="0" hangingPunct="1">
+              <a:lnSpc>
+                <a:spcPct val="90000"/>
+              </a:lnSpc>
+              <a:spcBef>
+                <a:spcPts val="200"/>
+              </a:spcBef>
+              <a:spcAft>
+                <a:spcPts val="400"/>
+              </a:spcAft>
+              <a:buClr>
+                <a:schemeClr val="tx2"/>
+              </a:buClr>
+              <a:buFont typeface="Calibri" pitchFamily="34" charset="0"/>
+              <a:buChar char="◦"/>
+              <a:defRPr sz="1400" kern="1200">
+                <a:solidFill>
+                  <a:schemeClr val="tx1">
+                    <a:lumMod val="75000"/>
+                    <a:lumOff val="25000"/>
+                  </a:schemeClr>
+                </a:solidFill>
+                <a:latin typeface="+mn-lt"/>
+                <a:ea typeface="+mn-ea"/>
+                <a:cs typeface="+mn-cs"/>
+              </a:defRPr>
+            </a:lvl5pPr>
+            <a:lvl6pPr marL="1100000" indent="-228600" algn="l" defTabSz="914400" rtl="0" eaLnBrk="1" latinLnBrk="0" hangingPunct="1">
+              <a:lnSpc>
+                <a:spcPct val="90000"/>
+              </a:lnSpc>
+              <a:spcBef>
+                <a:spcPts val="200"/>
+              </a:spcBef>
+              <a:spcAft>
+                <a:spcPts val="400"/>
+              </a:spcAft>
+              <a:buClr>
+                <a:schemeClr val="accent1"/>
+              </a:buClr>
+              <a:buFont typeface="Calibri" pitchFamily="34" charset="0"/>
+              <a:buChar char="◦"/>
+              <a:defRPr sz="1400" kern="1200">
+                <a:solidFill>
+                  <a:schemeClr val="tx1">
+                    <a:lumMod val="75000"/>
+                    <a:lumOff val="25000"/>
+                  </a:schemeClr>
+                </a:solidFill>
+                <a:latin typeface="+mn-lt"/>
+                <a:ea typeface="+mn-ea"/>
+                <a:cs typeface="+mn-cs"/>
+              </a:defRPr>
+            </a:lvl6pPr>
+            <a:lvl7pPr marL="1300000" indent="-228600" algn="l" defTabSz="914400" rtl="0" eaLnBrk="1" latinLnBrk="0" hangingPunct="1">
+              <a:lnSpc>
+                <a:spcPct val="90000"/>
+              </a:lnSpc>
+              <a:spcBef>
+                <a:spcPts val="200"/>
+              </a:spcBef>
+              <a:spcAft>
+                <a:spcPts val="400"/>
+              </a:spcAft>
+              <a:buClr>
+                <a:schemeClr val="accent1"/>
+              </a:buClr>
+              <a:buFont typeface="Calibri" pitchFamily="34" charset="0"/>
+              <a:buChar char="◦"/>
+              <a:defRPr sz="1400" kern="1200">
+                <a:solidFill>
+                  <a:schemeClr val="tx1">
+                    <a:lumMod val="75000"/>
+                    <a:lumOff val="25000"/>
+                  </a:schemeClr>
+                </a:solidFill>
+                <a:latin typeface="+mn-lt"/>
+                <a:ea typeface="+mn-ea"/>
+                <a:cs typeface="+mn-cs"/>
+              </a:defRPr>
+            </a:lvl7pPr>
+            <a:lvl8pPr marL="1500000" indent="-228600" algn="l" defTabSz="914400" rtl="0" eaLnBrk="1" latinLnBrk="0" hangingPunct="1">
+              <a:lnSpc>
+                <a:spcPct val="90000"/>
+              </a:lnSpc>
+              <a:spcBef>
+                <a:spcPts val="200"/>
+              </a:spcBef>
+              <a:spcAft>
+                <a:spcPts val="400"/>
+              </a:spcAft>
+              <a:buClr>
+                <a:schemeClr val="accent1"/>
+              </a:buClr>
+              <a:buFont typeface="Calibri" pitchFamily="34" charset="0"/>
+              <a:buChar char="◦"/>
+              <a:defRPr sz="1400" kern="1200">
+                <a:solidFill>
+                  <a:schemeClr val="tx1">
+                    <a:lumMod val="75000"/>
+                    <a:lumOff val="25000"/>
+                  </a:schemeClr>
+                </a:solidFill>
+                <a:latin typeface="+mn-lt"/>
+                <a:ea typeface="+mn-ea"/>
+                <a:cs typeface="+mn-cs"/>
+              </a:defRPr>
+            </a:lvl8pPr>
+            <a:lvl9pPr marL="1700000" indent="-228600" algn="l" defTabSz="914400" rtl="0" eaLnBrk="1" latinLnBrk="0" hangingPunct="1">
+              <a:lnSpc>
+                <a:spcPct val="90000"/>
+              </a:lnSpc>
+              <a:spcBef>
+                <a:spcPts val="200"/>
+              </a:spcBef>
+              <a:spcAft>
+                <a:spcPts val="400"/>
+              </a:spcAft>
+              <a:buClr>
+                <a:schemeClr val="accent1"/>
+              </a:buClr>
+              <a:buFont typeface="Calibri" pitchFamily="34" charset="0"/>
+              <a:buChar char="◦"/>
+              <a:defRPr sz="1400" kern="1200">
+                <a:solidFill>
+                  <a:schemeClr val="tx1">
+                    <a:lumMod val="75000"/>
+                    <a:lumOff val="25000"/>
+                  </a:schemeClr>
+                </a:solidFill>
+                <a:latin typeface="+mn-lt"/>
+                <a:ea typeface="+mn-ea"/>
+                <a:cs typeface="+mn-cs"/>
+              </a:defRPr>
+            </a:lvl9pPr>
+          </a:lstStyle>
+          <a:p>
+            <a:pPr>
+              <a:buFont typeface="Wingdings" panose="05000000000000000000" pitchFamily="2" charset="2"/>
+              <a:buChar char="q"/>
+            </a:pPr>
+            <a:r>
+              <a:rPr lang="fr-FR" dirty="0"/>
+              <a:t> </a:t>
+            </a:r>
+            <a:r>
+              <a:rPr lang="fr-FR" dirty="0" smtClean="0"/>
+              <a:t>Evaluation diagnostique</a:t>
+            </a:r>
+          </a:p>
+          <a:p>
+            <a:pPr lvl="1">
+              <a:buFont typeface="Wingdings" panose="05000000000000000000" pitchFamily="2" charset="2"/>
+              <a:buChar char="q"/>
+            </a:pPr>
+            <a:r>
+              <a:rPr lang="fr-FR" dirty="0"/>
+              <a:t> </a:t>
+            </a:r>
+            <a:r>
+              <a:rPr lang="fr-FR" dirty="0" smtClean="0"/>
+              <a:t>Questionnaire sur le cours</a:t>
+            </a:r>
+          </a:p>
+          <a:p>
+            <a:pPr lvl="2">
+              <a:buFont typeface="Wingdings" panose="05000000000000000000" pitchFamily="2" charset="2"/>
+              <a:buChar char="q"/>
+            </a:pPr>
+            <a:r>
+              <a:rPr lang="fr-FR" dirty="0" smtClean="0"/>
+              <a:t>QCM </a:t>
+            </a:r>
+          </a:p>
+          <a:p>
+            <a:pPr lvl="2">
+              <a:buFont typeface="Wingdings" panose="05000000000000000000" pitchFamily="2" charset="2"/>
+              <a:buChar char="q"/>
+            </a:pPr>
+            <a:endParaRPr lang="fr-FR" dirty="0"/>
+          </a:p>
+          <a:p>
+            <a:pPr lvl="2">
+              <a:buFont typeface="Wingdings" panose="05000000000000000000" pitchFamily="2" charset="2"/>
+              <a:buChar char="q"/>
+            </a:pPr>
+            <a:r>
+              <a:rPr lang="fr-FR" dirty="0" smtClean="0"/>
+              <a:t>Présentation du TP 15 minutes à la fin de la séance</a:t>
+            </a:r>
+          </a:p>
+          <a:p>
+            <a:pPr lvl="3">
+              <a:buFont typeface="Wingdings" panose="05000000000000000000" pitchFamily="2" charset="2"/>
+              <a:buChar char="q"/>
+            </a:pPr>
+            <a:r>
+              <a:rPr lang="fr-FR" dirty="0" smtClean="0"/>
+              <a:t>Est-ce que le groupe est capable de : </a:t>
+            </a:r>
+          </a:p>
+          <a:p>
+            <a:pPr lvl="4">
+              <a:buFont typeface="Wingdings" panose="05000000000000000000" pitchFamily="2" charset="2"/>
+              <a:buChar char="q"/>
+            </a:pPr>
+            <a:r>
+              <a:rPr lang="fr-FR" dirty="0" smtClean="0"/>
+              <a:t>Établir la chaine fonctionnelle</a:t>
+            </a:r>
+          </a:p>
+          <a:p>
+            <a:pPr lvl="4">
+              <a:buFont typeface="Wingdings" panose="05000000000000000000" pitchFamily="2" charset="2"/>
+              <a:buChar char="q"/>
+            </a:pPr>
+            <a:r>
+              <a:rPr lang="fr-FR" dirty="0" smtClean="0"/>
+              <a:t>Validité des perf mesurées</a:t>
+            </a:r>
+          </a:p>
+          <a:p>
+            <a:pPr lvl="4">
+              <a:buFont typeface="Wingdings" panose="05000000000000000000" pitchFamily="2" charset="2"/>
+              <a:buChar char="q"/>
+            </a:pPr>
+            <a:r>
+              <a:rPr lang="fr-FR" dirty="0" smtClean="0"/>
+              <a:t>Validité du modèle proposé</a:t>
+            </a:r>
+          </a:p>
+          <a:p>
+            <a:pPr lvl="4">
+              <a:buFont typeface="Wingdings" panose="05000000000000000000" pitchFamily="2" charset="2"/>
+              <a:buChar char="q"/>
+            </a:pPr>
+            <a:r>
+              <a:rPr lang="fr-FR" dirty="0" smtClean="0"/>
+              <a:t>Validité de la </a:t>
+            </a:r>
+            <a:r>
+              <a:rPr lang="fr-FR" smtClean="0"/>
+              <a:t>comparaison modèle-réel.</a:t>
+            </a:r>
+            <a:endParaRPr lang="fr-FR" dirty="0" smtClean="0"/>
+          </a:p>
+          <a:p>
+            <a:pPr lvl="2">
+              <a:buFont typeface="Wingdings" panose="05000000000000000000" pitchFamily="2" charset="2"/>
+              <a:buChar char="q"/>
+            </a:pPr>
+            <a:endParaRPr lang="fr-FR" dirty="0" smtClean="0"/>
+          </a:p>
+        </p:txBody>
+      </p:sp>
+    </p:spTree>
+    <p:extLst>
+      <p:ext uri="{BB962C8B-B14F-4D97-AF65-F5344CB8AC3E}">
+        <p14:creationId xmlns:p14="http://schemas.microsoft.com/office/powerpoint/2010/main" val="1862596528"/>
+      </p:ext>
+    </p:extLst>
+  </p:cSld>
+  <p:clrMapOvr>
+    <a:masterClrMapping/>
+  </p:clrMapOvr>
+</p:sld>
+</file>
+
+<file path=ppt/slides/slide8.xml><?xml version="1.0" encoding="utf-8"?>
+<p:sld xmlns:a="http://schemas.openxmlformats.org/drawingml/2006/main" xmlns:r="http://schemas.openxmlformats.org/officeDocument/2006/relationships" xmlns:p="http://schemas.openxmlformats.org/presentationml/2006/main">
+  <p:cSld>
+    <p:spTree>
+      <p:nvGrpSpPr>
+        <p:cNvPr id="1" name=""/>
+        <p:cNvGrpSpPr/>
+        <p:nvPr/>
+      </p:nvGrpSpPr>
+      <p:grpSpPr>
+        <a:xfrm>
+          <a:off x="0" y="0"/>
+          <a:ext cx="0" cy="0"/>
+          <a:chOff x="0" y="0"/>
+          <a:chExt cx="0" cy="0"/>
+        </a:xfrm>
+      </p:grpSpPr>
+      <p:sp>
+        <p:nvSpPr>
+          <p:cNvPr id="2" name="Titre 1"/>
+          <p:cNvSpPr>
+            <a:spLocks noGrp="1"/>
+          </p:cNvSpPr>
+          <p:nvPr>
+            <p:ph type="title"/>
+          </p:nvPr>
+        </p:nvSpPr>
+        <p:spPr/>
+        <p:txBody>
+          <a:bodyPr/>
+          <a:lstStyle/>
+          <a:p>
+            <a:r>
+              <a:rPr lang="fr-FR" dirty="0" smtClean="0"/>
+              <a:t>Compétences en SII</a:t>
+            </a:r>
+            <a:endParaRPr lang="fr-FR" dirty="0"/>
+          </a:p>
+        </p:txBody>
+      </p:sp>
+      <p:sp>
+        <p:nvSpPr>
+          <p:cNvPr id="3" name="Espace réservé du contenu 2"/>
+          <p:cNvSpPr>
+            <a:spLocks noGrp="1"/>
+          </p:cNvSpPr>
+          <p:nvPr>
+            <p:ph idx="1"/>
+          </p:nvPr>
+        </p:nvSpPr>
+        <p:spPr/>
+        <p:txBody>
+          <a:bodyPr/>
+          <a:lstStyle/>
+          <a:p>
+            <a:endParaRPr lang="fr-FR" dirty="0"/>
+          </a:p>
+        </p:txBody>
+      </p:sp>
+      <p:sp>
+        <p:nvSpPr>
+          <p:cNvPr id="4" name="Rectangle à coins arrondis 3"/>
+          <p:cNvSpPr/>
+          <p:nvPr/>
+        </p:nvSpPr>
+        <p:spPr>
+          <a:xfrm>
+            <a:off x="804672" y="1335024"/>
+            <a:ext cx="2606040" cy="530352"/>
+          </a:xfrm>
+          <a:prstGeom prst="roundRect">
+            <a:avLst/>
+          </a:prstGeom>
+        </p:spPr>
+        <p:style>
+          <a:lnRef idx="2">
+            <a:schemeClr val="accent1">
+              <a:shade val="50000"/>
+            </a:schemeClr>
+          </a:lnRef>
+          <a:fillRef idx="1">
+            <a:schemeClr val="accent1"/>
+          </a:fillRef>
+          <a:effectRef idx="0">
+            <a:schemeClr val="accent1"/>
+          </a:effectRef>
+          <a:fontRef idx="minor">
+            <a:schemeClr val="lt1"/>
+          </a:fontRef>
+        </p:style>
+        <p:txBody>
+          <a:bodyPr rtlCol="0" anchor="ctr"/>
+          <a:lstStyle/>
+          <a:p>
+            <a:pPr algn="ctr"/>
+            <a:r>
+              <a:rPr lang="fr-FR" dirty="0" smtClean="0"/>
+              <a:t>Analyser un système</a:t>
+            </a:r>
+            <a:endParaRPr lang="fr-FR" dirty="0"/>
+          </a:p>
+        </p:txBody>
+      </p:sp>
+      <p:sp>
+        <p:nvSpPr>
+          <p:cNvPr id="5" name="Rectangle à coins arrondis 4"/>
+          <p:cNvSpPr/>
+          <p:nvPr/>
+        </p:nvSpPr>
+        <p:spPr>
+          <a:xfrm>
+            <a:off x="804672" y="2066544"/>
+            <a:ext cx="2606040" cy="530352"/>
+          </a:xfrm>
+          <a:prstGeom prst="roundRect">
+            <a:avLst/>
+          </a:prstGeom>
+        </p:spPr>
+        <p:style>
+          <a:lnRef idx="2">
+            <a:schemeClr val="accent1">
+              <a:shade val="50000"/>
+            </a:schemeClr>
+          </a:lnRef>
+          <a:fillRef idx="1">
+            <a:schemeClr val="accent1"/>
+          </a:fillRef>
+          <a:effectRef idx="0">
+            <a:schemeClr val="accent1"/>
+          </a:effectRef>
+          <a:fontRef idx="minor">
+            <a:schemeClr val="lt1"/>
+          </a:fontRef>
+        </p:style>
+        <p:txBody>
+          <a:bodyPr rtlCol="0" anchor="ctr"/>
+          <a:lstStyle/>
+          <a:p>
+            <a:pPr algn="ctr"/>
+            <a:r>
+              <a:rPr lang="fr-FR" dirty="0" smtClean="0"/>
+              <a:t>Mettre en œuvre un système</a:t>
+            </a:r>
+            <a:endParaRPr lang="fr-FR" dirty="0"/>
+          </a:p>
+        </p:txBody>
+      </p:sp>
+      <p:sp>
+        <p:nvSpPr>
+          <p:cNvPr id="6" name="Rectangle à coins arrondis 5"/>
+          <p:cNvSpPr/>
+          <p:nvPr/>
+        </p:nvSpPr>
+        <p:spPr>
+          <a:xfrm>
+            <a:off x="804672" y="2770632"/>
+            <a:ext cx="2606040" cy="530352"/>
+          </a:xfrm>
+          <a:prstGeom prst="roundRect">
+            <a:avLst/>
+          </a:prstGeom>
+        </p:spPr>
+        <p:style>
+          <a:lnRef idx="2">
+            <a:schemeClr val="accent1">
+              <a:shade val="50000"/>
+            </a:schemeClr>
+          </a:lnRef>
+          <a:fillRef idx="1">
+            <a:schemeClr val="accent1"/>
+          </a:fillRef>
+          <a:effectRef idx="0">
+            <a:schemeClr val="accent1"/>
+          </a:effectRef>
+          <a:fontRef idx="minor">
+            <a:schemeClr val="lt1"/>
+          </a:fontRef>
+        </p:style>
+        <p:txBody>
+          <a:bodyPr rtlCol="0" anchor="ctr"/>
+          <a:lstStyle/>
+          <a:p>
+            <a:pPr algn="ctr"/>
+            <a:r>
+              <a:rPr lang="fr-FR" dirty="0" smtClean="0"/>
+              <a:t>Expérimenter (grâce à un système)</a:t>
+            </a:r>
+            <a:endParaRPr lang="fr-FR" dirty="0"/>
+          </a:p>
+        </p:txBody>
+      </p:sp>
+      <p:sp>
+        <p:nvSpPr>
+          <p:cNvPr id="7" name="Rectangle à coins arrondis 6"/>
+          <p:cNvSpPr/>
+          <p:nvPr/>
+        </p:nvSpPr>
+        <p:spPr>
+          <a:xfrm>
+            <a:off x="804672" y="3529584"/>
+            <a:ext cx="2606040" cy="530352"/>
+          </a:xfrm>
+          <a:prstGeom prst="roundRect">
+            <a:avLst/>
+          </a:prstGeom>
+        </p:spPr>
+        <p:style>
+          <a:lnRef idx="2">
+            <a:schemeClr val="accent1">
+              <a:shade val="50000"/>
+            </a:schemeClr>
+          </a:lnRef>
+          <a:fillRef idx="1">
+            <a:schemeClr val="accent1"/>
+          </a:fillRef>
+          <a:effectRef idx="0">
+            <a:schemeClr val="accent1"/>
+          </a:effectRef>
+          <a:fontRef idx="minor">
+            <a:schemeClr val="lt1"/>
+          </a:fontRef>
+        </p:style>
+        <p:txBody>
+          <a:bodyPr rtlCol="0" anchor="ctr"/>
+          <a:lstStyle/>
+          <a:p>
+            <a:pPr algn="ctr"/>
+            <a:r>
+              <a:rPr lang="fr-FR" dirty="0" smtClean="0"/>
+              <a:t>Modéliser un système globalement</a:t>
+            </a:r>
+          </a:p>
+        </p:txBody>
+      </p:sp>
+      <p:sp>
+        <p:nvSpPr>
+          <p:cNvPr id="8" name="Rectangle à coins arrondis 7"/>
+          <p:cNvSpPr/>
+          <p:nvPr/>
+        </p:nvSpPr>
+        <p:spPr>
+          <a:xfrm>
+            <a:off x="804672" y="4288536"/>
+            <a:ext cx="2606040" cy="530352"/>
+          </a:xfrm>
+          <a:prstGeom prst="roundRect">
+            <a:avLst/>
+          </a:prstGeom>
+        </p:spPr>
+        <p:style>
+          <a:lnRef idx="2">
+            <a:schemeClr val="accent1">
+              <a:shade val="50000"/>
+            </a:schemeClr>
+          </a:lnRef>
+          <a:fillRef idx="1">
+            <a:schemeClr val="accent1"/>
+          </a:fillRef>
+          <a:effectRef idx="0">
+            <a:schemeClr val="accent1"/>
+          </a:effectRef>
+          <a:fontRef idx="minor">
+            <a:schemeClr val="lt1"/>
+          </a:fontRef>
+        </p:style>
+        <p:txBody>
+          <a:bodyPr rtlCol="0" anchor="ctr"/>
+          <a:lstStyle/>
+          <a:p>
+            <a:pPr algn="ctr"/>
+            <a:r>
+              <a:rPr lang="fr-FR" dirty="0" smtClean="0"/>
+              <a:t>Modéliser un système par composants</a:t>
+            </a:r>
+          </a:p>
+        </p:txBody>
+      </p:sp>
+      <p:sp>
+        <p:nvSpPr>
+          <p:cNvPr id="9" name="Rectangle à coins arrondis 8"/>
+          <p:cNvSpPr/>
+          <p:nvPr/>
+        </p:nvSpPr>
+        <p:spPr>
+          <a:xfrm>
+            <a:off x="804672" y="5056632"/>
+            <a:ext cx="2606040" cy="530352"/>
+          </a:xfrm>
+          <a:prstGeom prst="roundRect">
+            <a:avLst/>
+          </a:prstGeom>
+        </p:spPr>
+        <p:style>
+          <a:lnRef idx="2">
+            <a:schemeClr val="accent1">
+              <a:shade val="50000"/>
+            </a:schemeClr>
+          </a:lnRef>
+          <a:fillRef idx="1">
+            <a:schemeClr val="accent1"/>
+          </a:fillRef>
+          <a:effectRef idx="0">
+            <a:schemeClr val="accent1"/>
+          </a:effectRef>
+          <a:fontRef idx="minor">
+            <a:schemeClr val="lt1"/>
+          </a:fontRef>
+        </p:style>
+        <p:txBody>
+          <a:bodyPr rtlCol="0" anchor="ctr"/>
+          <a:lstStyle/>
+          <a:p>
+            <a:pPr algn="ctr"/>
+            <a:r>
+              <a:rPr lang="fr-FR" dirty="0" smtClean="0"/>
+              <a:t>Synthétiser</a:t>
+            </a:r>
+            <a:endParaRPr lang="fr-FR" dirty="0"/>
+          </a:p>
+        </p:txBody>
+      </p:sp>
+    </p:spTree>
+    <p:extLst>
+      <p:ext uri="{BB962C8B-B14F-4D97-AF65-F5344CB8AC3E}">
+        <p14:creationId xmlns:p14="http://schemas.microsoft.com/office/powerpoint/2010/main" val="2385135370"/>
       </p:ext>
     </p:extLst>
   </p:cSld>

--- a/00_DocumentationVierge/Presentation.pptx
+++ b/00_DocumentationVierge/Presentation.pptx
@@ -353,7 +353,7 @@
           <a:p>
             <a:fld id="{D7F135F6-2A09-4FDD-9ECA-096E230CA0FA}" type="datetimeFigureOut">
               <a:rPr lang="fr-FR" smtClean="0"/>
-              <a:t>05/04/2023</a:t>
+              <a:t>12/04/2023</a:t>
             </a:fld>
             <a:endParaRPr lang="fr-FR"/>
           </a:p>
@@ -558,7 +558,7 @@
           <a:p>
             <a:fld id="{D7F135F6-2A09-4FDD-9ECA-096E230CA0FA}" type="datetimeFigureOut">
               <a:rPr lang="fr-FR" smtClean="0"/>
-              <a:t>05/04/2023</a:t>
+              <a:t>12/04/2023</a:t>
             </a:fld>
             <a:endParaRPr lang="fr-FR"/>
           </a:p>
@@ -814,7 +814,7 @@
           <a:p>
             <a:fld id="{D7F135F6-2A09-4FDD-9ECA-096E230CA0FA}" type="datetimeFigureOut">
               <a:rPr lang="fr-FR" smtClean="0"/>
-              <a:t>05/04/2023</a:t>
+              <a:t>12/04/2023</a:t>
             </a:fld>
             <a:endParaRPr lang="fr-FR"/>
           </a:p>
@@ -1020,7 +1020,7 @@
           <a:p>
             <a:fld id="{D7F135F6-2A09-4FDD-9ECA-096E230CA0FA}" type="datetimeFigureOut">
               <a:rPr lang="fr-FR" smtClean="0"/>
-              <a:t>05/04/2023</a:t>
+              <a:t>12/04/2023</a:t>
             </a:fld>
             <a:endParaRPr lang="fr-FR"/>
           </a:p>
@@ -1382,7 +1382,7 @@
           <a:p>
             <a:fld id="{D7F135F6-2A09-4FDD-9ECA-096E230CA0FA}" type="datetimeFigureOut">
               <a:rPr lang="fr-FR" smtClean="0"/>
-              <a:t>05/04/2023</a:t>
+              <a:t>12/04/2023</a:t>
             </a:fld>
             <a:endParaRPr lang="fr-FR"/>
           </a:p>
@@ -1657,7 +1657,7 @@
           <a:p>
             <a:fld id="{D7F135F6-2A09-4FDD-9ECA-096E230CA0FA}" type="datetimeFigureOut">
               <a:rPr lang="fr-FR" smtClean="0"/>
-              <a:t>05/04/2023</a:t>
+              <a:t>12/04/2023</a:t>
             </a:fld>
             <a:endParaRPr lang="fr-FR"/>
           </a:p>
@@ -2036,7 +2036,7 @@
           <a:p>
             <a:fld id="{D7F135F6-2A09-4FDD-9ECA-096E230CA0FA}" type="datetimeFigureOut">
               <a:rPr lang="fr-FR" smtClean="0"/>
-              <a:t>05/04/2023</a:t>
+              <a:t>12/04/2023</a:t>
             </a:fld>
             <a:endParaRPr lang="fr-FR"/>
           </a:p>
@@ -2154,7 +2154,7 @@
           <a:p>
             <a:fld id="{D7F135F6-2A09-4FDD-9ECA-096E230CA0FA}" type="datetimeFigureOut">
               <a:rPr lang="fr-FR" smtClean="0"/>
-              <a:t>05/04/2023</a:t>
+              <a:t>12/04/2023</a:t>
             </a:fld>
             <a:endParaRPr lang="fr-FR"/>
           </a:p>
@@ -2328,7 +2328,7 @@
           <a:p>
             <a:fld id="{D7F135F6-2A09-4FDD-9ECA-096E230CA0FA}" type="datetimeFigureOut">
               <a:rPr lang="fr-FR" smtClean="0"/>
-              <a:t>05/04/2023</a:t>
+              <a:t>12/04/2023</a:t>
             </a:fld>
             <a:endParaRPr lang="fr-FR"/>
           </a:p>
@@ -2685,7 +2685,7 @@
           <a:p>
             <a:fld id="{D7F135F6-2A09-4FDD-9ECA-096E230CA0FA}" type="datetimeFigureOut">
               <a:rPr lang="fr-FR" smtClean="0"/>
-              <a:t>05/04/2023</a:t>
+              <a:t>12/04/2023</a:t>
             </a:fld>
             <a:endParaRPr lang="fr-FR"/>
           </a:p>
@@ -3070,7 +3070,7 @@
           <a:p>
             <a:fld id="{D7F135F6-2A09-4FDD-9ECA-096E230CA0FA}" type="datetimeFigureOut">
               <a:rPr lang="fr-FR" smtClean="0"/>
-              <a:t>05/04/2023</a:t>
+              <a:t>12/04/2023</a:t>
             </a:fld>
             <a:endParaRPr lang="fr-FR"/>
           </a:p>
@@ -3360,7 +3360,7 @@
           <a:p>
             <a:fld id="{D7F135F6-2A09-4FDD-9ECA-096E230CA0FA}" type="datetimeFigureOut">
               <a:rPr lang="fr-FR" smtClean="0"/>
-              <a:t>05/04/2023</a:t>
+              <a:t>12/04/2023</a:t>
             </a:fld>
             <a:endParaRPr lang="fr-FR" dirty="0"/>
           </a:p>
